--- a/slide/pengenalan R.pptx
+++ b/slide/pengenalan R.pptx
@@ -5,10 +5,10 @@
     <p:sldMasterId id="2147483648" r:id="rId4"/>
   </p:sldMasterIdLst>
   <p:notesMasterIdLst>
-    <p:notesMasterId r:id="rId60"/>
+    <p:notesMasterId r:id="rId66"/>
   </p:notesMasterIdLst>
   <p:handoutMasterIdLst>
-    <p:handoutMasterId r:id="rId61"/>
+    <p:handoutMasterId r:id="rId67"/>
   </p:handoutMasterIdLst>
   <p:sldIdLst>
     <p:sldId id="256" r:id="rId5"/>
@@ -44,28 +44,34 @@
     <p:sldId id="298" r:id="rId35"/>
     <p:sldId id="299" r:id="rId36"/>
     <p:sldId id="297" r:id="rId37"/>
-    <p:sldId id="430" r:id="rId38"/>
-    <p:sldId id="431" r:id="rId39"/>
-    <p:sldId id="375" r:id="rId40"/>
-    <p:sldId id="380" r:id="rId41"/>
-    <p:sldId id="302" r:id="rId42"/>
-    <p:sldId id="303" r:id="rId43"/>
-    <p:sldId id="379" r:id="rId44"/>
-    <p:sldId id="300" r:id="rId45"/>
-    <p:sldId id="432" r:id="rId46"/>
-    <p:sldId id="301" r:id="rId47"/>
-    <p:sldId id="382" r:id="rId48"/>
-    <p:sldId id="376" r:id="rId49"/>
-    <p:sldId id="377" r:id="rId50"/>
-    <p:sldId id="381" r:id="rId51"/>
-    <p:sldId id="371" r:id="rId52"/>
-    <p:sldId id="373" r:id="rId53"/>
-    <p:sldId id="378" r:id="rId54"/>
-    <p:sldId id="405" r:id="rId55"/>
-    <p:sldId id="402" r:id="rId56"/>
-    <p:sldId id="403" r:id="rId57"/>
-    <p:sldId id="404" r:id="rId58"/>
-    <p:sldId id="411" r:id="rId59"/>
+    <p:sldId id="434" r:id="rId38"/>
+    <p:sldId id="435" r:id="rId39"/>
+    <p:sldId id="436" r:id="rId40"/>
+    <p:sldId id="437" r:id="rId41"/>
+    <p:sldId id="438" r:id="rId42"/>
+    <p:sldId id="439" r:id="rId43"/>
+    <p:sldId id="440" r:id="rId44"/>
+    <p:sldId id="441" r:id="rId45"/>
+    <p:sldId id="442" r:id="rId46"/>
+    <p:sldId id="443" r:id="rId47"/>
+    <p:sldId id="444" r:id="rId48"/>
+    <p:sldId id="446" r:id="rId49"/>
+    <p:sldId id="447" r:id="rId50"/>
+    <p:sldId id="451" r:id="rId51"/>
+    <p:sldId id="452" r:id="rId52"/>
+    <p:sldId id="453" r:id="rId53"/>
+    <p:sldId id="454" r:id="rId54"/>
+    <p:sldId id="455" r:id="rId55"/>
+    <p:sldId id="458" r:id="rId56"/>
+    <p:sldId id="459" r:id="rId57"/>
+    <p:sldId id="460" r:id="rId58"/>
+    <p:sldId id="461" r:id="rId59"/>
+    <p:sldId id="462" r:id="rId60"/>
+    <p:sldId id="463" r:id="rId61"/>
+    <p:sldId id="464" r:id="rId62"/>
+    <p:sldId id="465" r:id="rId63"/>
+    <p:sldId id="467" r:id="rId64"/>
+    <p:sldId id="411" r:id="rId65"/>
   </p:sldIdLst>
   <p:sldSz cx="12192000" cy="6858000"/>
   <p:notesSz cx="6858000" cy="9144000"/>
@@ -268,7 +274,7 @@
           <a:p>
             <a:fld id="{23CEAAF3-9831-450B-8D59-2C09DB96C8FC}" type="datetimeFigureOut">
               <a:rPr lang="en-US"/>
-              <a:t>2/13/2020</a:t>
+              <a:t>2/14/2020</a:t>
             </a:fld>
             <a:endParaRPr/>
           </a:p>
@@ -433,7 +439,7 @@
           <a:p>
             <a:fld id="{2D50CD79-FC16-4410-AB61-17F26E6D3BC8}" type="datetimeFigureOut">
               <a:rPr lang="en-US"/>
-              <a:t>2/13/2020</a:t>
+              <a:t>2/14/2020</a:t>
             </a:fld>
             <a:endParaRPr/>
           </a:p>
@@ -799,130 +805,6 @@
 </p:notes>
 </file>
 
-<file path=ppt/notesSlides/notesSlide2.xml><?xml version="1.0" encoding="utf-8"?>
-<p:notes xmlns:a="http://schemas.openxmlformats.org/drawingml/2006/main" xmlns:r="http://schemas.openxmlformats.org/officeDocument/2006/relationships" xmlns:p="http://schemas.openxmlformats.org/presentationml/2006/main">
-  <p:cSld>
-    <p:spTree>
-      <p:nvGrpSpPr>
-        <p:cNvPr id="1" name=""/>
-        <p:cNvGrpSpPr/>
-        <p:nvPr/>
-      </p:nvGrpSpPr>
-      <p:grpSpPr>
-        <a:xfrm>
-          <a:off x="0" y="0"/>
-          <a:ext cx="0" cy="0"/>
-          <a:chOff x="0" y="0"/>
-          <a:chExt cx="0" cy="0"/>
-        </a:xfrm>
-      </p:grpSpPr>
-      <p:sp>
-        <p:nvSpPr>
-          <p:cNvPr id="2" name="Slide Image Placeholder 1"/>
-          <p:cNvSpPr>
-            <a:spLocks noGrp="1" noRot="1" noChangeAspect="1"/>
-          </p:cNvSpPr>
-          <p:nvPr>
-            <p:ph type="sldImg"/>
-          </p:nvPr>
-        </p:nvSpPr>
-        <p:spPr/>
-      </p:sp>
-      <p:sp>
-        <p:nvSpPr>
-          <p:cNvPr id="3" name="Notes Placeholder 2"/>
-          <p:cNvSpPr>
-            <a:spLocks noGrp="1"/>
-          </p:cNvSpPr>
-          <p:nvPr>
-            <p:ph type="body" idx="1"/>
-          </p:nvPr>
-        </p:nvSpPr>
-        <p:spPr/>
-        <p:txBody>
-          <a:bodyPr/>
-          <a:lstStyle/>
-          <a:p>
-            <a:r>
-              <a:rPr lang="en-US" dirty="0" smtClean="0"/>
-              <a:t>Skew</a:t>
-            </a:r>
-            <a:r>
-              <a:rPr lang="en-US" baseline="0" dirty="0" smtClean="0"/>
-              <a:t> </a:t>
-            </a:r>
-            <a:r>
-              <a:rPr lang="en-US" baseline="0" dirty="0" err="1" smtClean="0"/>
-              <a:t>dan</a:t>
-            </a:r>
-            <a:r>
-              <a:rPr lang="en-US" baseline="0" dirty="0" smtClean="0"/>
-              <a:t> kurtosis </a:t>
-            </a:r>
-            <a:r>
-              <a:rPr lang="en-US" baseline="0" dirty="0" err="1" smtClean="0"/>
-              <a:t>semakin</a:t>
-            </a:r>
-            <a:r>
-              <a:rPr lang="en-US" baseline="0" dirty="0" smtClean="0"/>
-              <a:t> </a:t>
-            </a:r>
-            <a:r>
-              <a:rPr lang="en-US" baseline="0" dirty="0" err="1" smtClean="0"/>
-              <a:t>mendekati</a:t>
-            </a:r>
-            <a:r>
-              <a:rPr lang="en-US" baseline="0" dirty="0" smtClean="0"/>
-              <a:t> 0 </a:t>
-            </a:r>
-            <a:r>
-              <a:rPr lang="en-US" baseline="0" dirty="0" err="1" smtClean="0"/>
-              <a:t>smkin</a:t>
-            </a:r>
-            <a:r>
-              <a:rPr lang="en-US" baseline="0" dirty="0" smtClean="0"/>
-              <a:t> normal</a:t>
-            </a:r>
-            <a:endParaRPr lang="en-US" dirty="0"/>
-          </a:p>
-        </p:txBody>
-      </p:sp>
-      <p:sp>
-        <p:nvSpPr>
-          <p:cNvPr id="4" name="Slide Number Placeholder 3"/>
-          <p:cNvSpPr>
-            <a:spLocks noGrp="1"/>
-          </p:cNvSpPr>
-          <p:nvPr>
-            <p:ph type="sldNum" sz="quarter" idx="10"/>
-          </p:nvPr>
-        </p:nvSpPr>
-        <p:spPr/>
-        <p:txBody>
-          <a:bodyPr/>
-          <a:lstStyle/>
-          <a:p>
-            <a:fld id="{0A3C37BE-C303-496D-B5CD-85F2937540FC}" type="slidenum">
-              <a:rPr lang="en-US" smtClean="0"/>
-              <a:t>44</a:t>
-            </a:fld>
-            <a:endParaRPr lang="en-US"/>
-          </a:p>
-        </p:txBody>
-      </p:sp>
-    </p:spTree>
-    <p:extLst>
-      <p:ext uri="{BB962C8B-B14F-4D97-AF65-F5344CB8AC3E}">
-        <p14:creationId xmlns:p14="http://schemas.microsoft.com/office/powerpoint/2010/main" val="2071160623"/>
-      </p:ext>
-    </p:extLst>
-  </p:cSld>
-  <p:clrMapOvr>
-    <a:masterClrMapping/>
-  </p:clrMapOvr>
-</p:notes>
-</file>
-
 <file path=ppt/slideLayouts/slideLayout1.xml><?xml version="1.0" encoding="utf-8"?>
 <p:sldLayout xmlns:a="http://schemas.openxmlformats.org/drawingml/2006/main" xmlns:r="http://schemas.openxmlformats.org/officeDocument/2006/relationships" xmlns:p="http://schemas.openxmlformats.org/presentationml/2006/main" showMasterSp="0" type="title" preserve="1">
   <p:cSld name="Title Slide">
@@ -1202,7 +1084,7 @@
             <a:fld id="{402B9795-92DC-40DC-A1CA-9A4B349D7824}" type="datetimeFigureOut">
               <a:rPr lang="en-US" smtClean="0"/>
               <a:pPr/>
-              <a:t>2/13/2020</a:t>
+              <a:t>2/14/2020</a:t>
             </a:fld>
             <a:endParaRPr lang="en-US" dirty="0"/>
           </a:p>
@@ -1491,7 +1373,7 @@
           <a:p>
             <a:fld id="{402B9795-92DC-40DC-A1CA-9A4B349D7824}" type="datetimeFigureOut">
               <a:rPr lang="en-US"/>
-              <a:t>2/13/2020</a:t>
+              <a:t>2/14/2020</a:t>
             </a:fld>
             <a:endParaRPr/>
           </a:p>
@@ -1671,7 +1553,7 @@
           <a:p>
             <a:fld id="{402B9795-92DC-40DC-A1CA-9A4B349D7824}" type="datetimeFigureOut">
               <a:rPr lang="en-US"/>
-              <a:t>2/13/2020</a:t>
+              <a:t>2/14/2020</a:t>
             </a:fld>
             <a:endParaRPr/>
           </a:p>
@@ -1861,7 +1743,7 @@
           <a:p>
             <a:fld id="{402B9795-92DC-40DC-A1CA-9A4B349D7824}" type="datetimeFigureOut">
               <a:rPr lang="en-US"/>
-              <a:t>2/13/2020</a:t>
+              <a:t>2/14/2020</a:t>
             </a:fld>
             <a:endParaRPr/>
           </a:p>
@@ -2128,7 +2010,7 @@
           <a:p>
             <a:fld id="{402B9795-92DC-40DC-A1CA-9A4B349D7824}" type="datetimeFigureOut">
               <a:rPr lang="en-US"/>
-              <a:t>2/13/2020</a:t>
+              <a:t>2/14/2020</a:t>
             </a:fld>
             <a:endParaRPr/>
           </a:p>
@@ -3150,7 +3032,7 @@
           <a:p>
             <a:fld id="{402B9795-92DC-40DC-A1CA-9A4B349D7824}" type="datetimeFigureOut">
               <a:rPr lang="en-US"/>
-              <a:t>2/13/2020</a:t>
+              <a:t>2/14/2020</a:t>
             </a:fld>
             <a:endParaRPr/>
           </a:p>
@@ -3420,7 +3302,7 @@
           <a:p>
             <a:fld id="{402B9795-92DC-40DC-A1CA-9A4B349D7824}" type="datetimeFigureOut">
               <a:rPr lang="en-US"/>
-              <a:t>2/13/2020</a:t>
+              <a:t>2/14/2020</a:t>
             </a:fld>
             <a:endParaRPr/>
           </a:p>
@@ -3797,7 +3679,7 @@
           <a:p>
             <a:fld id="{402B9795-92DC-40DC-A1CA-9A4B349D7824}" type="datetimeFigureOut">
               <a:rPr lang="en-US"/>
-              <a:t>2/13/2020</a:t>
+              <a:t>2/14/2020</a:t>
             </a:fld>
             <a:endParaRPr/>
           </a:p>
@@ -3926,7 +3808,7 @@
           <a:p>
             <a:fld id="{402B9795-92DC-40DC-A1CA-9A4B349D7824}" type="datetimeFigureOut">
               <a:rPr lang="en-US"/>
-              <a:t>2/13/2020</a:t>
+              <a:t>2/14/2020</a:t>
             </a:fld>
             <a:endParaRPr/>
           </a:p>
@@ -4033,7 +3915,7 @@
           <a:p>
             <a:fld id="{402B9795-92DC-40DC-A1CA-9A4B349D7824}" type="datetimeFigureOut">
               <a:rPr lang="en-US"/>
-              <a:t>2/13/2020</a:t>
+              <a:t>2/14/2020</a:t>
             </a:fld>
             <a:endParaRPr/>
           </a:p>
@@ -4322,7 +4204,7 @@
           <a:p>
             <a:fld id="{402B9795-92DC-40DC-A1CA-9A4B349D7824}" type="datetimeFigureOut">
               <a:rPr lang="en-US"/>
-              <a:t>2/13/2020</a:t>
+              <a:t>2/14/2020</a:t>
             </a:fld>
             <a:endParaRPr/>
           </a:p>
@@ -4574,7 +4456,7 @@
             <a:fld id="{402B9795-92DC-40DC-A1CA-9A4B349D7824}" type="datetimeFigureOut">
               <a:rPr lang="en-US" smtClean="0"/>
               <a:pPr/>
-              <a:t>2/13/2020</a:t>
+              <a:t>2/14/2020</a:t>
             </a:fld>
             <a:endParaRPr lang="en-US"/>
           </a:p>
@@ -5662,7 +5544,7 @@
           <p:cNvPr id="7" name="Picture 6">
             <a:extLst>
               <a:ext uri="{FF2B5EF4-FFF2-40B4-BE49-F238E27FC236}">
-                <a16:creationId xmlns:a16="http://schemas.microsoft.com/office/drawing/2014/main" xmlns="" id="{957E454C-E8E2-4A68-A6BE-06B291B68238}"/>
+                <a16:creationId xmlns="" xmlns:a16="http://schemas.microsoft.com/office/drawing/2014/main" id="{957E454C-E8E2-4A68-A6BE-06B291B68238}"/>
               </a:ext>
             </a:extLst>
           </p:cNvPr>
@@ -5819,7 +5701,7 @@
           <p:cNvPr id="10" name="TextBox 9">
             <a:extLst>
               <a:ext uri="{FF2B5EF4-FFF2-40B4-BE49-F238E27FC236}">
-                <a16:creationId xmlns:a16="http://schemas.microsoft.com/office/drawing/2014/main" xmlns="" id="{0CCD38E4-DD91-48C8-A1DF-6518C2E37121}"/>
+                <a16:creationId xmlns="" xmlns:a16="http://schemas.microsoft.com/office/drawing/2014/main" id="{0CCD38E4-DD91-48C8-A1DF-6518C2E37121}"/>
               </a:ext>
             </a:extLst>
           </p:cNvPr>
@@ -6239,7 +6121,7 @@
           <p:cNvPr id="8" name="Rectangle: Rounded Corners 4">
             <a:extLst>
               <a:ext uri="{FF2B5EF4-FFF2-40B4-BE49-F238E27FC236}">
-                <a16:creationId xmlns:a16="http://schemas.microsoft.com/office/drawing/2014/main" xmlns="" id="{65B506E1-60BC-4CC9-8F75-D91678BA972D}"/>
+                <a16:creationId xmlns="" xmlns:a16="http://schemas.microsoft.com/office/drawing/2014/main" id="{65B506E1-60BC-4CC9-8F75-D91678BA972D}"/>
               </a:ext>
             </a:extLst>
           </p:cNvPr>
@@ -6286,7 +6168,7 @@
           <p:cNvPr id="9" name="Rectangle: Rounded Corners 5">
             <a:extLst>
               <a:ext uri="{FF2B5EF4-FFF2-40B4-BE49-F238E27FC236}">
-                <a16:creationId xmlns:a16="http://schemas.microsoft.com/office/drawing/2014/main" xmlns="" id="{2D2B8D53-A09C-47DF-BDB8-564DB582C4B7}"/>
+                <a16:creationId xmlns="" xmlns:a16="http://schemas.microsoft.com/office/drawing/2014/main" id="{2D2B8D53-A09C-47DF-BDB8-564DB582C4B7}"/>
               </a:ext>
             </a:extLst>
           </p:cNvPr>
@@ -6333,7 +6215,7 @@
           <p:cNvPr id="10" name="Rectangle: Rounded Corners 6">
             <a:extLst>
               <a:ext uri="{FF2B5EF4-FFF2-40B4-BE49-F238E27FC236}">
-                <a16:creationId xmlns:a16="http://schemas.microsoft.com/office/drawing/2014/main" xmlns="" id="{F07B5670-556E-43E1-A1D7-1B38B97F98D2}"/>
+                <a16:creationId xmlns="" xmlns:a16="http://schemas.microsoft.com/office/drawing/2014/main" id="{F07B5670-556E-43E1-A1D7-1B38B97F98D2}"/>
               </a:ext>
             </a:extLst>
           </p:cNvPr>
@@ -6380,7 +6262,7 @@
           <p:cNvPr id="11" name="Rectangle: Rounded Corners 7">
             <a:extLst>
               <a:ext uri="{FF2B5EF4-FFF2-40B4-BE49-F238E27FC236}">
-                <a16:creationId xmlns:a16="http://schemas.microsoft.com/office/drawing/2014/main" xmlns="" id="{3DCE5EBF-147D-452D-B6E0-36B72AB1947B}"/>
+                <a16:creationId xmlns="" xmlns:a16="http://schemas.microsoft.com/office/drawing/2014/main" id="{3DCE5EBF-147D-452D-B6E0-36B72AB1947B}"/>
               </a:ext>
             </a:extLst>
           </p:cNvPr>
@@ -6427,7 +6309,7 @@
           <p:cNvPr id="12" name="Rectangle: Rounded Corners 6">
             <a:extLst>
               <a:ext uri="{FF2B5EF4-FFF2-40B4-BE49-F238E27FC236}">
-                <a16:creationId xmlns:a16="http://schemas.microsoft.com/office/drawing/2014/main" xmlns="" id="{F07B5670-556E-43E1-A1D7-1B38B97F98D2}"/>
+                <a16:creationId xmlns="" xmlns:a16="http://schemas.microsoft.com/office/drawing/2014/main" id="{F07B5670-556E-43E1-A1D7-1B38B97F98D2}"/>
               </a:ext>
             </a:extLst>
           </p:cNvPr>
@@ -10479,11 +10361,7 @@
             </a:r>
             <a:r>
               <a:rPr lang="en-US" dirty="0" smtClean="0"/>
-              <a:t>c</a:t>
-            </a:r>
-            <a:r>
-              <a:rPr lang="en-US" dirty="0" smtClean="0"/>
-              <a:t>:</a:t>
+              <a:t>c:</a:t>
             </a:r>
             <a:endParaRPr lang="en-US" dirty="0"/>
           </a:p>
@@ -10508,7 +10386,6 @@
               <a:rPr lang="en-US" dirty="0" smtClean="0"/>
               <a:t> 	-&gt; rep(x,2)</a:t>
             </a:r>
-            <a:endParaRPr lang="en-US" dirty="0" smtClean="0"/>
           </a:p>
           <a:p>
             <a:r>
@@ -10543,7 +10420,6 @@
               <a:rPr lang="en-US" dirty="0" smtClean="0"/>
               <a:t>(1,10, by=2)</a:t>
             </a:r>
-            <a:endParaRPr lang="en-US" dirty="0" smtClean="0"/>
           </a:p>
           <a:p>
             <a:r>
@@ -15937,60 +15813,46 @@
               <a:buNone/>
             </a:pPr>
             <a:r>
+              <a:rPr lang="en-US" dirty="0" err="1" smtClean="0">
+                <a:latin typeface="Courier New" panose="02070309020205020404" pitchFamily="49" charset="0"/>
+                <a:cs typeface="Courier New" panose="02070309020205020404" pitchFamily="49" charset="0"/>
+              </a:rPr>
+              <a:t>datasurvei</a:t>
+            </a:r>
+            <a:r>
               <a:rPr lang="en-US" dirty="0" smtClean="0">
                 <a:latin typeface="Courier New" panose="02070309020205020404" pitchFamily="49" charset="0"/>
                 <a:cs typeface="Courier New" panose="02070309020205020404" pitchFamily="49" charset="0"/>
               </a:rPr>
-              <a:t>data.csv&lt;- </a:t>
+              <a:t>&lt;- </a:t>
             </a:r>
             <a:r>
               <a:rPr lang="en-US" dirty="0">
                 <a:latin typeface="Courier New" panose="02070309020205020404" pitchFamily="49" charset="0"/>
                 <a:cs typeface="Courier New" panose="02070309020205020404" pitchFamily="49" charset="0"/>
               </a:rPr>
-              <a:t>read.csv("</a:t>
+              <a:t>read.csv</a:t>
             </a:r>
             <a:r>
               <a:rPr lang="en-US" dirty="0" smtClean="0">
                 <a:latin typeface="Courier New" panose="02070309020205020404" pitchFamily="49" charset="0"/>
                 <a:cs typeface="Courier New" panose="02070309020205020404" pitchFamily="49" charset="0"/>
               </a:rPr>
-              <a:t>D:/</a:t>
+              <a:t>("eksplorasi.</a:t>
+            </a:r>
+            <a:r>
+              <a:rPr lang="en-US" dirty="0" err="1" smtClean="0">
+                <a:latin typeface="Courier New" panose="02070309020205020404" pitchFamily="49" charset="0"/>
+                <a:cs typeface="Courier New" panose="02070309020205020404" pitchFamily="49" charset="0"/>
+              </a:rPr>
+              <a:t>csv</a:t>
             </a:r>
             <a:r>
               <a:rPr lang="en-US" dirty="0">
                 <a:latin typeface="Courier New" panose="02070309020205020404" pitchFamily="49" charset="0"/>
                 <a:cs typeface="Courier New" panose="02070309020205020404" pitchFamily="49" charset="0"/>
               </a:rPr>
-              <a:t>pelatihan </a:t>
-            </a:r>
-            <a:r>
-              <a:rPr lang="en-US" dirty="0" smtClean="0">
-                <a:latin typeface="Courier New" panose="02070309020205020404" pitchFamily="49" charset="0"/>
-                <a:cs typeface="Courier New" panose="02070309020205020404" pitchFamily="49" charset="0"/>
-              </a:rPr>
-              <a:t>R/</a:t>
-            </a:r>
-            <a:r>
-              <a:rPr lang="en-US" dirty="0" err="1" smtClean="0">
-                <a:latin typeface="Courier New" panose="02070309020205020404" pitchFamily="49" charset="0"/>
-                <a:cs typeface="Courier New" panose="02070309020205020404" pitchFamily="49" charset="0"/>
-              </a:rPr>
-              <a:t>eksplorasi.csv</a:t>
-            </a:r>
-            <a:r>
-              <a:rPr lang="en-US" dirty="0" err="1">
-                <a:latin typeface="Courier New" panose="02070309020205020404" pitchFamily="49" charset="0"/>
-                <a:cs typeface="Courier New" panose="02070309020205020404" pitchFamily="49" charset="0"/>
-              </a:rPr>
-              <a:t>",header</a:t>
-            </a:r>
-            <a:r>
-              <a:rPr lang="en-US" dirty="0">
-                <a:latin typeface="Courier New" panose="02070309020205020404" pitchFamily="49" charset="0"/>
-                <a:cs typeface="Courier New" panose="02070309020205020404" pitchFamily="49" charset="0"/>
-              </a:rPr>
-              <a:t>=T)</a:t>
+              <a:t>",header=T)</a:t>
             </a:r>
           </a:p>
           <a:p>
@@ -16063,10 +15925,9 @@
           <a:lstStyle/>
           <a:p>
             <a:r>
-              <a:rPr lang="en-US" smtClean="0"/>
-              <a:t>Data yang digunakan</a:t>
-            </a:r>
-            <a:endParaRPr lang="en-US"/>
+              <a:rPr lang="id-ID" dirty="0"/>
+              <a:t>Mencetak daftar variabel</a:t>
+            </a:r>
           </a:p>
         </p:txBody>
       </p:sp>
@@ -16083,439 +15944,91 @@
         <p:spPr/>
         <p:txBody>
           <a:bodyPr>
-            <a:noAutofit/>
+            <a:normAutofit/>
           </a:bodyPr>
           <a:lstStyle/>
           <a:p>
-            <a:r>
-              <a:rPr lang="en-US" sz="2400" dirty="0" smtClean="0"/>
-              <a:t>File: eksplorasi.csv</a:t>
-            </a:r>
-          </a:p>
-          <a:p>
-            <a:r>
-              <a:rPr lang="en-US" sz="2400" dirty="0" err="1" smtClean="0"/>
-              <a:t>Pada</a:t>
-            </a:r>
-            <a:r>
-              <a:rPr lang="en-US" sz="2400" dirty="0" smtClean="0"/>
-              <a:t> file data </a:t>
-            </a:r>
-            <a:r>
-              <a:rPr lang="en-US" sz="2400" dirty="0" err="1" smtClean="0"/>
-              <a:t>terdapat</a:t>
-            </a:r>
-            <a:r>
-              <a:rPr lang="en-US" sz="2400" dirty="0" smtClean="0"/>
-              <a:t> </a:t>
-            </a:r>
-            <a:r>
-              <a:rPr lang="en-US" sz="2400" dirty="0" err="1" smtClean="0"/>
-              <a:t>informasi</a:t>
-            </a:r>
-            <a:r>
-              <a:rPr lang="en-US" sz="2400" dirty="0" smtClean="0"/>
-              <a:t> yang </a:t>
-            </a:r>
-            <a:r>
-              <a:rPr lang="en-US" sz="2400" dirty="0" err="1" smtClean="0"/>
-              <a:t>diperoleh</a:t>
-            </a:r>
-            <a:r>
-              <a:rPr lang="en-US" sz="2400" dirty="0" smtClean="0"/>
-              <a:t> </a:t>
-            </a:r>
-            <a:r>
-              <a:rPr lang="en-US" sz="2400" dirty="0" err="1" smtClean="0"/>
-              <a:t>dari</a:t>
-            </a:r>
-            <a:r>
-              <a:rPr lang="en-US" sz="2400" dirty="0" smtClean="0"/>
-              <a:t> 147 BPR (Bank </a:t>
-            </a:r>
-            <a:r>
-              <a:rPr lang="en-US" sz="2400" dirty="0" err="1" smtClean="0"/>
-              <a:t>Perkreditan</a:t>
-            </a:r>
-            <a:r>
-              <a:rPr lang="en-US" sz="2400" dirty="0" smtClean="0"/>
-              <a:t> Rakyat) di Indonesia, </a:t>
-            </a:r>
-            <a:r>
-              <a:rPr lang="en-US" sz="2400" dirty="0" err="1" smtClean="0"/>
-              <a:t>dari</a:t>
-            </a:r>
-            <a:r>
-              <a:rPr lang="en-US" sz="2400" dirty="0" smtClean="0"/>
-              <a:t> </a:t>
-            </a:r>
-            <a:r>
-              <a:rPr lang="en-US" sz="2400" dirty="0" err="1" smtClean="0"/>
-              <a:t>sekitar</a:t>
-            </a:r>
-            <a:r>
-              <a:rPr lang="en-US" sz="2400" dirty="0" smtClean="0"/>
-              <a:t> 2000 BPR yang </a:t>
-            </a:r>
-            <a:r>
-              <a:rPr lang="en-US" sz="2400" dirty="0" err="1" smtClean="0"/>
-              <a:t>ada</a:t>
-            </a:r>
-            <a:r>
-              <a:rPr lang="en-US" sz="2400" dirty="0" smtClean="0"/>
-              <a:t>.  </a:t>
-            </a:r>
-          </a:p>
-          <a:p>
-            <a:r>
-              <a:rPr lang="en-US" sz="2400" dirty="0" err="1" smtClean="0"/>
-              <a:t>Terdapat</a:t>
-            </a:r>
-            <a:r>
-              <a:rPr lang="en-US" sz="2400" dirty="0" smtClean="0"/>
-              <a:t> </a:t>
-            </a:r>
-            <a:r>
-              <a:rPr lang="en-US" sz="2400" dirty="0" err="1" smtClean="0"/>
-              <a:t>beberapa</a:t>
-            </a:r>
-            <a:r>
-              <a:rPr lang="en-US" sz="2400" dirty="0" smtClean="0"/>
-              <a:t> </a:t>
-            </a:r>
-            <a:r>
-              <a:rPr lang="en-US" sz="2400" dirty="0" err="1" smtClean="0"/>
-              <a:t>variabel</a:t>
-            </a:r>
-            <a:r>
-              <a:rPr lang="en-US" sz="2400" dirty="0" smtClean="0"/>
-              <a:t> yang </a:t>
-            </a:r>
-            <a:r>
-              <a:rPr lang="en-US" sz="2400" dirty="0" err="1" smtClean="0"/>
-              <a:t>dicatat</a:t>
-            </a:r>
-            <a:r>
-              <a:rPr lang="en-US" sz="2400" dirty="0" smtClean="0"/>
-              <a:t> </a:t>
-            </a:r>
-            <a:r>
-              <a:rPr lang="en-US" sz="2400" dirty="0" err="1" smtClean="0"/>
-              <a:t>pada</a:t>
-            </a:r>
-            <a:r>
-              <a:rPr lang="en-US" sz="2400" dirty="0" smtClean="0"/>
-              <a:t> dataset </a:t>
-            </a:r>
-            <a:r>
-              <a:rPr lang="en-US" sz="2400" dirty="0" err="1" smtClean="0"/>
-              <a:t>tersebut</a:t>
-            </a:r>
-            <a:r>
-              <a:rPr lang="en-US" sz="2400" dirty="0" smtClean="0"/>
-              <a:t>: </a:t>
-            </a:r>
-          </a:p>
-          <a:p>
-            <a:pPr lvl="1"/>
-            <a:r>
-              <a:rPr lang="en-US" sz="1800" dirty="0" smtClean="0"/>
-              <a:t>Non Performing Loan, </a:t>
-            </a:r>
-            <a:r>
-              <a:rPr lang="en-US" sz="1800" dirty="0" err="1" smtClean="0"/>
-              <a:t>persentase</a:t>
-            </a:r>
-            <a:r>
-              <a:rPr lang="en-US" sz="1800" dirty="0" smtClean="0"/>
-              <a:t> </a:t>
-            </a:r>
-            <a:r>
-              <a:rPr lang="en-US" sz="1800" dirty="0" err="1" smtClean="0"/>
-              <a:t>kredit</a:t>
-            </a:r>
-            <a:r>
-              <a:rPr lang="en-US" sz="1800" dirty="0" smtClean="0"/>
-              <a:t> yang </a:t>
-            </a:r>
-            <a:r>
-              <a:rPr lang="en-US" sz="1800" dirty="0" err="1" smtClean="0"/>
-              <a:t>kurang</a:t>
-            </a:r>
-            <a:r>
-              <a:rPr lang="en-US" sz="1800" dirty="0" smtClean="0"/>
-              <a:t> </a:t>
-            </a:r>
-            <a:r>
-              <a:rPr lang="en-US" sz="1800" dirty="0" err="1" smtClean="0"/>
-              <a:t>lancar</a:t>
-            </a:r>
-            <a:r>
-              <a:rPr lang="en-US" sz="1800" dirty="0" smtClean="0"/>
-              <a:t> </a:t>
-            </a:r>
-            <a:r>
-              <a:rPr lang="en-US" sz="1800" dirty="0" err="1" smtClean="0"/>
-              <a:t>pembayarannya</a:t>
-            </a:r>
-            <a:endParaRPr lang="en-US" sz="1800" dirty="0" smtClean="0"/>
-          </a:p>
-          <a:p>
-            <a:pPr lvl="1"/>
-            <a:r>
-              <a:rPr lang="en-US" sz="1800" dirty="0" smtClean="0"/>
-              <a:t>Growth </a:t>
-            </a:r>
-            <a:r>
-              <a:rPr lang="en-US" sz="1800" dirty="0" err="1" smtClean="0"/>
-              <a:t>Laba</a:t>
-            </a:r>
-            <a:r>
-              <a:rPr lang="en-US" sz="1800" dirty="0" smtClean="0"/>
-              <a:t> </a:t>
-            </a:r>
-            <a:r>
-              <a:rPr lang="en-US" sz="1800" dirty="0" err="1" smtClean="0"/>
-              <a:t>Rugi</a:t>
-            </a:r>
-            <a:r>
-              <a:rPr lang="en-US" sz="1800" dirty="0" smtClean="0"/>
-              <a:t> </a:t>
-            </a:r>
-            <a:r>
-              <a:rPr lang="en-US" sz="1800" dirty="0" err="1" smtClean="0"/>
-              <a:t>Berjalan</a:t>
-            </a:r>
-            <a:r>
-              <a:rPr lang="en-US" sz="1800" dirty="0" smtClean="0"/>
-              <a:t>, </a:t>
-            </a:r>
-            <a:r>
-              <a:rPr lang="en-US" sz="1800" dirty="0" err="1" smtClean="0"/>
-              <a:t>persentase</a:t>
-            </a:r>
-            <a:r>
-              <a:rPr lang="en-US" sz="1800" dirty="0" smtClean="0"/>
-              <a:t> </a:t>
-            </a:r>
-            <a:r>
-              <a:rPr lang="en-US" sz="1800" dirty="0" err="1" smtClean="0"/>
-              <a:t>laba</a:t>
-            </a:r>
-            <a:r>
-              <a:rPr lang="en-US" sz="1800" dirty="0" smtClean="0"/>
-              <a:t>/</a:t>
-            </a:r>
-            <a:r>
-              <a:rPr lang="en-US" sz="1800" dirty="0" err="1" smtClean="0"/>
-              <a:t>rugi</a:t>
-            </a:r>
-            <a:r>
-              <a:rPr lang="en-US" sz="1800" dirty="0" smtClean="0"/>
-              <a:t> </a:t>
-            </a:r>
-            <a:r>
-              <a:rPr lang="en-US" sz="1800" dirty="0" err="1" smtClean="0"/>
-              <a:t>bulan</a:t>
-            </a:r>
-            <a:r>
-              <a:rPr lang="en-US" sz="1800" dirty="0" smtClean="0"/>
-              <a:t> </a:t>
-            </a:r>
-            <a:r>
-              <a:rPr lang="en-US" sz="1800" dirty="0" err="1" smtClean="0"/>
-              <a:t>ini</a:t>
-            </a:r>
-            <a:r>
-              <a:rPr lang="en-US" sz="1800" dirty="0" smtClean="0"/>
-              <a:t> </a:t>
-            </a:r>
-            <a:r>
-              <a:rPr lang="en-US" sz="1800" dirty="0" err="1" smtClean="0"/>
-              <a:t>dibandingkan</a:t>
-            </a:r>
-            <a:r>
-              <a:rPr lang="en-US" sz="1800" dirty="0" smtClean="0"/>
-              <a:t> </a:t>
-            </a:r>
-            <a:r>
-              <a:rPr lang="en-US" sz="1800" dirty="0" err="1" smtClean="0"/>
-              <a:t>bulan</a:t>
-            </a:r>
-            <a:r>
-              <a:rPr lang="en-US" sz="1800" dirty="0" smtClean="0"/>
-              <a:t> </a:t>
-            </a:r>
-            <a:r>
-              <a:rPr lang="en-US" sz="1800" dirty="0" err="1" smtClean="0"/>
-              <a:t>sebelumnya</a:t>
-            </a:r>
-            <a:endParaRPr lang="en-US" sz="1800" dirty="0" smtClean="0"/>
-          </a:p>
-          <a:p>
-            <a:pPr lvl="1"/>
-            <a:r>
-              <a:rPr lang="en-US" sz="1800" dirty="0" smtClean="0"/>
-              <a:t>Spread Margin, </a:t>
-            </a:r>
-            <a:r>
-              <a:rPr lang="en-US" sz="1800" dirty="0" err="1" smtClean="0"/>
-              <a:t>selisih</a:t>
-            </a:r>
-            <a:r>
-              <a:rPr lang="en-US" sz="1800" dirty="0" smtClean="0"/>
-              <a:t> </a:t>
-            </a:r>
-            <a:r>
-              <a:rPr lang="en-US" sz="1800" dirty="0" err="1" smtClean="0"/>
-              <a:t>antara</a:t>
-            </a:r>
-            <a:r>
-              <a:rPr lang="en-US" sz="1800" dirty="0" smtClean="0"/>
-              <a:t> </a:t>
-            </a:r>
-            <a:r>
-              <a:rPr lang="en-US" sz="1800" dirty="0" err="1" smtClean="0"/>
-              <a:t>bunga</a:t>
-            </a:r>
-            <a:r>
-              <a:rPr lang="en-US" sz="1800" dirty="0" smtClean="0"/>
-              <a:t>/</a:t>
-            </a:r>
-            <a:r>
-              <a:rPr lang="en-US" sz="1800" dirty="0" err="1" smtClean="0"/>
-              <a:t>imbaljasa</a:t>
-            </a:r>
-            <a:r>
-              <a:rPr lang="en-US" sz="1800" dirty="0" smtClean="0"/>
-              <a:t> </a:t>
-            </a:r>
-            <a:r>
-              <a:rPr lang="en-US" sz="1800" dirty="0" err="1" smtClean="0"/>
-              <a:t>kredit</a:t>
-            </a:r>
-            <a:r>
-              <a:rPr lang="en-US" sz="1800" dirty="0" smtClean="0"/>
-              <a:t> </a:t>
-            </a:r>
-            <a:r>
-              <a:rPr lang="en-US" sz="1800" dirty="0" err="1" smtClean="0"/>
-              <a:t>dengan</a:t>
-            </a:r>
-            <a:r>
-              <a:rPr lang="en-US" sz="1800" dirty="0" smtClean="0"/>
-              <a:t> </a:t>
-            </a:r>
-            <a:r>
-              <a:rPr lang="en-US" sz="1800" dirty="0" err="1" smtClean="0"/>
-              <a:t>bunga</a:t>
-            </a:r>
-            <a:r>
-              <a:rPr lang="en-US" sz="1800" dirty="0" smtClean="0"/>
-              <a:t>/</a:t>
-            </a:r>
-            <a:r>
-              <a:rPr lang="en-US" sz="1800" dirty="0" err="1" smtClean="0"/>
-              <a:t>bagihasil</a:t>
-            </a:r>
-            <a:r>
-              <a:rPr lang="en-US" sz="1800" dirty="0" smtClean="0"/>
-              <a:t> </a:t>
-            </a:r>
-            <a:r>
-              <a:rPr lang="en-US" sz="1800" dirty="0" err="1" smtClean="0"/>
-              <a:t>tabungan</a:t>
-            </a:r>
-            <a:endParaRPr lang="en-US" sz="1800" dirty="0" smtClean="0"/>
-          </a:p>
-          <a:p>
-            <a:pPr lvl="1"/>
-            <a:r>
-              <a:rPr lang="en-US" sz="1800" dirty="0" smtClean="0"/>
-              <a:t>Cash Ratio, </a:t>
-            </a:r>
-            <a:r>
-              <a:rPr lang="en-US" sz="1800" dirty="0" err="1" smtClean="0"/>
-              <a:t>rasio</a:t>
-            </a:r>
-            <a:r>
-              <a:rPr lang="en-US" sz="1800" dirty="0" smtClean="0"/>
-              <a:t> cash yang </a:t>
-            </a:r>
-            <a:r>
-              <a:rPr lang="en-US" sz="1800" dirty="0" err="1" smtClean="0"/>
-              <a:t>dimiliki</a:t>
-            </a:r>
-            <a:r>
-              <a:rPr lang="en-US" sz="1800" dirty="0" smtClean="0"/>
-              <a:t> </a:t>
-            </a:r>
-            <a:r>
-              <a:rPr lang="en-US" sz="1800" dirty="0" err="1" smtClean="0"/>
-              <a:t>dibandingkan</a:t>
-            </a:r>
-            <a:r>
-              <a:rPr lang="en-US" sz="1800" dirty="0" smtClean="0"/>
-              <a:t> </a:t>
-            </a:r>
-            <a:r>
-              <a:rPr lang="en-US" sz="1800" dirty="0" err="1" smtClean="0"/>
-              <a:t>dengan</a:t>
-            </a:r>
-            <a:r>
-              <a:rPr lang="en-US" sz="1800" dirty="0" smtClean="0"/>
-              <a:t> dana </a:t>
-            </a:r>
-            <a:r>
-              <a:rPr lang="en-US" sz="1800" dirty="0" err="1" smtClean="0"/>
-              <a:t>pihak</a:t>
-            </a:r>
-            <a:r>
-              <a:rPr lang="en-US" sz="1800" dirty="0" smtClean="0"/>
-              <a:t> </a:t>
-            </a:r>
-            <a:r>
-              <a:rPr lang="en-US" sz="1800" dirty="0" err="1" smtClean="0"/>
-              <a:t>ketiga</a:t>
-            </a:r>
-            <a:r>
-              <a:rPr lang="en-US" sz="1800" dirty="0" smtClean="0"/>
-              <a:t> (DPK)</a:t>
-            </a:r>
-          </a:p>
-          <a:p>
-            <a:endParaRPr lang="en-US" sz="2400" dirty="0"/>
+            <a:pPr marL="363538" indent="-363538">
+              <a:buNone/>
+            </a:pPr>
+            <a:r>
+              <a:rPr lang="id-ID" dirty="0" err="1" smtClean="0">
+                <a:solidFill>
+                  <a:srgbClr val="0070C0"/>
+                </a:solidFill>
+                <a:latin typeface="Lucida Console" panose="020B0609040504020204" pitchFamily="49" charset="0"/>
+              </a:rPr>
+              <a:t>colnames</a:t>
+            </a:r>
+            <a:r>
+              <a:rPr lang="id-ID" dirty="0" smtClean="0">
+                <a:solidFill>
+                  <a:srgbClr val="0070C0"/>
+                </a:solidFill>
+                <a:latin typeface="Lucida Console" panose="020B0609040504020204" pitchFamily="49" charset="0"/>
+              </a:rPr>
+              <a:t>(</a:t>
+            </a:r>
+            <a:r>
+              <a:rPr lang="id-ID" dirty="0" err="1" smtClean="0">
+                <a:solidFill>
+                  <a:srgbClr val="0070C0"/>
+                </a:solidFill>
+                <a:latin typeface="Lucida Console" panose="020B0609040504020204" pitchFamily="49" charset="0"/>
+              </a:rPr>
+              <a:t>datasurvei</a:t>
+            </a:r>
+            <a:r>
+              <a:rPr lang="id-ID" dirty="0">
+                <a:solidFill>
+                  <a:srgbClr val="0070C0"/>
+                </a:solidFill>
+                <a:latin typeface="Lucida Console" panose="020B0609040504020204" pitchFamily="49" charset="0"/>
+              </a:rPr>
+              <a:t>)</a:t>
+            </a:r>
           </a:p>
         </p:txBody>
       </p:sp>
-      <p:sp>
-        <p:nvSpPr>
-          <p:cNvPr id="5" name="Slide Number Placeholder 4"/>
-          <p:cNvSpPr>
-            <a:spLocks noGrp="1"/>
-          </p:cNvSpPr>
-          <p:nvPr>
-            <p:ph type="sldNum" sz="quarter" idx="12"/>
-          </p:nvPr>
-        </p:nvSpPr>
-        <p:spPr/>
-        <p:txBody>
-          <a:bodyPr/>
-          <a:lstStyle/>
-          <a:p>
-            <a:fld id="{FA84F1FF-EA00-4DFC-8ABA-92BCB195DC3B}" type="slidenum">
-              <a:rPr lang="id-ID" smtClean="0"/>
-              <a:pPr/>
-              <a:t>34</a:t>
-            </a:fld>
-            <a:endParaRPr lang="id-ID" dirty="0"/>
-          </a:p>
-        </p:txBody>
-      </p:sp>
+      <p:pic>
+        <p:nvPicPr>
+          <p:cNvPr id="4" name="Picture 3"/>
+          <p:cNvPicPr>
+            <a:picLocks noChangeAspect="1"/>
+          </p:cNvPicPr>
+          <p:nvPr/>
+        </p:nvPicPr>
+        <p:blipFill>
+          <a:blip r:embed="rId2">
+            <a:clrChange>
+              <a:clrFrom>
+                <a:srgbClr val="FFFFFF"/>
+              </a:clrFrom>
+              <a:clrTo>
+                <a:srgbClr val="FFFFFF">
+                  <a:alpha val="0"/>
+                </a:srgbClr>
+              </a:clrTo>
+            </a:clrChange>
+          </a:blip>
+          <a:stretch>
+            <a:fillRect/>
+          </a:stretch>
+        </p:blipFill>
+        <p:spPr>
+          <a:xfrm>
+            <a:off x="2287121" y="2157414"/>
+            <a:ext cx="7613998" cy="958137"/>
+          </a:xfrm>
+          <a:prstGeom prst="rect">
+            <a:avLst/>
+          </a:prstGeom>
+        </p:spPr>
+      </p:pic>
     </p:spTree>
     <p:extLst>
       <p:ext uri="{BB962C8B-B14F-4D97-AF65-F5344CB8AC3E}">
-        <p14:creationId xmlns:p14="http://schemas.microsoft.com/office/powerpoint/2010/main" val="1532206134"/>
+        <p14:creationId xmlns:p14="http://schemas.microsoft.com/office/powerpoint/2010/main" val="2641502385"/>
       </p:ext>
     </p:extLst>
   </p:cSld>
@@ -16573,14 +16086,15 @@
         </p:nvSpPr>
         <p:spPr/>
         <p:txBody>
-          <a:bodyPr/>
+          <a:bodyPr>
+            <a:normAutofit/>
+          </a:bodyPr>
           <a:lstStyle/>
           <a:p>
             <a:r>
-              <a:rPr lang="en-US" smtClean="0"/>
-              <a:t>Data yang digunakan</a:t>
-            </a:r>
-            <a:endParaRPr lang="en-US"/>
+              <a:rPr lang="id-ID" dirty="0"/>
+              <a:t>Menampilkan 4 observasi pertama</a:t>
+            </a:r>
           </a:p>
         </p:txBody>
       </p:sp>
@@ -16594,456 +16108,94 @@
             <p:ph idx="1"/>
           </p:nvPr>
         </p:nvSpPr>
-        <p:spPr>
-          <a:xfrm>
-            <a:off x="633262" y="1677202"/>
-            <a:ext cx="9982200" cy="4572000"/>
-          </a:xfrm>
-        </p:spPr>
+        <p:spPr/>
         <p:txBody>
           <a:bodyPr>
             <a:normAutofit/>
           </a:bodyPr>
           <a:lstStyle/>
           <a:p>
-            <a:pPr lvl="1"/>
-            <a:r>
-              <a:rPr lang="en-US" sz="2000" dirty="0" smtClean="0"/>
-              <a:t>Modal inti </a:t>
-            </a:r>
-            <a:r>
-              <a:rPr lang="en-US" sz="2000" dirty="0" err="1" smtClean="0"/>
-              <a:t>thdp</a:t>
-            </a:r>
-            <a:r>
-              <a:rPr lang="en-US" sz="2000" dirty="0" smtClean="0"/>
-              <a:t> </a:t>
-            </a:r>
-            <a:r>
-              <a:rPr lang="en-US" sz="2000" dirty="0" err="1" smtClean="0"/>
-              <a:t>Aset</a:t>
-            </a:r>
-            <a:r>
-              <a:rPr lang="en-US" sz="2000" dirty="0" smtClean="0"/>
-              <a:t>, </a:t>
-            </a:r>
-            <a:r>
-              <a:rPr lang="en-US" sz="2000" dirty="0" err="1" smtClean="0"/>
-              <a:t>rasio</a:t>
-            </a:r>
-            <a:r>
-              <a:rPr lang="en-US" sz="2000" dirty="0" smtClean="0"/>
-              <a:t> </a:t>
-            </a:r>
-            <a:r>
-              <a:rPr lang="en-US" sz="2000" dirty="0" err="1" smtClean="0"/>
-              <a:t>besarnya</a:t>
-            </a:r>
-            <a:r>
-              <a:rPr lang="en-US" sz="2000" dirty="0" smtClean="0"/>
-              <a:t> modal </a:t>
-            </a:r>
-            <a:r>
-              <a:rPr lang="en-US" sz="2000" dirty="0" err="1" smtClean="0"/>
-              <a:t>terhadap</a:t>
-            </a:r>
-            <a:r>
-              <a:rPr lang="en-US" sz="2000" dirty="0" smtClean="0"/>
-              <a:t> total </a:t>
-            </a:r>
-            <a:r>
-              <a:rPr lang="en-US" sz="2000" dirty="0" err="1" smtClean="0"/>
-              <a:t>nilai</a:t>
-            </a:r>
-            <a:r>
-              <a:rPr lang="en-US" sz="2000" dirty="0" smtClean="0"/>
-              <a:t> </a:t>
-            </a:r>
-            <a:r>
-              <a:rPr lang="en-US" sz="2000" dirty="0" err="1" smtClean="0"/>
-              <a:t>aset</a:t>
-            </a:r>
-            <a:r>
-              <a:rPr lang="en-US" sz="2000" dirty="0" smtClean="0"/>
-              <a:t> yang </a:t>
-            </a:r>
-            <a:r>
-              <a:rPr lang="en-US" sz="2000" dirty="0" err="1" smtClean="0"/>
-              <a:t>dimiliki</a:t>
-            </a:r>
-            <a:endParaRPr lang="en-US" sz="2000" dirty="0" smtClean="0"/>
-          </a:p>
-          <a:p>
-            <a:pPr lvl="1"/>
-            <a:r>
-              <a:rPr lang="en-US" sz="2000" dirty="0" smtClean="0"/>
-              <a:t>BOPO, </a:t>
-            </a:r>
-            <a:r>
-              <a:rPr lang="en-US" sz="2000" dirty="0" err="1" smtClean="0"/>
-              <a:t>rasio</a:t>
-            </a:r>
-            <a:r>
-              <a:rPr lang="en-US" sz="2000" dirty="0" smtClean="0"/>
-              <a:t> </a:t>
-            </a:r>
-            <a:r>
-              <a:rPr lang="en-US" sz="2000" dirty="0" err="1" smtClean="0"/>
-              <a:t>antara</a:t>
-            </a:r>
-            <a:r>
-              <a:rPr lang="en-US" sz="2000" dirty="0" smtClean="0"/>
-              <a:t> </a:t>
-            </a:r>
-            <a:r>
-              <a:rPr lang="en-US" sz="2000" dirty="0" err="1" smtClean="0"/>
-              <a:t>biaya</a:t>
-            </a:r>
-            <a:r>
-              <a:rPr lang="en-US" sz="2000" dirty="0" smtClean="0"/>
-              <a:t> </a:t>
-            </a:r>
-            <a:r>
-              <a:rPr lang="en-US" sz="2000" dirty="0" err="1" smtClean="0"/>
-              <a:t>operasional</a:t>
-            </a:r>
-            <a:r>
-              <a:rPr lang="en-US" sz="2000" dirty="0" smtClean="0"/>
-              <a:t> </a:t>
-            </a:r>
-            <a:r>
-              <a:rPr lang="en-US" sz="2000" dirty="0" err="1" smtClean="0"/>
-              <a:t>terhadap</a:t>
-            </a:r>
-            <a:r>
-              <a:rPr lang="en-US" sz="2000" dirty="0" smtClean="0"/>
-              <a:t> </a:t>
-            </a:r>
-            <a:r>
-              <a:rPr lang="en-US" sz="2000" dirty="0" err="1" smtClean="0"/>
-              <a:t>pendapatan</a:t>
-            </a:r>
-            <a:r>
-              <a:rPr lang="en-US" sz="2000" dirty="0" smtClean="0"/>
-              <a:t> </a:t>
-            </a:r>
-            <a:r>
-              <a:rPr lang="en-US" sz="2000" dirty="0" err="1" smtClean="0"/>
-              <a:t>operasional</a:t>
-            </a:r>
-            <a:endParaRPr lang="en-US" sz="2000" dirty="0" smtClean="0"/>
-          </a:p>
-          <a:p>
-            <a:pPr lvl="1"/>
-            <a:r>
-              <a:rPr lang="en-US" sz="2000" dirty="0" smtClean="0"/>
-              <a:t>Ratio </a:t>
-            </a:r>
-            <a:r>
-              <a:rPr lang="en-US" sz="2000" dirty="0" err="1" smtClean="0"/>
-              <a:t>Kredit</a:t>
-            </a:r>
-            <a:r>
-              <a:rPr lang="en-US" sz="2000" dirty="0" smtClean="0"/>
-              <a:t> </a:t>
-            </a:r>
-            <a:r>
-              <a:rPr lang="en-US" sz="2000" dirty="0" err="1" smtClean="0"/>
-              <a:t>thdp</a:t>
-            </a:r>
-            <a:r>
-              <a:rPr lang="en-US" sz="2000" dirty="0" smtClean="0"/>
-              <a:t> DPK, </a:t>
-            </a:r>
-            <a:r>
-              <a:rPr lang="en-US" sz="2000" dirty="0" err="1" smtClean="0"/>
-              <a:t>rasio</a:t>
-            </a:r>
-            <a:r>
-              <a:rPr lang="en-US" sz="2000" dirty="0" smtClean="0"/>
-              <a:t> total </a:t>
-            </a:r>
-            <a:r>
-              <a:rPr lang="en-US" sz="2000" dirty="0" err="1" smtClean="0"/>
-              <a:t>nilai</a:t>
-            </a:r>
-            <a:r>
-              <a:rPr lang="en-US" sz="2000" dirty="0" smtClean="0"/>
-              <a:t> </a:t>
-            </a:r>
-            <a:r>
-              <a:rPr lang="en-US" sz="2000" dirty="0" err="1" smtClean="0"/>
-              <a:t>kredit</a:t>
-            </a:r>
-            <a:r>
-              <a:rPr lang="en-US" sz="2000" dirty="0" smtClean="0"/>
-              <a:t> yang </a:t>
-            </a:r>
-            <a:r>
-              <a:rPr lang="en-US" sz="2000" dirty="0" err="1" smtClean="0"/>
-              <a:t>disalurkan</a:t>
-            </a:r>
-            <a:r>
-              <a:rPr lang="en-US" sz="2000" dirty="0" smtClean="0"/>
-              <a:t> </a:t>
-            </a:r>
-            <a:r>
-              <a:rPr lang="en-US" sz="2000" dirty="0" err="1" smtClean="0"/>
-              <a:t>terhadap</a:t>
-            </a:r>
-            <a:r>
-              <a:rPr lang="en-US" sz="2000" dirty="0" smtClean="0"/>
-              <a:t> total </a:t>
-            </a:r>
-            <a:r>
-              <a:rPr lang="en-US" sz="2000" dirty="0" err="1" smtClean="0"/>
-              <a:t>nilai</a:t>
-            </a:r>
-            <a:r>
-              <a:rPr lang="en-US" sz="2000" dirty="0" smtClean="0"/>
-              <a:t> DPK</a:t>
-            </a:r>
-          </a:p>
-          <a:p>
-            <a:pPr lvl="1"/>
-            <a:r>
-              <a:rPr lang="en-US" sz="2000" dirty="0" err="1" smtClean="0"/>
-              <a:t>Rasio</a:t>
-            </a:r>
-            <a:r>
-              <a:rPr lang="en-US" sz="2000" dirty="0" smtClean="0"/>
-              <a:t> </a:t>
-            </a:r>
-            <a:r>
-              <a:rPr lang="en-US" sz="2000" dirty="0" err="1" smtClean="0"/>
-              <a:t>biaya</a:t>
-            </a:r>
-            <a:r>
-              <a:rPr lang="en-US" sz="2000" dirty="0" smtClean="0"/>
-              <a:t> </a:t>
-            </a:r>
-            <a:r>
-              <a:rPr lang="en-US" sz="2000" dirty="0" err="1" smtClean="0"/>
-              <a:t>tenaga</a:t>
-            </a:r>
-            <a:r>
-              <a:rPr lang="en-US" sz="2000" dirty="0" smtClean="0"/>
-              <a:t> </a:t>
-            </a:r>
-            <a:r>
-              <a:rPr lang="en-US" sz="2000" dirty="0" err="1" smtClean="0"/>
-              <a:t>thd</a:t>
-            </a:r>
-            <a:r>
-              <a:rPr lang="en-US" sz="2000" dirty="0" smtClean="0"/>
-              <a:t> </a:t>
-            </a:r>
-            <a:r>
-              <a:rPr lang="en-US" sz="2000" dirty="0" err="1" smtClean="0"/>
-              <a:t>pendapatan</a:t>
-            </a:r>
-            <a:r>
-              <a:rPr lang="en-US" sz="2000" dirty="0" smtClean="0"/>
-              <a:t> </a:t>
-            </a:r>
-            <a:r>
-              <a:rPr lang="en-US" sz="2000" dirty="0" err="1" smtClean="0"/>
-              <a:t>operasional</a:t>
-            </a:r>
-            <a:r>
-              <a:rPr lang="en-US" sz="2000" dirty="0" smtClean="0"/>
-              <a:t>, </a:t>
-            </a:r>
-            <a:r>
-              <a:rPr lang="en-US" sz="2000" dirty="0" err="1" smtClean="0"/>
-              <a:t>rasio</a:t>
-            </a:r>
-            <a:r>
-              <a:rPr lang="en-US" sz="2000" dirty="0" smtClean="0"/>
-              <a:t> </a:t>
-            </a:r>
-            <a:r>
-              <a:rPr lang="en-US" sz="2000" dirty="0" err="1" smtClean="0"/>
-              <a:t>besarnya</a:t>
-            </a:r>
-            <a:r>
-              <a:rPr lang="en-US" sz="2000" dirty="0" smtClean="0"/>
-              <a:t> </a:t>
-            </a:r>
-            <a:r>
-              <a:rPr lang="en-US" sz="2000" dirty="0" err="1" smtClean="0"/>
-              <a:t>biaya</a:t>
-            </a:r>
-            <a:r>
-              <a:rPr lang="en-US" sz="2000" dirty="0" smtClean="0"/>
-              <a:t> yang </a:t>
-            </a:r>
-            <a:r>
-              <a:rPr lang="en-US" sz="2000" dirty="0" err="1" smtClean="0"/>
-              <a:t>dikeluarkan</a:t>
-            </a:r>
-            <a:r>
-              <a:rPr lang="en-US" sz="2000" dirty="0" smtClean="0"/>
-              <a:t> </a:t>
-            </a:r>
-            <a:r>
-              <a:rPr lang="en-US" sz="2000" dirty="0" err="1" smtClean="0"/>
-              <a:t>untuk</a:t>
-            </a:r>
-            <a:r>
-              <a:rPr lang="en-US" sz="2000" dirty="0" smtClean="0"/>
-              <a:t> </a:t>
-            </a:r>
-            <a:r>
-              <a:rPr lang="en-US" sz="2000" dirty="0" err="1" smtClean="0"/>
-              <a:t>tenaga</a:t>
-            </a:r>
-            <a:r>
-              <a:rPr lang="en-US" sz="2000" dirty="0" smtClean="0"/>
-              <a:t> </a:t>
-            </a:r>
-            <a:r>
-              <a:rPr lang="en-US" sz="2000" dirty="0" err="1" smtClean="0"/>
-              <a:t>kerja</a:t>
-            </a:r>
-            <a:r>
-              <a:rPr lang="en-US" sz="2000" dirty="0" smtClean="0"/>
-              <a:t> </a:t>
-            </a:r>
-            <a:r>
-              <a:rPr lang="en-US" sz="2000" dirty="0" err="1" smtClean="0"/>
-              <a:t>terhadap</a:t>
-            </a:r>
-            <a:r>
-              <a:rPr lang="en-US" sz="2000" dirty="0" smtClean="0"/>
-              <a:t> </a:t>
-            </a:r>
-            <a:r>
-              <a:rPr lang="en-US" sz="2000" dirty="0" err="1" smtClean="0"/>
-              <a:t>nilai</a:t>
-            </a:r>
-            <a:r>
-              <a:rPr lang="en-US" sz="2000" dirty="0" smtClean="0"/>
-              <a:t> </a:t>
-            </a:r>
-            <a:r>
-              <a:rPr lang="en-US" sz="2000" dirty="0" err="1" smtClean="0"/>
-              <a:t>pendapatan</a:t>
-            </a:r>
-            <a:r>
-              <a:rPr lang="en-US" sz="2000" dirty="0" smtClean="0"/>
-              <a:t> </a:t>
-            </a:r>
-            <a:r>
-              <a:rPr lang="en-US" sz="2000" dirty="0" err="1" smtClean="0"/>
-              <a:t>operasional</a:t>
-            </a:r>
-            <a:endParaRPr lang="en-US" sz="2000" dirty="0" smtClean="0"/>
-          </a:p>
-          <a:p>
-            <a:pPr lvl="1"/>
-            <a:r>
-              <a:rPr lang="en-US" sz="2000" dirty="0" err="1" smtClean="0"/>
-              <a:t>Rasio</a:t>
-            </a:r>
-            <a:r>
-              <a:rPr lang="en-US" sz="2000" dirty="0" smtClean="0"/>
-              <a:t> </a:t>
-            </a:r>
-            <a:r>
-              <a:rPr lang="en-US" sz="2000" dirty="0" err="1" smtClean="0"/>
-              <a:t>Pendapatan</a:t>
-            </a:r>
-            <a:r>
-              <a:rPr lang="en-US" sz="2000" dirty="0" smtClean="0"/>
-              <a:t> </a:t>
-            </a:r>
-            <a:r>
-              <a:rPr lang="en-US" sz="2000" dirty="0" err="1" smtClean="0"/>
-              <a:t>Operasional</a:t>
-            </a:r>
-            <a:r>
-              <a:rPr lang="en-US" sz="2000" dirty="0" smtClean="0"/>
-              <a:t> </a:t>
-            </a:r>
-            <a:r>
-              <a:rPr lang="en-US" sz="2000" dirty="0" err="1" smtClean="0"/>
-              <a:t>thd</a:t>
-            </a:r>
-            <a:r>
-              <a:rPr lang="en-US" sz="2000" dirty="0" smtClean="0"/>
-              <a:t> </a:t>
-            </a:r>
-            <a:r>
-              <a:rPr lang="en-US" sz="2000" dirty="0" err="1" smtClean="0"/>
-              <a:t>Aset</a:t>
-            </a:r>
-            <a:r>
-              <a:rPr lang="en-US" sz="2000" dirty="0" smtClean="0"/>
-              <a:t> </a:t>
-            </a:r>
-            <a:r>
-              <a:rPr lang="en-US" sz="2000" dirty="0" err="1" smtClean="0"/>
-              <a:t>Produktif</a:t>
-            </a:r>
-            <a:endParaRPr lang="en-US" sz="2000" dirty="0" smtClean="0"/>
-          </a:p>
-          <a:p>
-            <a:endParaRPr lang="en-US" sz="2800" dirty="0"/>
+            <a:pPr marL="363538" indent="-363538">
+              <a:buNone/>
+            </a:pPr>
+            <a:r>
+              <a:rPr lang="id-ID" dirty="0" err="1" smtClean="0">
+                <a:solidFill>
+                  <a:srgbClr val="0070C0"/>
+                </a:solidFill>
+                <a:latin typeface="Lucida Console" panose="020B0609040504020204" pitchFamily="49" charset="0"/>
+              </a:rPr>
+              <a:t>head</a:t>
+            </a:r>
+            <a:r>
+              <a:rPr lang="id-ID" dirty="0" smtClean="0">
+                <a:solidFill>
+                  <a:srgbClr val="0070C0"/>
+                </a:solidFill>
+                <a:latin typeface="Lucida Console" panose="020B0609040504020204" pitchFamily="49" charset="0"/>
+              </a:rPr>
+              <a:t>(</a:t>
+            </a:r>
+            <a:r>
+              <a:rPr lang="id-ID" dirty="0" err="1" smtClean="0">
+                <a:solidFill>
+                  <a:srgbClr val="0070C0"/>
+                </a:solidFill>
+                <a:latin typeface="Lucida Console" panose="020B0609040504020204" pitchFamily="49" charset="0"/>
+              </a:rPr>
+              <a:t>datasurvei</a:t>
+            </a:r>
+            <a:r>
+              <a:rPr lang="id-ID" dirty="0">
+                <a:solidFill>
+                  <a:srgbClr val="0070C0"/>
+                </a:solidFill>
+                <a:latin typeface="Lucida Console" panose="020B0609040504020204" pitchFamily="49" charset="0"/>
+              </a:rPr>
+              <a:t>, n=4)</a:t>
+            </a:r>
           </a:p>
         </p:txBody>
       </p:sp>
-      <p:sp>
-        <p:nvSpPr>
-          <p:cNvPr id="4" name="Date Placeholder 3"/>
-          <p:cNvSpPr>
-            <a:spLocks noGrp="1"/>
-          </p:cNvSpPr>
-          <p:nvPr>
-            <p:ph type="dt" sz="half" idx="10"/>
-          </p:nvPr>
-        </p:nvSpPr>
-        <p:spPr/>
-        <p:txBody>
-          <a:bodyPr/>
-          <a:lstStyle/>
-          <a:p>
-            <a:r>
-              <a:rPr lang="en-US" smtClean="0"/>
-              <a:t>Departemen Statistika FMIPA IPB</a:t>
-            </a:r>
-            <a:endParaRPr lang="id-ID" dirty="0"/>
-          </a:p>
-        </p:txBody>
-      </p:sp>
-      <p:sp>
-        <p:nvSpPr>
-          <p:cNvPr id="5" name="Slide Number Placeholder 4"/>
-          <p:cNvSpPr>
-            <a:spLocks noGrp="1"/>
-          </p:cNvSpPr>
-          <p:nvPr>
-            <p:ph type="sldNum" sz="quarter" idx="12"/>
-          </p:nvPr>
-        </p:nvSpPr>
-        <p:spPr/>
-        <p:txBody>
-          <a:bodyPr/>
-          <a:lstStyle/>
-          <a:p>
-            <a:fld id="{FA84F1FF-EA00-4DFC-8ABA-92BCB195DC3B}" type="slidenum">
-              <a:rPr lang="id-ID" smtClean="0"/>
-              <a:pPr/>
-              <a:t>35</a:t>
-            </a:fld>
-            <a:endParaRPr lang="id-ID" dirty="0"/>
-          </a:p>
-        </p:txBody>
-      </p:sp>
+      <p:pic>
+        <p:nvPicPr>
+          <p:cNvPr id="4" name="Picture 3"/>
+          <p:cNvPicPr>
+            <a:picLocks noChangeAspect="1"/>
+          </p:cNvPicPr>
+          <p:nvPr/>
+        </p:nvPicPr>
+        <p:blipFill>
+          <a:blip r:embed="rId2">
+            <a:clrChange>
+              <a:clrFrom>
+                <a:srgbClr val="FFFFFF"/>
+              </a:clrFrom>
+              <a:clrTo>
+                <a:srgbClr val="FFFFFF">
+                  <a:alpha val="0"/>
+                </a:srgbClr>
+              </a:clrTo>
+            </a:clrChange>
+          </a:blip>
+          <a:stretch>
+            <a:fillRect/>
+          </a:stretch>
+        </p:blipFill>
+        <p:spPr>
+          <a:xfrm>
+            <a:off x="2882414" y="2154675"/>
+            <a:ext cx="6972028" cy="2013914"/>
+          </a:xfrm>
+          <a:prstGeom prst="rect">
+            <a:avLst/>
+          </a:prstGeom>
+        </p:spPr>
+      </p:pic>
     </p:spTree>
     <p:extLst>
       <p:ext uri="{BB962C8B-B14F-4D97-AF65-F5344CB8AC3E}">
-        <p14:creationId xmlns:p14="http://schemas.microsoft.com/office/powerpoint/2010/main" val="1844502793"/>
+        <p14:creationId xmlns:p14="http://schemas.microsoft.com/office/powerpoint/2010/main" val="374310879"/>
       </p:ext>
     </p:extLst>
   </p:cSld>
@@ -17105,38 +16257,9 @@
           <a:lstStyle/>
           <a:p>
             <a:r>
-              <a:rPr lang="en-US" dirty="0" err="1" smtClean="0"/>
-              <a:t>Menampilkan</a:t>
-            </a:r>
-            <a:r>
-              <a:rPr lang="en-US" dirty="0" smtClean="0"/>
-              <a:t> Data </a:t>
-            </a:r>
-            <a:r>
-              <a:rPr lang="en-US" dirty="0" err="1"/>
-              <a:t>d</a:t>
-            </a:r>
-            <a:r>
-              <a:rPr lang="en-US" dirty="0" err="1" smtClean="0"/>
-              <a:t>alam</a:t>
-            </a:r>
-            <a:r>
-              <a:rPr lang="en-US" dirty="0" smtClean="0"/>
-              <a:t> </a:t>
-            </a:r>
-            <a:r>
-              <a:rPr lang="en-US" dirty="0" err="1" smtClean="0"/>
-              <a:t>Bentuk</a:t>
-            </a:r>
-            <a:r>
-              <a:rPr lang="en-US" dirty="0" smtClean="0"/>
-              <a:t> </a:t>
-            </a:r>
-            <a:r>
-              <a:rPr lang="en-US" dirty="0" err="1" smtClean="0"/>
-              <a:t>Spreedsheet</a:t>
-            </a:r>
-            <a:endParaRPr lang="en-US" dirty="0"/>
+              <a:rPr lang="id-ID" dirty="0"/>
+              <a:t>Mencetak seluruh data</a:t>
+            </a:r>
           </a:p>
         </p:txBody>
       </p:sp>
@@ -17152,60 +16275,183 @@
         </p:nvSpPr>
         <p:spPr/>
         <p:txBody>
-          <a:bodyPr/>
+          <a:bodyPr>
+            <a:normAutofit/>
+          </a:bodyPr>
           <a:lstStyle/>
           <a:p>
-            <a:pPr marL="0" indent="0">
+            <a:pPr marL="363538" indent="-363538">
               <a:buNone/>
             </a:pPr>
             <a:r>
-              <a:rPr lang="en-US" dirty="0">
-                <a:latin typeface="Courier New" panose="02070309020205020404" pitchFamily="49" charset="0"/>
-                <a:cs typeface="Courier New" panose="02070309020205020404" pitchFamily="49" charset="0"/>
-              </a:rPr>
-              <a:t>View(data.csv) # </a:t>
-            </a:r>
-            <a:r>
-              <a:rPr lang="en-US" dirty="0" err="1">
-                <a:latin typeface="Courier New" panose="02070309020205020404" pitchFamily="49" charset="0"/>
-                <a:cs typeface="Courier New" panose="02070309020205020404" pitchFamily="49" charset="0"/>
-              </a:rPr>
-              <a:t>menampilkan</a:t>
-            </a:r>
-            <a:r>
-              <a:rPr lang="en-US" dirty="0">
-                <a:latin typeface="Courier New" panose="02070309020205020404" pitchFamily="49" charset="0"/>
-                <a:cs typeface="Courier New" panose="02070309020205020404" pitchFamily="49" charset="0"/>
-              </a:rPr>
-              <a:t> data frame di View R</a:t>
-            </a:r>
-          </a:p>
-          <a:p>
-            <a:pPr marL="0" indent="0">
+              <a:rPr lang="id-ID" dirty="0" err="1" smtClean="0">
+                <a:solidFill>
+                  <a:srgbClr val="0070C0"/>
+                </a:solidFill>
+                <a:latin typeface="Lucida Console" panose="020B0609040504020204" pitchFamily="49" charset="0"/>
+              </a:rPr>
+              <a:t>print</a:t>
+            </a:r>
+            <a:r>
+              <a:rPr lang="id-ID" dirty="0" smtClean="0">
+                <a:solidFill>
+                  <a:srgbClr val="0070C0"/>
+                </a:solidFill>
+                <a:latin typeface="Lucida Console" panose="020B0609040504020204" pitchFamily="49" charset="0"/>
+              </a:rPr>
+              <a:t>(</a:t>
+            </a:r>
+            <a:r>
+              <a:rPr lang="id-ID" dirty="0" err="1" smtClean="0">
+                <a:solidFill>
+                  <a:srgbClr val="0070C0"/>
+                </a:solidFill>
+                <a:latin typeface="Lucida Console" panose="020B0609040504020204" pitchFamily="49" charset="0"/>
+              </a:rPr>
+              <a:t>datasurvei</a:t>
+            </a:r>
+            <a:r>
+              <a:rPr lang="id-ID" dirty="0">
+                <a:solidFill>
+                  <a:srgbClr val="0070C0"/>
+                </a:solidFill>
+                <a:latin typeface="Lucida Console" panose="020B0609040504020204" pitchFamily="49" charset="0"/>
+              </a:rPr>
+              <a:t>)</a:t>
+            </a:r>
+          </a:p>
+          <a:p>
+            <a:pPr marL="363538" indent="-363538">
               <a:buNone/>
             </a:pPr>
-            <a:endParaRPr lang="en-US" dirty="0"/>
+            <a:r>
+              <a:rPr lang="en-US" dirty="0">
+                <a:solidFill>
+                  <a:srgbClr val="0070C0"/>
+                </a:solidFill>
+                <a:latin typeface="Lucida Console" panose="020B0609040504020204" pitchFamily="49" charset="0"/>
+              </a:rPr>
+              <a:t>d</a:t>
+            </a:r>
+            <a:r>
+              <a:rPr lang="id-ID" dirty="0" err="1" smtClean="0">
+                <a:solidFill>
+                  <a:srgbClr val="0070C0"/>
+                </a:solidFill>
+                <a:latin typeface="Lucida Console" panose="020B0609040504020204" pitchFamily="49" charset="0"/>
+              </a:rPr>
+              <a:t>atasurvei</a:t>
+            </a:r>
+            <a:r>
+              <a:rPr lang="en-US" dirty="0" smtClean="0">
+                <a:solidFill>
+                  <a:srgbClr val="0070C0"/>
+                </a:solidFill>
+                <a:latin typeface="Lucida Console" panose="020B0609040504020204" pitchFamily="49" charset="0"/>
+              </a:rPr>
+              <a:t> #</a:t>
+            </a:r>
+            <a:r>
+              <a:rPr lang="en-US" dirty="0" err="1" smtClean="0">
+                <a:solidFill>
+                  <a:srgbClr val="0070C0"/>
+                </a:solidFill>
+                <a:latin typeface="Lucida Console" panose="020B0609040504020204" pitchFamily="49" charset="0"/>
+              </a:rPr>
+              <a:t>sama</a:t>
+            </a:r>
+            <a:r>
+              <a:rPr lang="en-US" dirty="0" smtClean="0">
+                <a:solidFill>
+                  <a:srgbClr val="0070C0"/>
+                </a:solidFill>
+                <a:latin typeface="Lucida Console" panose="020B0609040504020204" pitchFamily="49" charset="0"/>
+              </a:rPr>
+              <a:t> </a:t>
+            </a:r>
+            <a:r>
+              <a:rPr lang="en-US" dirty="0" err="1" smtClean="0">
+                <a:solidFill>
+                  <a:srgbClr val="0070C0"/>
+                </a:solidFill>
+                <a:latin typeface="Lucida Console" panose="020B0609040504020204" pitchFamily="49" charset="0"/>
+              </a:rPr>
+              <a:t>perintahnya</a:t>
+            </a:r>
+            <a:r>
+              <a:rPr lang="en-US" dirty="0" smtClean="0">
+                <a:solidFill>
+                  <a:srgbClr val="0070C0"/>
+                </a:solidFill>
+                <a:latin typeface="Lucida Console" panose="020B0609040504020204" pitchFamily="49" charset="0"/>
+              </a:rPr>
+              <a:t> </a:t>
+            </a:r>
+            <a:r>
+              <a:rPr lang="en-US" dirty="0" err="1" smtClean="0">
+                <a:solidFill>
+                  <a:srgbClr val="0070C0"/>
+                </a:solidFill>
+                <a:latin typeface="Lucida Console" panose="020B0609040504020204" pitchFamily="49" charset="0"/>
+              </a:rPr>
+              <a:t>dengan</a:t>
+            </a:r>
+            <a:r>
+              <a:rPr lang="en-US" dirty="0" smtClean="0">
+                <a:solidFill>
+                  <a:srgbClr val="0070C0"/>
+                </a:solidFill>
+                <a:latin typeface="Lucida Console" panose="020B0609040504020204" pitchFamily="49" charset="0"/>
+              </a:rPr>
+              <a:t> yang </a:t>
+            </a:r>
+            <a:r>
+              <a:rPr lang="en-US" dirty="0" err="1" smtClean="0">
+                <a:solidFill>
+                  <a:srgbClr val="0070C0"/>
+                </a:solidFill>
+                <a:latin typeface="Lucida Console" panose="020B0609040504020204" pitchFamily="49" charset="0"/>
+              </a:rPr>
+              <a:t>diatas</a:t>
+            </a:r>
+            <a:endParaRPr lang="id-ID" dirty="0">
+              <a:solidFill>
+                <a:srgbClr val="0070C0"/>
+              </a:solidFill>
+              <a:latin typeface="Lucida Console" panose="020B0609040504020204" pitchFamily="49" charset="0"/>
+            </a:endParaRPr>
           </a:p>
         </p:txBody>
       </p:sp>
       <p:pic>
         <p:nvPicPr>
-          <p:cNvPr id="4" name="Picture 3"/>
+          <p:cNvPr id="5" name="Picture 4"/>
           <p:cNvPicPr>
             <a:picLocks noChangeAspect="1"/>
           </p:cNvPicPr>
           <p:nvPr/>
         </p:nvPicPr>
         <p:blipFill>
-          <a:blip r:embed="rId2"/>
+          <a:blip r:embed="rId2">
+            <a:clrChange>
+              <a:clrFrom>
+                <a:srgbClr val="FFFFFF"/>
+              </a:clrFrom>
+              <a:clrTo>
+                <a:srgbClr val="FFFFFF">
+                  <a:alpha val="0"/>
+                </a:srgbClr>
+              </a:clrTo>
+            </a:clrChange>
+          </a:blip>
           <a:stretch>
             <a:fillRect/>
           </a:stretch>
         </p:blipFill>
         <p:spPr>
           <a:xfrm>
-            <a:off x="1626919" y="2371725"/>
-            <a:ext cx="7667625" cy="3028950"/>
+            <a:off x="2754406" y="2479582"/>
+            <a:ext cx="6629400" cy="3781425"/>
           </a:xfrm>
           <a:prstGeom prst="rect">
             <a:avLst/>
@@ -17215,7 +16461,7 @@
     </p:spTree>
     <p:extLst>
       <p:ext uri="{BB962C8B-B14F-4D97-AF65-F5344CB8AC3E}">
-        <p14:creationId xmlns:p14="http://schemas.microsoft.com/office/powerpoint/2010/main" val="2242076752"/>
+        <p14:creationId xmlns:p14="http://schemas.microsoft.com/office/powerpoint/2010/main" val="592839635"/>
       </p:ext>
     </p:extLst>
   </p:cSld>
@@ -17273,26 +16519,15 @@
         </p:nvSpPr>
         <p:spPr/>
         <p:txBody>
-          <a:bodyPr/>
+          <a:bodyPr>
+            <a:normAutofit/>
+          </a:bodyPr>
           <a:lstStyle/>
           <a:p>
             <a:r>
-              <a:rPr lang="en-US" dirty="0" err="1" smtClean="0"/>
-              <a:t>Menampilkan</a:t>
-            </a:r>
-            <a:r>
-              <a:rPr lang="en-US" dirty="0" smtClean="0"/>
-              <a:t> </a:t>
-            </a:r>
-            <a:r>
-              <a:rPr lang="en-US" dirty="0" err="1" smtClean="0"/>
-              <a:t>Struktur</a:t>
-            </a:r>
-            <a:r>
-              <a:rPr lang="en-US" dirty="0" smtClean="0"/>
-              <a:t> Data</a:t>
-            </a:r>
-            <a:endParaRPr lang="en-US" dirty="0"/>
+              <a:rPr lang="id-ID" dirty="0"/>
+              <a:t>Menampikan data dalam bentuk spreadsheet</a:t>
+            </a:r>
           </a:p>
         </p:txBody>
       </p:sp>
@@ -17308,33 +16543,56 @@
         </p:nvSpPr>
         <p:spPr/>
         <p:txBody>
-          <a:bodyPr/>
+          <a:bodyPr>
+            <a:normAutofit/>
+          </a:bodyPr>
           <a:lstStyle/>
           <a:p>
-            <a:pPr marL="0" indent="0">
+            <a:pPr marL="806450" indent="-806450">
               <a:buNone/>
             </a:pPr>
             <a:r>
-              <a:rPr lang="en-US" dirty="0" err="1" smtClean="0">
-                <a:latin typeface="Courier New" panose="02070309020205020404" pitchFamily="49" charset="0"/>
-                <a:cs typeface="Courier New" panose="02070309020205020404" pitchFamily="49" charset="0"/>
-              </a:rPr>
-              <a:t>str</a:t>
-            </a:r>
-            <a:r>
-              <a:rPr lang="en-US" dirty="0" smtClean="0">
-                <a:latin typeface="Courier New" panose="02070309020205020404" pitchFamily="49" charset="0"/>
-                <a:cs typeface="Courier New" panose="02070309020205020404" pitchFamily="49" charset="0"/>
-              </a:rPr>
-              <a:t>(data.csv)</a:t>
-            </a:r>
-            <a:endParaRPr lang="en-US" dirty="0"/>
+              <a:rPr lang="id-ID" dirty="0" err="1" smtClean="0">
+                <a:solidFill>
+                  <a:srgbClr val="0070C0"/>
+                </a:solidFill>
+                <a:latin typeface="Lucida Console" panose="020B0609040504020204" pitchFamily="49" charset="0"/>
+              </a:rPr>
+              <a:t>View</a:t>
+            </a:r>
+            <a:r>
+              <a:rPr lang="id-ID" dirty="0" smtClean="0">
+                <a:solidFill>
+                  <a:srgbClr val="0070C0"/>
+                </a:solidFill>
+                <a:latin typeface="Lucida Console" panose="020B0609040504020204" pitchFamily="49" charset="0"/>
+              </a:rPr>
+              <a:t>(</a:t>
+            </a:r>
+            <a:r>
+              <a:rPr lang="id-ID" dirty="0" err="1" smtClean="0">
+                <a:solidFill>
+                  <a:srgbClr val="0070C0"/>
+                </a:solidFill>
+                <a:latin typeface="Lucida Console" panose="020B0609040504020204" pitchFamily="49" charset="0"/>
+              </a:rPr>
+              <a:t>datasurvei</a:t>
+            </a:r>
+            <a:r>
+              <a:rPr lang="id-ID" dirty="0">
+                <a:solidFill>
+                  <a:srgbClr val="0070C0"/>
+                </a:solidFill>
+                <a:latin typeface="Lucida Console" panose="020B0609040504020204" pitchFamily="49" charset="0"/>
+              </a:rPr>
+              <a:t>)</a:t>
+            </a:r>
           </a:p>
         </p:txBody>
       </p:sp>
       <p:pic>
         <p:nvPicPr>
-          <p:cNvPr id="5" name="Picture 4"/>
+          <p:cNvPr id="7" name="Picture 6"/>
           <p:cNvPicPr>
             <a:picLocks noChangeAspect="1"/>
           </p:cNvPicPr>
@@ -17348,8 +16606,8 @@
         </p:blipFill>
         <p:spPr>
           <a:xfrm>
-            <a:off x="1104900" y="2420152"/>
-            <a:ext cx="9105900" cy="2171700"/>
+            <a:off x="2728353" y="2204478"/>
+            <a:ext cx="6783201" cy="4311802"/>
           </a:xfrm>
           <a:prstGeom prst="rect">
             <a:avLst/>
@@ -17359,7 +16617,7 @@
     </p:spTree>
     <p:extLst>
       <p:ext uri="{BB962C8B-B14F-4D97-AF65-F5344CB8AC3E}">
-        <p14:creationId xmlns:p14="http://schemas.microsoft.com/office/powerpoint/2010/main" val="1259644445"/>
+        <p14:creationId xmlns:p14="http://schemas.microsoft.com/office/powerpoint/2010/main" val="3203888321"/>
       </p:ext>
     </p:extLst>
   </p:cSld>
@@ -17378,6 +16636,13 @@
       </p:transition>
     </mc:Fallback>
   </mc:AlternateContent>
+  <p:timing>
+    <p:tnLst>
+      <p:par>
+        <p:cTn id="1" dur="indefinite" restart="never" nodeType="tmRoot"/>
+      </p:par>
+    </p:tnLst>
+  </p:timing>
 </p:sld>
 </file>
 
@@ -17414,30 +16679,9 @@
           <a:lstStyle/>
           <a:p>
             <a:r>
-              <a:rPr lang="en-US" dirty="0" err="1" smtClean="0"/>
-              <a:t>Akses</a:t>
-            </a:r>
-            <a:r>
-              <a:rPr lang="en-US" dirty="0" smtClean="0"/>
-              <a:t> </a:t>
-            </a:r>
-            <a:r>
-              <a:rPr lang="en-US" dirty="0" err="1" smtClean="0"/>
-              <a:t>Kolom</a:t>
-            </a:r>
-            <a:r>
-              <a:rPr lang="en-US" dirty="0" smtClean="0"/>
-              <a:t>/</a:t>
-            </a:r>
-            <a:r>
-              <a:rPr lang="en-US" dirty="0" err="1" smtClean="0"/>
-              <a:t>Variabel</a:t>
-            </a:r>
-            <a:r>
-              <a:rPr lang="en-US" dirty="0" smtClean="0"/>
-              <a:t> </a:t>
-            </a:r>
-            <a:endParaRPr lang="en-US" dirty="0"/>
+              <a:rPr lang="id-ID" dirty="0"/>
+              <a:t>Menampilkan struktur data</a:t>
+            </a:r>
           </a:p>
         </p:txBody>
       </p:sp>
@@ -17451,311 +16695,83 @@
             <p:ph idx="1"/>
           </p:nvPr>
         </p:nvSpPr>
-        <p:spPr>
-          <a:xfrm>
-            <a:off x="1104900" y="1756510"/>
-            <a:ext cx="9982200" cy="4791075"/>
-          </a:xfrm>
-        </p:spPr>
+        <p:spPr/>
         <p:txBody>
           <a:bodyPr>
             <a:normAutofit/>
           </a:bodyPr>
           <a:lstStyle/>
           <a:p>
-            <a:pPr marL="0" indent="0">
-              <a:lnSpc>
-                <a:spcPct val="100000"/>
-              </a:lnSpc>
-              <a:spcBef>
-                <a:spcPts val="0"/>
-              </a:spcBef>
+            <a:pPr marL="806450" indent="-806450">
               <a:buNone/>
             </a:pPr>
             <a:r>
-              <a:rPr lang="en-US" dirty="0" smtClean="0">
-                <a:cs typeface="Courier New" panose="02070309020205020404" pitchFamily="49" charset="0"/>
-              </a:rPr>
-              <a:t># </a:t>
-            </a:r>
-            <a:r>
-              <a:rPr lang="en-US" dirty="0" err="1">
-                <a:cs typeface="Courier New" panose="02070309020205020404" pitchFamily="49" charset="0"/>
-              </a:rPr>
-              <a:t>akses</a:t>
-            </a:r>
-            <a:r>
-              <a:rPr lang="en-US" dirty="0">
-                <a:cs typeface="Courier New" panose="02070309020205020404" pitchFamily="49" charset="0"/>
-              </a:rPr>
-              <a:t> variable </a:t>
-            </a:r>
-            <a:r>
-              <a:rPr lang="en-US" dirty="0" smtClean="0">
-                <a:cs typeface="Courier New" panose="02070309020205020404" pitchFamily="49" charset="0"/>
-              </a:rPr>
-              <a:t>“</a:t>
-            </a:r>
-            <a:r>
-              <a:rPr lang="en-US" dirty="0" err="1" smtClean="0">
-                <a:cs typeface="Courier New" panose="02070309020205020404" pitchFamily="49" charset="0"/>
-              </a:rPr>
-              <a:t>Kode</a:t>
-            </a:r>
-            <a:r>
-              <a:rPr lang="en-US" dirty="0" smtClean="0">
-                <a:cs typeface="Courier New" panose="02070309020205020404" pitchFamily="49" charset="0"/>
-              </a:rPr>
-              <a:t> Bank" </a:t>
-            </a:r>
-            <a:r>
-              <a:rPr lang="en-US" dirty="0" err="1">
-                <a:cs typeface="Courier New" panose="02070309020205020404" pitchFamily="49" charset="0"/>
-              </a:rPr>
-              <a:t>dari</a:t>
-            </a:r>
-            <a:r>
-              <a:rPr lang="en-US" dirty="0">
-                <a:cs typeface="Courier New" panose="02070309020205020404" pitchFamily="49" charset="0"/>
-              </a:rPr>
-              <a:t> data frame </a:t>
-            </a:r>
-            <a:r>
-              <a:rPr lang="en-US" dirty="0" smtClean="0">
-                <a:cs typeface="Courier New" panose="02070309020205020404" pitchFamily="49" charset="0"/>
-              </a:rPr>
-              <a:t>"data.csv"</a:t>
-            </a:r>
-            <a:endParaRPr lang="en-US" dirty="0">
-              <a:cs typeface="Courier New" panose="02070309020205020404" pitchFamily="49" charset="0"/>
-            </a:endParaRPr>
-          </a:p>
-          <a:p>
-            <a:pPr marL="0" indent="0">
-              <a:lnSpc>
-                <a:spcPct val="100000"/>
-              </a:lnSpc>
-              <a:spcBef>
-                <a:spcPts val="0"/>
-              </a:spcBef>
-              <a:buNone/>
-            </a:pPr>
-            <a:r>
-              <a:rPr lang="en-US" dirty="0" err="1" smtClean="0">
-                <a:latin typeface="Courier New" panose="02070309020205020404" pitchFamily="49" charset="0"/>
-                <a:cs typeface="Courier New" panose="02070309020205020404" pitchFamily="49" charset="0"/>
-              </a:rPr>
-              <a:t>data.csv$Kode.Bank</a:t>
-            </a:r>
-            <a:endParaRPr lang="en-US" dirty="0">
-              <a:latin typeface="Courier New" panose="02070309020205020404" pitchFamily="49" charset="0"/>
-              <a:cs typeface="Courier New" panose="02070309020205020404" pitchFamily="49" charset="0"/>
-            </a:endParaRPr>
-          </a:p>
-          <a:p>
-            <a:pPr marL="0" indent="0">
-              <a:lnSpc>
-                <a:spcPct val="100000"/>
-              </a:lnSpc>
-              <a:spcBef>
-                <a:spcPts val="0"/>
-              </a:spcBef>
-              <a:buNone/>
-            </a:pPr>
-            <a:r>
-              <a:rPr lang="en-US" dirty="0">
-                <a:latin typeface="Courier New" panose="02070309020205020404" pitchFamily="49" charset="0"/>
-                <a:cs typeface="Courier New" panose="02070309020205020404" pitchFamily="49" charset="0"/>
-              </a:rPr>
-              <a:t>d</a:t>
-            </a:r>
-            <a:r>
-              <a:rPr lang="en-US" dirty="0" smtClean="0">
-                <a:latin typeface="Courier New" panose="02070309020205020404" pitchFamily="49" charset="0"/>
-                <a:cs typeface="Courier New" panose="02070309020205020404" pitchFamily="49" charset="0"/>
-              </a:rPr>
-              <a:t>ata.csv[, “</a:t>
-            </a:r>
-            <a:r>
-              <a:rPr lang="en-US" dirty="0" err="1" smtClean="0">
-                <a:latin typeface="Courier New" panose="02070309020205020404" pitchFamily="49" charset="0"/>
-                <a:cs typeface="Courier New" panose="02070309020205020404" pitchFamily="49" charset="0"/>
-              </a:rPr>
-              <a:t>Kode.Bank</a:t>
-            </a:r>
-            <a:r>
-              <a:rPr lang="en-US" dirty="0" smtClean="0">
-                <a:latin typeface="Courier New" panose="02070309020205020404" pitchFamily="49" charset="0"/>
-                <a:cs typeface="Courier New" panose="02070309020205020404" pitchFamily="49" charset="0"/>
-              </a:rPr>
-              <a:t>”]#</a:t>
-            </a:r>
-            <a:r>
-              <a:rPr lang="en-US" dirty="0" err="1" smtClean="0">
-                <a:latin typeface="Courier New" panose="02070309020205020404" pitchFamily="49" charset="0"/>
-                <a:cs typeface="Courier New" panose="02070309020205020404" pitchFamily="49" charset="0"/>
-              </a:rPr>
-              <a:t>nama</a:t>
-            </a:r>
-            <a:r>
-              <a:rPr lang="en-US" dirty="0" smtClean="0">
-                <a:latin typeface="Courier New" panose="02070309020205020404" pitchFamily="49" charset="0"/>
-                <a:cs typeface="Courier New" panose="02070309020205020404" pitchFamily="49" charset="0"/>
-              </a:rPr>
-              <a:t> </a:t>
-            </a:r>
-            <a:r>
-              <a:rPr lang="en-US" dirty="0" err="1" smtClean="0">
-                <a:latin typeface="Courier New" panose="02070309020205020404" pitchFamily="49" charset="0"/>
-                <a:cs typeface="Courier New" panose="02070309020205020404" pitchFamily="49" charset="0"/>
-              </a:rPr>
-              <a:t>variabel</a:t>
-            </a:r>
-            <a:r>
-              <a:rPr lang="en-US" dirty="0" smtClean="0">
-                <a:latin typeface="Courier New" panose="02070309020205020404" pitchFamily="49" charset="0"/>
-                <a:cs typeface="Courier New" panose="02070309020205020404" pitchFamily="49" charset="0"/>
-              </a:rPr>
-              <a:t> </a:t>
-            </a:r>
-            <a:r>
-              <a:rPr lang="en-US" dirty="0" err="1" smtClean="0">
-                <a:latin typeface="Courier New" panose="02070309020205020404" pitchFamily="49" charset="0"/>
-                <a:cs typeface="Courier New" panose="02070309020205020404" pitchFamily="49" charset="0"/>
-              </a:rPr>
-              <a:t>dengan</a:t>
-            </a:r>
-            <a:r>
-              <a:rPr lang="en-US" dirty="0" smtClean="0">
-                <a:latin typeface="Courier New" panose="02070309020205020404" pitchFamily="49" charset="0"/>
-                <a:cs typeface="Courier New" panose="02070309020205020404" pitchFamily="49" charset="0"/>
-              </a:rPr>
-              <a:t> </a:t>
-            </a:r>
-            <a:r>
-              <a:rPr lang="en-US" dirty="0" err="1" smtClean="0">
-                <a:latin typeface="Courier New" panose="02070309020205020404" pitchFamily="49" charset="0"/>
-                <a:cs typeface="Courier New" panose="02070309020205020404" pitchFamily="49" charset="0"/>
-              </a:rPr>
-              <a:t>kutip</a:t>
-            </a:r>
-            <a:endParaRPr lang="en-US" dirty="0" smtClean="0">
-              <a:latin typeface="Courier New" panose="02070309020205020404" pitchFamily="49" charset="0"/>
-              <a:cs typeface="Courier New" panose="02070309020205020404" pitchFamily="49" charset="0"/>
-            </a:endParaRPr>
-          </a:p>
-          <a:p>
-            <a:pPr marL="0" indent="0">
-              <a:lnSpc>
-                <a:spcPct val="100000"/>
-              </a:lnSpc>
-              <a:spcBef>
-                <a:spcPts val="0"/>
-              </a:spcBef>
-              <a:buNone/>
-            </a:pPr>
-            <a:r>
-              <a:rPr lang="en-US" dirty="0">
-                <a:latin typeface="Courier New" panose="02070309020205020404" pitchFamily="49" charset="0"/>
-                <a:cs typeface="Courier New" panose="02070309020205020404" pitchFamily="49" charset="0"/>
-              </a:rPr>
-              <a:t>d</a:t>
-            </a:r>
-            <a:r>
-              <a:rPr lang="en-US" dirty="0" smtClean="0">
-                <a:latin typeface="Courier New" panose="02070309020205020404" pitchFamily="49" charset="0"/>
-                <a:cs typeface="Courier New" panose="02070309020205020404" pitchFamily="49" charset="0"/>
-              </a:rPr>
-              <a:t>ata.csv[, 1]	     #</a:t>
-            </a:r>
-            <a:r>
-              <a:rPr lang="en-US" dirty="0" err="1" smtClean="0">
-                <a:latin typeface="Courier New" panose="02070309020205020404" pitchFamily="49" charset="0"/>
-                <a:cs typeface="Courier New" panose="02070309020205020404" pitchFamily="49" charset="0"/>
-              </a:rPr>
-              <a:t>nomor</a:t>
-            </a:r>
-            <a:r>
-              <a:rPr lang="en-US" dirty="0" smtClean="0">
-                <a:latin typeface="Courier New" panose="02070309020205020404" pitchFamily="49" charset="0"/>
-                <a:cs typeface="Courier New" panose="02070309020205020404" pitchFamily="49" charset="0"/>
-              </a:rPr>
-              <a:t> </a:t>
-            </a:r>
-            <a:r>
-              <a:rPr lang="en-US" dirty="0" err="1" smtClean="0">
-                <a:latin typeface="Courier New" panose="02070309020205020404" pitchFamily="49" charset="0"/>
-                <a:cs typeface="Courier New" panose="02070309020205020404" pitchFamily="49" charset="0"/>
-              </a:rPr>
-              <a:t>kolom</a:t>
-            </a:r>
-            <a:r>
-              <a:rPr lang="en-US" dirty="0" smtClean="0">
-                <a:latin typeface="Courier New" panose="02070309020205020404" pitchFamily="49" charset="0"/>
-                <a:cs typeface="Courier New" panose="02070309020205020404" pitchFamily="49" charset="0"/>
-              </a:rPr>
-              <a:t> </a:t>
-            </a:r>
-            <a:r>
-              <a:rPr lang="en-US" dirty="0" err="1" smtClean="0">
-                <a:latin typeface="Courier New" panose="02070309020205020404" pitchFamily="49" charset="0"/>
-                <a:cs typeface="Courier New" panose="02070309020205020404" pitchFamily="49" charset="0"/>
-              </a:rPr>
-              <a:t>pada</a:t>
-            </a:r>
-            <a:r>
-              <a:rPr lang="en-US" dirty="0" smtClean="0">
-                <a:latin typeface="Courier New" panose="02070309020205020404" pitchFamily="49" charset="0"/>
-                <a:cs typeface="Courier New" panose="02070309020205020404" pitchFamily="49" charset="0"/>
-              </a:rPr>
-              <a:t> </a:t>
-            </a:r>
-            <a:r>
-              <a:rPr lang="en-US" dirty="0" err="1" smtClean="0">
-                <a:latin typeface="Courier New" panose="02070309020205020404" pitchFamily="49" charset="0"/>
-                <a:cs typeface="Courier New" panose="02070309020205020404" pitchFamily="49" charset="0"/>
-              </a:rPr>
-              <a:t>variabel</a:t>
-            </a:r>
-            <a:r>
-              <a:rPr lang="en-US" dirty="0" smtClean="0">
-                <a:latin typeface="Courier New" panose="02070309020205020404" pitchFamily="49" charset="0"/>
-                <a:cs typeface="Courier New" panose="02070309020205020404" pitchFamily="49" charset="0"/>
-              </a:rPr>
-              <a:t> yang </a:t>
-            </a:r>
-            <a:r>
-              <a:rPr lang="en-US" dirty="0" err="1" smtClean="0">
-                <a:latin typeface="Courier New" panose="02070309020205020404" pitchFamily="49" charset="0"/>
-                <a:cs typeface="Courier New" panose="02070309020205020404" pitchFamily="49" charset="0"/>
-              </a:rPr>
-              <a:t>diakses</a:t>
-            </a:r>
-            <a:endParaRPr lang="en-US" dirty="0">
-              <a:latin typeface="Courier New" panose="02070309020205020404" pitchFamily="49" charset="0"/>
-              <a:cs typeface="Courier New" panose="02070309020205020404" pitchFamily="49" charset="0"/>
-            </a:endParaRPr>
-          </a:p>
-          <a:p>
-            <a:pPr>
-              <a:lnSpc>
-                <a:spcPct val="100000"/>
-              </a:lnSpc>
-              <a:spcBef>
-                <a:spcPts val="0"/>
-              </a:spcBef>
-            </a:pPr>
-            <a:endParaRPr lang="en-US" dirty="0">
-              <a:latin typeface="Courier New" panose="02070309020205020404" pitchFamily="49" charset="0"/>
-              <a:cs typeface="Courier New" panose="02070309020205020404" pitchFamily="49" charset="0"/>
-            </a:endParaRPr>
+              <a:rPr lang="id-ID" dirty="0" err="1" smtClean="0">
+                <a:solidFill>
+                  <a:srgbClr val="0070C0"/>
+                </a:solidFill>
+                <a:latin typeface="Lucida Console" panose="020B0609040504020204" pitchFamily="49" charset="0"/>
+              </a:rPr>
+              <a:t>str</a:t>
+            </a:r>
+            <a:r>
+              <a:rPr lang="id-ID" dirty="0" smtClean="0">
+                <a:solidFill>
+                  <a:srgbClr val="0070C0"/>
+                </a:solidFill>
+                <a:latin typeface="Lucida Console" panose="020B0609040504020204" pitchFamily="49" charset="0"/>
+              </a:rPr>
+              <a:t>(</a:t>
+            </a:r>
+            <a:r>
+              <a:rPr lang="id-ID" dirty="0" err="1" smtClean="0">
+                <a:solidFill>
+                  <a:srgbClr val="0070C0"/>
+                </a:solidFill>
+                <a:latin typeface="Lucida Console" panose="020B0609040504020204" pitchFamily="49" charset="0"/>
+              </a:rPr>
+              <a:t>datasurvei</a:t>
+            </a:r>
+            <a:r>
+              <a:rPr lang="id-ID" dirty="0">
+                <a:solidFill>
+                  <a:srgbClr val="0070C0"/>
+                </a:solidFill>
+                <a:latin typeface="Lucida Console" panose="020B0609040504020204" pitchFamily="49" charset="0"/>
+              </a:rPr>
+              <a:t>)</a:t>
+            </a:r>
           </a:p>
         </p:txBody>
       </p:sp>
+      <p:pic>
+        <p:nvPicPr>
+          <p:cNvPr id="4" name="Picture 3"/>
+          <p:cNvPicPr>
+            <a:picLocks noChangeAspect="1"/>
+          </p:cNvPicPr>
+          <p:nvPr/>
+        </p:nvPicPr>
+        <p:blipFill>
+          <a:blip r:embed="rId2"/>
+          <a:stretch>
+            <a:fillRect/>
+          </a:stretch>
+        </p:blipFill>
+        <p:spPr>
+          <a:xfrm>
+            <a:off x="2410239" y="2045244"/>
+            <a:ext cx="7886700" cy="3384491"/>
+          </a:xfrm>
+          <a:prstGeom prst="rect">
+            <a:avLst/>
+          </a:prstGeom>
+        </p:spPr>
+      </p:pic>
     </p:spTree>
     <p:extLst>
       <p:ext uri="{BB962C8B-B14F-4D97-AF65-F5344CB8AC3E}">
-        <p14:creationId xmlns:p14="http://schemas.microsoft.com/office/powerpoint/2010/main" val="226691853"/>
+        <p14:creationId xmlns:p14="http://schemas.microsoft.com/office/powerpoint/2010/main" val="195386085"/>
       </p:ext>
     </p:extLst>
   </p:cSld>
@@ -17817,28 +16833,8 @@
           <a:lstStyle/>
           <a:p>
             <a:r>
-              <a:rPr lang="en-US" dirty="0" err="1" smtClean="0"/>
-              <a:t>Akses</a:t>
-            </a:r>
-            <a:r>
-              <a:rPr lang="en-US" dirty="0" smtClean="0"/>
-              <a:t> </a:t>
-            </a:r>
-            <a:r>
-              <a:rPr lang="en-US" dirty="0" err="1"/>
-              <a:t>Kolom</a:t>
-            </a:r>
-            <a:r>
-              <a:rPr lang="en-US" dirty="0"/>
-              <a:t>/</a:t>
-            </a:r>
-            <a:r>
-              <a:rPr lang="en-US" dirty="0" err="1"/>
-              <a:t>Variabel</a:t>
-            </a:r>
-            <a:r>
-              <a:rPr lang="en-US" dirty="0"/>
-              <a:t> </a:t>
+              <a:rPr lang="id-ID" dirty="0"/>
+              <a:t>Mengakses variabel/kolom</a:t>
             </a:r>
           </a:p>
         </p:txBody>
@@ -17853,176 +16849,109 @@
             <p:ph idx="1"/>
           </p:nvPr>
         </p:nvSpPr>
-        <p:spPr>
-          <a:xfrm>
-            <a:off x="1038225" y="1600200"/>
-            <a:ext cx="10610849" cy="4572000"/>
-          </a:xfrm>
-        </p:spPr>
+        <p:spPr/>
         <p:txBody>
           <a:bodyPr>
             <a:normAutofit/>
           </a:bodyPr>
           <a:lstStyle/>
           <a:p>
-            <a:pPr marL="0" indent="0">
+            <a:pPr marL="806450" indent="-806450">
+              <a:spcBef>
+                <a:spcPts val="0"/>
+              </a:spcBef>
               <a:buNone/>
             </a:pPr>
             <a:r>
-              <a:rPr lang="en-US" dirty="0" smtClean="0">
-                <a:cs typeface="Courier New" panose="02070309020205020404" pitchFamily="49" charset="0"/>
-              </a:rPr>
-              <a:t># </a:t>
-            </a:r>
-            <a:r>
-              <a:rPr lang="en-US" dirty="0" err="1">
-                <a:cs typeface="Courier New" panose="02070309020205020404" pitchFamily="49" charset="0"/>
-              </a:rPr>
-              <a:t>akses</a:t>
-            </a:r>
-            <a:r>
-              <a:rPr lang="en-US" dirty="0">
-                <a:cs typeface="Courier New" panose="02070309020205020404" pitchFamily="49" charset="0"/>
-              </a:rPr>
-              <a:t> </a:t>
-            </a:r>
-            <a:r>
-              <a:rPr lang="en-US" dirty="0" smtClean="0">
-                <a:cs typeface="Courier New" panose="02070309020205020404" pitchFamily="49" charset="0"/>
-              </a:rPr>
-              <a:t>10 </a:t>
-            </a:r>
-            <a:r>
-              <a:rPr lang="en-US" dirty="0" err="1" smtClean="0">
-                <a:cs typeface="Courier New" panose="02070309020205020404" pitchFamily="49" charset="0"/>
-              </a:rPr>
-              <a:t>baris</a:t>
-            </a:r>
-            <a:r>
-              <a:rPr lang="en-US" dirty="0" smtClean="0">
-                <a:cs typeface="Courier New" panose="02070309020205020404" pitchFamily="49" charset="0"/>
-              </a:rPr>
-              <a:t> </a:t>
-            </a:r>
-            <a:r>
-              <a:rPr lang="en-US" dirty="0" err="1" smtClean="0">
-                <a:cs typeface="Courier New" panose="02070309020205020404" pitchFamily="49" charset="0"/>
-              </a:rPr>
-              <a:t>pertama</a:t>
-            </a:r>
-            <a:r>
-              <a:rPr lang="en-US" dirty="0" smtClean="0">
-                <a:cs typeface="Courier New" panose="02070309020205020404" pitchFamily="49" charset="0"/>
-              </a:rPr>
-              <a:t> </a:t>
-            </a:r>
-            <a:r>
-              <a:rPr lang="en-US" dirty="0" err="1" smtClean="0">
-                <a:cs typeface="Courier New" panose="02070309020205020404" pitchFamily="49" charset="0"/>
-              </a:rPr>
-              <a:t>untuk</a:t>
-            </a:r>
-            <a:r>
-              <a:rPr lang="en-US" dirty="0" smtClean="0">
-                <a:cs typeface="Courier New" panose="02070309020205020404" pitchFamily="49" charset="0"/>
-              </a:rPr>
-              <a:t> </a:t>
-            </a:r>
-            <a:r>
-              <a:rPr lang="en-US" dirty="0" err="1" smtClean="0">
-                <a:cs typeface="Courier New" panose="02070309020205020404" pitchFamily="49" charset="0"/>
-              </a:rPr>
-              <a:t>variabel</a:t>
-            </a:r>
-            <a:r>
-              <a:rPr lang="en-US" dirty="0" smtClean="0">
-                <a:cs typeface="Courier New" panose="02070309020205020404" pitchFamily="49" charset="0"/>
-              </a:rPr>
-              <a:t> “</a:t>
-            </a:r>
-            <a:r>
-              <a:rPr lang="en-US" dirty="0" err="1" smtClean="0">
-                <a:cs typeface="Courier New" panose="02070309020205020404" pitchFamily="49" charset="0"/>
-              </a:rPr>
-              <a:t>Kode.Bank</a:t>
-            </a:r>
-            <a:r>
-              <a:rPr lang="en-US" dirty="0" smtClean="0">
-                <a:cs typeface="Courier New" panose="02070309020205020404" pitchFamily="49" charset="0"/>
-              </a:rPr>
-              <a:t>" </a:t>
-            </a:r>
-            <a:r>
-              <a:rPr lang="en-US" dirty="0" err="1">
-                <a:cs typeface="Courier New" panose="02070309020205020404" pitchFamily="49" charset="0"/>
-              </a:rPr>
-              <a:t>dan</a:t>
-            </a:r>
-            <a:r>
-              <a:rPr lang="en-US" dirty="0">
-                <a:cs typeface="Courier New" panose="02070309020205020404" pitchFamily="49" charset="0"/>
-              </a:rPr>
-              <a:t> </a:t>
-            </a:r>
-            <a:r>
-              <a:rPr lang="en-US" dirty="0" smtClean="0">
-                <a:cs typeface="Courier New" panose="02070309020205020404" pitchFamily="49" charset="0"/>
-              </a:rPr>
-              <a:t>“BOPO" </a:t>
-            </a:r>
-          </a:p>
-          <a:p>
-            <a:pPr marL="0" indent="0">
+              <a:rPr lang="id-ID" dirty="0" err="1" smtClean="0">
+                <a:solidFill>
+                  <a:srgbClr val="0070C0"/>
+                </a:solidFill>
+                <a:latin typeface="Lucida Console" panose="020B0609040504020204" pitchFamily="49" charset="0"/>
+              </a:rPr>
+              <a:t>datasurvei$JK</a:t>
+            </a:r>
+            <a:endParaRPr lang="id-ID" dirty="0">
+              <a:solidFill>
+                <a:srgbClr val="0070C0"/>
+              </a:solidFill>
+              <a:latin typeface="Lucida Console" panose="020B0609040504020204" pitchFamily="49" charset="0"/>
+            </a:endParaRPr>
+          </a:p>
+          <a:p>
+            <a:pPr marL="806450" indent="-806450">
+              <a:spcBef>
+                <a:spcPts val="0"/>
+              </a:spcBef>
               <a:buNone/>
             </a:pPr>
             <a:r>
-              <a:rPr lang="en-US" dirty="0" smtClean="0">
-                <a:latin typeface="Courier New" panose="02070309020205020404" pitchFamily="49" charset="0"/>
-                <a:cs typeface="Courier New" panose="02070309020205020404" pitchFamily="49" charset="0"/>
-              </a:rPr>
-              <a:t>data.csv[1:10, </a:t>
-            </a:r>
-            <a:r>
-              <a:rPr lang="en-US" dirty="0">
-                <a:latin typeface="Courier New" panose="02070309020205020404" pitchFamily="49" charset="0"/>
-                <a:cs typeface="Courier New" panose="02070309020205020404" pitchFamily="49" charset="0"/>
-              </a:rPr>
-              <a:t>c</a:t>
-            </a:r>
-            <a:r>
-              <a:rPr lang="en-US" dirty="0" smtClean="0">
-                <a:latin typeface="Courier New" panose="02070309020205020404" pitchFamily="49" charset="0"/>
-                <a:cs typeface="Courier New" panose="02070309020205020404" pitchFamily="49" charset="0"/>
-              </a:rPr>
-              <a:t>(“</a:t>
-            </a:r>
-            <a:r>
-              <a:rPr lang="en-US" dirty="0" err="1" smtClean="0">
-                <a:latin typeface="Courier New" panose="02070309020205020404" pitchFamily="49" charset="0"/>
-                <a:cs typeface="Courier New" panose="02070309020205020404" pitchFamily="49" charset="0"/>
-              </a:rPr>
-              <a:t>Kode.Bank",“BOPO</a:t>
-            </a:r>
-            <a:r>
-              <a:rPr lang="en-US" dirty="0" smtClean="0">
-                <a:latin typeface="Courier New" panose="02070309020205020404" pitchFamily="49" charset="0"/>
-                <a:cs typeface="Courier New" panose="02070309020205020404" pitchFamily="49" charset="0"/>
-              </a:rPr>
-              <a:t>")] </a:t>
-            </a:r>
-            <a:endParaRPr lang="en-US" dirty="0">
-              <a:latin typeface="Courier New" panose="02070309020205020404" pitchFamily="49" charset="0"/>
-              <a:cs typeface="Courier New" panose="02070309020205020404" pitchFamily="49" charset="0"/>
+              <a:rPr lang="id-ID" dirty="0" err="1" smtClean="0">
+                <a:solidFill>
+                  <a:srgbClr val="0070C0"/>
+                </a:solidFill>
+                <a:latin typeface="Lucida Console" panose="020B0609040504020204" pitchFamily="49" charset="0"/>
+              </a:rPr>
+              <a:t>datasurvei$Biaya</a:t>
+            </a:r>
+            <a:endParaRPr lang="id-ID" dirty="0">
+              <a:solidFill>
+                <a:srgbClr val="0070C0"/>
+              </a:solidFill>
+              <a:latin typeface="Lucida Console" panose="020B0609040504020204" pitchFamily="49" charset="0"/>
             </a:endParaRPr>
           </a:p>
           <a:p>
-            <a:endParaRPr lang="en-US" dirty="0">
-              <a:latin typeface="Courier New" panose="02070309020205020404" pitchFamily="49" charset="0"/>
-              <a:cs typeface="Courier New" panose="02070309020205020404" pitchFamily="49" charset="0"/>
-            </a:endParaRPr>
-          </a:p>
-          <a:p>
-            <a:endParaRPr lang="en-US" dirty="0"/>
+            <a:pPr marL="806450" indent="-806450">
+              <a:spcBef>
+                <a:spcPts val="0"/>
+              </a:spcBef>
+              <a:buNone/>
+            </a:pPr>
+            <a:r>
+              <a:rPr lang="id-ID" dirty="0" err="1" smtClean="0">
+                <a:solidFill>
+                  <a:srgbClr val="0070C0"/>
+                </a:solidFill>
+                <a:latin typeface="Lucida Console" panose="020B0609040504020204" pitchFamily="49" charset="0"/>
+              </a:rPr>
+              <a:t>datasurvei</a:t>
+            </a:r>
+            <a:r>
+              <a:rPr lang="id-ID" dirty="0">
+                <a:solidFill>
+                  <a:srgbClr val="0070C0"/>
+                </a:solidFill>
+                <a:latin typeface="Lucida Console" panose="020B0609040504020204" pitchFamily="49" charset="0"/>
+              </a:rPr>
+              <a:t>[,5]</a:t>
+            </a:r>
+          </a:p>
+          <a:p>
+            <a:pPr marL="806450" indent="-806450">
+              <a:spcBef>
+                <a:spcPts val="0"/>
+              </a:spcBef>
+              <a:buNone/>
+            </a:pPr>
+            <a:r>
+              <a:rPr lang="id-ID" dirty="0" err="1" smtClean="0">
+                <a:solidFill>
+                  <a:srgbClr val="0070C0"/>
+                </a:solidFill>
+                <a:latin typeface="Lucida Console" panose="020B0609040504020204" pitchFamily="49" charset="0"/>
+              </a:rPr>
+              <a:t>datasurvei</a:t>
+            </a:r>
+            <a:r>
+              <a:rPr lang="id-ID" dirty="0">
+                <a:solidFill>
+                  <a:srgbClr val="0070C0"/>
+                </a:solidFill>
+                <a:latin typeface="Lucida Console" panose="020B0609040504020204" pitchFamily="49" charset="0"/>
+              </a:rPr>
+              <a:t>[,c(6,7)]</a:t>
+            </a:r>
           </a:p>
         </p:txBody>
       </p:sp>
@@ -18035,15 +16964,95 @@
           <p:nvPr/>
         </p:nvPicPr>
         <p:blipFill>
-          <a:blip r:embed="rId2"/>
+          <a:blip r:embed="rId2">
+            <a:clrChange>
+              <a:clrFrom>
+                <a:srgbClr val="FFFFFF"/>
+              </a:clrFrom>
+              <a:clrTo>
+                <a:srgbClr val="FFFFFF">
+                  <a:alpha val="0"/>
+                </a:srgbClr>
+              </a:clrTo>
+            </a:clrChange>
+          </a:blip>
           <a:stretch>
             <a:fillRect/>
           </a:stretch>
         </p:blipFill>
         <p:spPr>
           <a:xfrm>
-            <a:off x="1104900" y="2732121"/>
-            <a:ext cx="2200275" cy="2009775"/>
+            <a:off x="2646326" y="2904307"/>
+            <a:ext cx="7886700" cy="833182"/>
+          </a:xfrm>
+          <a:prstGeom prst="rect">
+            <a:avLst/>
+          </a:prstGeom>
+        </p:spPr>
+      </p:pic>
+      <p:pic>
+        <p:nvPicPr>
+          <p:cNvPr id="5" name="Picture 4"/>
+          <p:cNvPicPr>
+            <a:picLocks noChangeAspect="1"/>
+          </p:cNvPicPr>
+          <p:nvPr/>
+        </p:nvPicPr>
+        <p:blipFill>
+          <a:blip r:embed="rId3">
+            <a:clrChange>
+              <a:clrFrom>
+                <a:srgbClr val="FFFFFF"/>
+              </a:clrFrom>
+              <a:clrTo>
+                <a:srgbClr val="FFFFFF">
+                  <a:alpha val="0"/>
+                </a:srgbClr>
+              </a:clrTo>
+            </a:clrChange>
+          </a:blip>
+          <a:stretch>
+            <a:fillRect/>
+          </a:stretch>
+        </p:blipFill>
+        <p:spPr>
+          <a:xfrm>
+            <a:off x="2646326" y="3860087"/>
+            <a:ext cx="7886701" cy="796523"/>
+          </a:xfrm>
+          <a:prstGeom prst="rect">
+            <a:avLst/>
+          </a:prstGeom>
+        </p:spPr>
+      </p:pic>
+      <p:pic>
+        <p:nvPicPr>
+          <p:cNvPr id="6" name="Picture 5"/>
+          <p:cNvPicPr>
+            <a:picLocks noChangeAspect="1"/>
+          </p:cNvPicPr>
+          <p:nvPr/>
+        </p:nvPicPr>
+        <p:blipFill rotWithShape="1">
+          <a:blip r:embed="rId4">
+            <a:clrChange>
+              <a:clrFrom>
+                <a:srgbClr val="FFFFFF"/>
+              </a:clrFrom>
+              <a:clrTo>
+                <a:srgbClr val="FFFFFF">
+                  <a:alpha val="0"/>
+                </a:srgbClr>
+              </a:clrTo>
+            </a:clrChange>
+          </a:blip>
+          <a:srcRect b="23143"/>
+          <a:stretch/>
+        </p:blipFill>
+        <p:spPr>
+          <a:xfrm>
+            <a:off x="2646326" y="4779207"/>
+            <a:ext cx="2790825" cy="1581253"/>
           </a:xfrm>
           <a:prstGeom prst="rect">
             <a:avLst/>
@@ -18053,7 +17062,7 @@
     </p:spTree>
     <p:extLst>
       <p:ext uri="{BB962C8B-B14F-4D97-AF65-F5344CB8AC3E}">
-        <p14:creationId xmlns:p14="http://schemas.microsoft.com/office/powerpoint/2010/main" val="635486052"/>
+        <p14:creationId xmlns:p14="http://schemas.microsoft.com/office/powerpoint/2010/main" val="828274930"/>
       </p:ext>
     </p:extLst>
   </p:cSld>
@@ -18453,7 +17462,7 @@
       </p:grpSpPr>
       <p:sp>
         <p:nvSpPr>
-          <p:cNvPr id="2" name="Title 1"/>
+          <p:cNvPr id="4" name="Title 3"/>
           <p:cNvSpPr>
             <a:spLocks noGrp="1"/>
           </p:cNvSpPr>
@@ -18461,138 +17470,80 @@
             <p:ph type="title"/>
           </p:nvPr>
         </p:nvSpPr>
-        <p:spPr/>
-        <p:txBody>
-          <a:bodyPr/>
-          <a:lstStyle/>
-          <a:p>
-            <a:r>
-              <a:rPr lang="en-US" dirty="0" err="1" smtClean="0"/>
-              <a:t>Akses</a:t>
-            </a:r>
-            <a:r>
-              <a:rPr lang="en-US" dirty="0" smtClean="0"/>
-              <a:t> </a:t>
-            </a:r>
-            <a:r>
-              <a:rPr lang="en-US" dirty="0" err="1"/>
-              <a:t>Kolom</a:t>
-            </a:r>
-            <a:r>
-              <a:rPr lang="en-US" dirty="0"/>
-              <a:t>/</a:t>
-            </a:r>
-            <a:r>
-              <a:rPr lang="en-US" dirty="0" err="1"/>
-              <a:t>Variabel</a:t>
-            </a:r>
-            <a:r>
-              <a:rPr lang="en-US" dirty="0"/>
-              <a:t> </a:t>
-            </a:r>
-          </a:p>
-        </p:txBody>
-      </p:sp>
-      <p:sp>
-        <p:nvSpPr>
-          <p:cNvPr id="3" name="Content Placeholder 2"/>
-          <p:cNvSpPr>
-            <a:spLocks noGrp="1"/>
-          </p:cNvSpPr>
-          <p:nvPr>
-            <p:ph idx="1"/>
-          </p:nvPr>
-        </p:nvSpPr>
         <p:spPr>
           <a:xfrm>
-            <a:off x="1038226" y="1600200"/>
-            <a:ext cx="6572250" cy="4572000"/>
+            <a:off x="3466415" y="2542800"/>
+            <a:ext cx="6591985" cy="1468800"/>
           </a:xfrm>
         </p:spPr>
         <p:txBody>
           <a:bodyPr>
-            <a:normAutofit/>
+            <a:normAutofit fontScale="90000"/>
           </a:bodyPr>
           <a:lstStyle/>
           <a:p>
-            <a:pPr marL="0" indent="0">
-              <a:buNone/>
-            </a:pPr>
-            <a:r>
-              <a:rPr lang="en-US" dirty="0" smtClean="0">
-                <a:cs typeface="Courier New" panose="02070309020205020404" pitchFamily="49" charset="0"/>
-              </a:rPr>
-              <a:t># </a:t>
-            </a:r>
-            <a:r>
-              <a:rPr lang="en-US" dirty="0" err="1" smtClean="0">
-                <a:cs typeface="Courier New" panose="02070309020205020404" pitchFamily="49" charset="0"/>
-              </a:rPr>
-              <a:t>menampilkan</a:t>
-            </a:r>
-            <a:r>
-              <a:rPr lang="en-US" dirty="0" smtClean="0">
-                <a:cs typeface="Courier New" panose="02070309020205020404" pitchFamily="49" charset="0"/>
-              </a:rPr>
-              <a:t> 5 </a:t>
-            </a:r>
-            <a:r>
-              <a:rPr lang="en-US" dirty="0" err="1" smtClean="0">
-                <a:cs typeface="Courier New" panose="02070309020205020404" pitchFamily="49" charset="0"/>
-              </a:rPr>
-              <a:t>observasi</a:t>
-            </a:r>
-            <a:r>
-              <a:rPr lang="en-US" dirty="0" smtClean="0">
-                <a:cs typeface="Courier New" panose="02070309020205020404" pitchFamily="49" charset="0"/>
-              </a:rPr>
-              <a:t> </a:t>
-            </a:r>
-            <a:r>
-              <a:rPr lang="en-US" dirty="0" err="1" smtClean="0">
-                <a:cs typeface="Courier New" panose="02070309020205020404" pitchFamily="49" charset="0"/>
-              </a:rPr>
-              <a:t>pertama</a:t>
-            </a:r>
-            <a:endParaRPr lang="en-US" dirty="0">
-              <a:cs typeface="Courier New" panose="02070309020205020404" pitchFamily="49" charset="0"/>
-            </a:endParaRPr>
-          </a:p>
-          <a:p>
-            <a:pPr marL="0" indent="0">
-              <a:buNone/>
-            </a:pPr>
-            <a:r>
-              <a:rPr lang="en-US" dirty="0">
-                <a:latin typeface="Courier New" panose="02070309020205020404" pitchFamily="49" charset="0"/>
-                <a:cs typeface="Courier New" panose="02070309020205020404" pitchFamily="49" charset="0"/>
-              </a:rPr>
-              <a:t>head(data.csv, n=5)</a:t>
-            </a:r>
-          </a:p>
-          <a:p>
-            <a:endParaRPr lang="en-US" dirty="0"/>
+            <a:pPr algn="ctr"/>
+            <a:r>
+              <a:rPr lang="id-ID" dirty="0"/>
+              <a:t>Menampilkan Statistik Deskriptif Numerik</a:t>
+            </a:r>
           </a:p>
         </p:txBody>
       </p:sp>
       <p:pic>
         <p:nvPicPr>
-          <p:cNvPr id="4" name="Picture 3"/>
+          <p:cNvPr id="5" name="Picture 4"/>
           <p:cNvPicPr>
             <a:picLocks noChangeAspect="1"/>
           </p:cNvPicPr>
           <p:nvPr/>
         </p:nvPicPr>
         <p:blipFill>
-          <a:blip r:embed="rId2"/>
+          <a:blip r:embed="rId2" cstate="print">
+            <a:extLst>
+              <a:ext uri="{28A0092B-C50C-407E-A947-70E740481C1C}">
+                <a14:useLocalDpi xmlns:a14="http://schemas.microsoft.com/office/drawing/2010/main" val="0"/>
+              </a:ext>
+            </a:extLst>
+          </a:blip>
           <a:stretch>
             <a:fillRect/>
           </a:stretch>
         </p:blipFill>
         <p:spPr>
           <a:xfrm>
-            <a:off x="1038226" y="2661836"/>
-            <a:ext cx="9986311" cy="2103715"/>
+            <a:off x="9644244" y="6318150"/>
+            <a:ext cx="418537" cy="418537"/>
+          </a:xfrm>
+          <a:prstGeom prst="rect">
+            <a:avLst/>
+          </a:prstGeom>
+        </p:spPr>
+      </p:pic>
+      <p:pic>
+        <p:nvPicPr>
+          <p:cNvPr id="6" name="Picture 5"/>
+          <p:cNvPicPr>
+            <a:picLocks noChangeAspect="1"/>
+          </p:cNvPicPr>
+          <p:nvPr/>
+        </p:nvPicPr>
+        <p:blipFill>
+          <a:blip r:embed="rId3" cstate="print">
+            <a:extLst>
+              <a:ext uri="{28A0092B-C50C-407E-A947-70E740481C1C}">
+                <a14:useLocalDpi xmlns:a14="http://schemas.microsoft.com/office/drawing/2010/main" val="0"/>
+              </a:ext>
+            </a:extLst>
+          </a:blip>
+          <a:stretch>
+            <a:fillRect/>
+          </a:stretch>
+        </p:blipFill>
+        <p:spPr>
+          <a:xfrm>
+            <a:off x="10062780" y="6340692"/>
+            <a:ext cx="481958" cy="373451"/>
           </a:xfrm>
           <a:prstGeom prst="rect">
             <a:avLst/>
@@ -18602,7 +17553,7 @@
     </p:spTree>
     <p:extLst>
       <p:ext uri="{BB962C8B-B14F-4D97-AF65-F5344CB8AC3E}">
-        <p14:creationId xmlns:p14="http://schemas.microsoft.com/office/powerpoint/2010/main" val="4232785760"/>
+        <p14:creationId xmlns:p14="http://schemas.microsoft.com/office/powerpoint/2010/main" val="3064413508"/>
       </p:ext>
     </p:extLst>
   </p:cSld>
@@ -18655,7 +17606,7 @@
             <a:spLocks noGrp="1"/>
           </p:cNvSpPr>
           <p:nvPr>
-            <p:ph type="ctrTitle"/>
+            <p:ph type="title"/>
           </p:nvPr>
         </p:nvSpPr>
         <p:spPr/>
@@ -18664,44 +17615,110 @@
           <a:lstStyle/>
           <a:p>
             <a:r>
-              <a:rPr lang="en-US" cap="none" dirty="0" err="1" smtClean="0"/>
-              <a:t>Statistika</a:t>
-            </a:r>
-            <a:r>
-              <a:rPr lang="en-US" cap="none" dirty="0" smtClean="0"/>
-              <a:t> </a:t>
-            </a:r>
-            <a:r>
-              <a:rPr lang="en-US" cap="none" dirty="0" err="1" smtClean="0"/>
-              <a:t>Deskriptif</a:t>
-            </a:r>
-            <a:endParaRPr lang="en-US" cap="none" dirty="0"/>
+              <a:rPr lang="id-ID" dirty="0"/>
+              <a:t>Rata-rata</a:t>
+            </a:r>
           </a:p>
         </p:txBody>
       </p:sp>
       <p:sp>
         <p:nvSpPr>
-          <p:cNvPr id="3" name="Subtitle 2"/>
+          <p:cNvPr id="3" name="Content Placeholder 2"/>
           <p:cNvSpPr>
             <a:spLocks noGrp="1"/>
           </p:cNvSpPr>
           <p:nvPr>
-            <p:ph type="subTitle" idx="1"/>
+            <p:ph idx="1"/>
           </p:nvPr>
         </p:nvSpPr>
         <p:spPr/>
         <p:txBody>
-          <a:bodyPr/>
+          <a:bodyPr>
+            <a:normAutofit/>
+          </a:bodyPr>
           <a:lstStyle/>
           <a:p>
-            <a:endParaRPr lang="en-US"/>
+            <a:pPr marL="806450" indent="-806450">
+              <a:buNone/>
+            </a:pPr>
+            <a:r>
+              <a:rPr lang="id-ID" sz="2400" dirty="0" err="1" smtClean="0">
+                <a:solidFill>
+                  <a:srgbClr val="0070C0"/>
+                </a:solidFill>
+                <a:latin typeface="Lucida Console" panose="020B0609040504020204" pitchFamily="49" charset="0"/>
+              </a:rPr>
+              <a:t>mean</a:t>
+            </a:r>
+            <a:r>
+              <a:rPr lang="id-ID" sz="2400" dirty="0" smtClean="0">
+                <a:solidFill>
+                  <a:srgbClr val="0070C0"/>
+                </a:solidFill>
+                <a:latin typeface="Lucida Console" panose="020B0609040504020204" pitchFamily="49" charset="0"/>
+              </a:rPr>
+              <a:t>(</a:t>
+            </a:r>
+            <a:r>
+              <a:rPr lang="id-ID" sz="2400" dirty="0" err="1" smtClean="0">
+                <a:solidFill>
+                  <a:srgbClr val="0070C0"/>
+                </a:solidFill>
+                <a:latin typeface="Lucida Console" panose="020B0609040504020204" pitchFamily="49" charset="0"/>
+              </a:rPr>
+              <a:t>datasurvei$Biaya</a:t>
+            </a:r>
+            <a:r>
+              <a:rPr lang="id-ID" sz="2400" dirty="0">
+                <a:solidFill>
+                  <a:srgbClr val="0070C0"/>
+                </a:solidFill>
+                <a:latin typeface="Lucida Console" panose="020B0609040504020204" pitchFamily="49" charset="0"/>
+              </a:rPr>
+              <a:t>)</a:t>
+            </a:r>
           </a:p>
         </p:txBody>
       </p:sp>
+      <p:pic>
+        <p:nvPicPr>
+          <p:cNvPr id="4" name="Picture 3"/>
+          <p:cNvPicPr>
+            <a:picLocks noChangeAspect="1"/>
+          </p:cNvPicPr>
+          <p:nvPr/>
+        </p:nvPicPr>
+        <p:blipFill>
+          <a:blip r:embed="rId2">
+            <a:clrChange>
+              <a:clrFrom>
+                <a:srgbClr val="FFFFFF"/>
+              </a:clrFrom>
+              <a:clrTo>
+                <a:srgbClr val="FFFFFF">
+                  <a:alpha val="0"/>
+                </a:srgbClr>
+              </a:clrTo>
+            </a:clrChange>
+          </a:blip>
+          <a:stretch>
+            <a:fillRect/>
+          </a:stretch>
+        </p:blipFill>
+        <p:spPr>
+          <a:xfrm>
+            <a:off x="3013261" y="2307572"/>
+            <a:ext cx="3375322" cy="529759"/>
+          </a:xfrm>
+          <a:prstGeom prst="rect">
+            <a:avLst/>
+          </a:prstGeom>
+        </p:spPr>
+      </p:pic>
     </p:spTree>
     <p:extLst>
       <p:ext uri="{BB962C8B-B14F-4D97-AF65-F5344CB8AC3E}">
-        <p14:creationId xmlns:p14="http://schemas.microsoft.com/office/powerpoint/2010/main" val="2197387653"/>
+        <p14:creationId xmlns:p14="http://schemas.microsoft.com/office/powerpoint/2010/main" val="3822188032"/>
       </p:ext>
     </p:extLst>
   </p:cSld>
@@ -18763,18 +17780,9 @@
           <a:lstStyle/>
           <a:p>
             <a:r>
-              <a:rPr lang="en-US" dirty="0" err="1"/>
-              <a:t>Deskriptif</a:t>
-            </a:r>
-            <a:r>
-              <a:rPr lang="en-US" dirty="0"/>
-              <a:t> </a:t>
-            </a:r>
-            <a:r>
-              <a:rPr lang="en-US" dirty="0" smtClean="0"/>
-              <a:t>Data</a:t>
-            </a:r>
-            <a:endParaRPr lang="en-US" dirty="0"/>
+              <a:rPr lang="id-ID" dirty="0"/>
+              <a:t>Simpangan baku dan ragam</a:t>
+            </a:r>
           </a:p>
         </p:txBody>
       </p:sp>
@@ -18790,44 +17798,91 @@
         </p:nvSpPr>
         <p:spPr/>
         <p:txBody>
-          <a:bodyPr/>
+          <a:bodyPr>
+            <a:normAutofit/>
+          </a:bodyPr>
           <a:lstStyle/>
           <a:p>
-            <a:r>
-              <a:rPr lang="en-US" dirty="0" err="1" smtClean="0"/>
-              <a:t>Ringkasan</a:t>
-            </a:r>
-            <a:r>
-              <a:rPr lang="en-US" dirty="0" smtClean="0"/>
-              <a:t> data </a:t>
-            </a:r>
-            <a:r>
-              <a:rPr lang="en-US" dirty="0" err="1" smtClean="0"/>
-              <a:t>untuk</a:t>
-            </a:r>
-            <a:r>
-              <a:rPr lang="en-US" dirty="0" smtClean="0"/>
-              <a:t> </a:t>
-            </a:r>
-            <a:r>
-              <a:rPr lang="en-US" dirty="0" err="1" smtClean="0"/>
-              <a:t>seluruh</a:t>
-            </a:r>
-            <a:r>
-              <a:rPr lang="en-US" dirty="0" smtClean="0"/>
-              <a:t> </a:t>
-            </a:r>
-            <a:r>
-              <a:rPr lang="en-US" dirty="0" err="1" smtClean="0"/>
-              <a:t>variabel</a:t>
-            </a:r>
-            <a:endParaRPr lang="en-US" dirty="0" smtClean="0"/>
-          </a:p>
-          <a:p>
-            <a:pPr marL="0" indent="0">
+            <a:pPr marL="806450" indent="-806450">
               <a:buNone/>
             </a:pPr>
-            <a:endParaRPr lang="en-US" dirty="0"/>
+            <a:r>
+              <a:rPr lang="id-ID" dirty="0" err="1" smtClean="0">
+                <a:solidFill>
+                  <a:srgbClr val="0070C0"/>
+                </a:solidFill>
+                <a:latin typeface="Lucida Console" panose="020B0609040504020204" pitchFamily="49" charset="0"/>
+              </a:rPr>
+              <a:t>sd</a:t>
+            </a:r>
+            <a:r>
+              <a:rPr lang="id-ID" dirty="0" smtClean="0">
+                <a:solidFill>
+                  <a:srgbClr val="0070C0"/>
+                </a:solidFill>
+                <a:latin typeface="Lucida Console" panose="020B0609040504020204" pitchFamily="49" charset="0"/>
+              </a:rPr>
+              <a:t>(</a:t>
+            </a:r>
+            <a:r>
+              <a:rPr lang="id-ID" dirty="0" err="1" smtClean="0">
+                <a:solidFill>
+                  <a:srgbClr val="0070C0"/>
+                </a:solidFill>
+                <a:latin typeface="Lucida Console" panose="020B0609040504020204" pitchFamily="49" charset="0"/>
+              </a:rPr>
+              <a:t>datasurvei$Usia</a:t>
+            </a:r>
+            <a:r>
+              <a:rPr lang="id-ID" dirty="0">
+                <a:solidFill>
+                  <a:srgbClr val="0070C0"/>
+                </a:solidFill>
+                <a:latin typeface="Lucida Console" panose="020B0609040504020204" pitchFamily="49" charset="0"/>
+              </a:rPr>
+              <a:t>)</a:t>
+            </a:r>
+          </a:p>
+          <a:p>
+            <a:pPr marL="806450" indent="-806450">
+              <a:buNone/>
+            </a:pPr>
+            <a:r>
+              <a:rPr lang="id-ID" dirty="0" err="1" smtClean="0">
+                <a:solidFill>
+                  <a:srgbClr val="0070C0"/>
+                </a:solidFill>
+                <a:latin typeface="Lucida Console" panose="020B0609040504020204" pitchFamily="49" charset="0"/>
+              </a:rPr>
+              <a:t>var</a:t>
+            </a:r>
+            <a:r>
+              <a:rPr lang="id-ID" dirty="0" smtClean="0">
+                <a:solidFill>
+                  <a:srgbClr val="0070C0"/>
+                </a:solidFill>
+                <a:latin typeface="Lucida Console" panose="020B0609040504020204" pitchFamily="49" charset="0"/>
+              </a:rPr>
+              <a:t>(</a:t>
+            </a:r>
+            <a:r>
+              <a:rPr lang="id-ID" dirty="0" err="1" smtClean="0">
+                <a:solidFill>
+                  <a:srgbClr val="0070C0"/>
+                </a:solidFill>
+                <a:latin typeface="Lucida Console" panose="020B0609040504020204" pitchFamily="49" charset="0"/>
+              </a:rPr>
+              <a:t>datasurvei$Usia</a:t>
+            </a:r>
+            <a:r>
+              <a:rPr lang="id-ID" dirty="0">
+                <a:solidFill>
+                  <a:srgbClr val="0070C0"/>
+                </a:solidFill>
+                <a:latin typeface="Lucida Console" panose="020B0609040504020204" pitchFamily="49" charset="0"/>
+              </a:rPr>
+              <a:t>)</a:t>
+            </a:r>
           </a:p>
         </p:txBody>
       </p:sp>
@@ -18840,15 +17895,26 @@
           <p:nvPr/>
         </p:nvPicPr>
         <p:blipFill>
-          <a:blip r:embed="rId2"/>
+          <a:blip r:embed="rId2">
+            <a:clrChange>
+              <a:clrFrom>
+                <a:srgbClr val="FFFFFF"/>
+              </a:clrFrom>
+              <a:clrTo>
+                <a:srgbClr val="FFFFFF">
+                  <a:alpha val="0"/>
+                </a:srgbClr>
+              </a:clrTo>
+            </a:clrChange>
+          </a:blip>
           <a:stretch>
             <a:fillRect/>
           </a:stretch>
         </p:blipFill>
         <p:spPr>
           <a:xfrm>
-            <a:off x="1104900" y="2142924"/>
-            <a:ext cx="10201275" cy="4362450"/>
+            <a:off x="3474085" y="2574319"/>
+            <a:ext cx="3311803" cy="1163170"/>
           </a:xfrm>
           <a:prstGeom prst="rect">
             <a:avLst/>
@@ -18858,7 +17924,7 @@
     </p:spTree>
     <p:extLst>
       <p:ext uri="{BB962C8B-B14F-4D97-AF65-F5344CB8AC3E}">
-        <p14:creationId xmlns:p14="http://schemas.microsoft.com/office/powerpoint/2010/main" val="1063122172"/>
+        <p14:creationId xmlns:p14="http://schemas.microsoft.com/office/powerpoint/2010/main" val="3879753825"/>
       </p:ext>
     </p:extLst>
   </p:cSld>
@@ -18877,6 +17943,13 @@
       </p:transition>
     </mc:Fallback>
   </mc:AlternateContent>
+  <p:timing>
+    <p:tnLst>
+      <p:par>
+        <p:cTn id="1" dur="indefinite" restart="never" nodeType="tmRoot"/>
+      </p:par>
+    </p:tnLst>
+  </p:timing>
 </p:sld>
 </file>
 
@@ -18913,26 +17986,9 @@
           <a:lstStyle/>
           <a:p>
             <a:r>
-              <a:rPr lang="en-US" dirty="0" err="1" smtClean="0"/>
-              <a:t>Deskriptif</a:t>
-            </a:r>
-            <a:r>
-              <a:rPr lang="en-US" dirty="0" smtClean="0"/>
-              <a:t> Data </a:t>
-            </a:r>
-            <a:r>
-              <a:rPr lang="en-US" dirty="0" err="1" smtClean="0"/>
-              <a:t>Tipe</a:t>
-            </a:r>
-            <a:r>
-              <a:rPr lang="en-US" dirty="0" smtClean="0"/>
-              <a:t> </a:t>
-            </a:r>
-            <a:r>
-              <a:rPr lang="en-US" dirty="0" err="1" smtClean="0"/>
-              <a:t>Numerik</a:t>
-            </a:r>
-            <a:endParaRPr lang="en-US" dirty="0"/>
+              <a:rPr lang="id-ID" dirty="0"/>
+              <a:t>Banyaknya observasi</a:t>
+            </a:r>
           </a:p>
         </p:txBody>
       </p:sp>
@@ -18946,1153 +18002,269 @@
             <p:ph idx="1"/>
           </p:nvPr>
         </p:nvSpPr>
-        <p:spPr>
-          <a:xfrm>
-            <a:off x="1093857" y="1331907"/>
-            <a:ext cx="4189482" cy="4981575"/>
-          </a:xfrm>
-        </p:spPr>
+        <p:spPr/>
         <p:txBody>
           <a:bodyPr>
             <a:normAutofit/>
           </a:bodyPr>
           <a:lstStyle/>
           <a:p>
-            <a:pPr marL="0" indent="0">
-              <a:lnSpc>
-                <a:spcPct val="110000"/>
-              </a:lnSpc>
-              <a:spcBef>
-                <a:spcPts val="0"/>
-              </a:spcBef>
+            <a:pPr marL="806450" indent="-806450">
               <a:buNone/>
             </a:pPr>
             <a:r>
-              <a:rPr lang="en-US" dirty="0">
-                <a:cs typeface="Courier New" panose="02070309020205020404" pitchFamily="49" charset="0"/>
-              </a:rPr>
-              <a:t>#</a:t>
-            </a:r>
-            <a:r>
-              <a:rPr lang="en-US" dirty="0" err="1">
-                <a:cs typeface="Courier New" panose="02070309020205020404" pitchFamily="49" charset="0"/>
-              </a:rPr>
-              <a:t>mencari</a:t>
-            </a:r>
-            <a:r>
-              <a:rPr lang="en-US" dirty="0">
-                <a:cs typeface="Courier New" panose="02070309020205020404" pitchFamily="49" charset="0"/>
-              </a:rPr>
-              <a:t> </a:t>
-            </a:r>
-            <a:r>
-              <a:rPr lang="en-US" dirty="0" err="1">
-                <a:cs typeface="Courier New" panose="02070309020205020404" pitchFamily="49" charset="0"/>
-              </a:rPr>
-              <a:t>nilai</a:t>
-            </a:r>
-            <a:r>
-              <a:rPr lang="en-US" dirty="0">
-                <a:cs typeface="Courier New" panose="02070309020205020404" pitchFamily="49" charset="0"/>
-              </a:rPr>
-              <a:t> </a:t>
-            </a:r>
-            <a:r>
-              <a:rPr lang="en-US" dirty="0" err="1">
-                <a:cs typeface="Courier New" panose="02070309020205020404" pitchFamily="49" charset="0"/>
-              </a:rPr>
-              <a:t>rataan</a:t>
-            </a:r>
-            <a:endParaRPr lang="en-US" dirty="0">
-              <a:cs typeface="Courier New" panose="02070309020205020404" pitchFamily="49" charset="0"/>
-            </a:endParaRPr>
-          </a:p>
-          <a:p>
-            <a:pPr marL="0" indent="0">
-              <a:lnSpc>
-                <a:spcPct val="110000"/>
-              </a:lnSpc>
-              <a:spcBef>
-                <a:spcPts val="0"/>
-              </a:spcBef>
+              <a:rPr lang="id-ID" dirty="0" err="1" smtClean="0">
+                <a:solidFill>
+                  <a:srgbClr val="0070C0"/>
+                </a:solidFill>
+                <a:latin typeface="Lucida Console" panose="020B0609040504020204" pitchFamily="49" charset="0"/>
+              </a:rPr>
+              <a:t>nrow</a:t>
+            </a:r>
+            <a:r>
+              <a:rPr lang="id-ID" dirty="0" smtClean="0">
+                <a:solidFill>
+                  <a:srgbClr val="0070C0"/>
+                </a:solidFill>
+                <a:latin typeface="Lucida Console" panose="020B0609040504020204" pitchFamily="49" charset="0"/>
+              </a:rPr>
+              <a:t>(</a:t>
+            </a:r>
+            <a:r>
+              <a:rPr lang="id-ID" dirty="0" err="1" smtClean="0">
+                <a:solidFill>
+                  <a:srgbClr val="0070C0"/>
+                </a:solidFill>
+                <a:latin typeface="Lucida Console" panose="020B0609040504020204" pitchFamily="49" charset="0"/>
+              </a:rPr>
+              <a:t>datasurvei</a:t>
+            </a:r>
+            <a:r>
+              <a:rPr lang="id-ID" dirty="0">
+                <a:solidFill>
+                  <a:srgbClr val="0070C0"/>
+                </a:solidFill>
+                <a:latin typeface="Lucida Console" panose="020B0609040504020204" pitchFamily="49" charset="0"/>
+              </a:rPr>
+              <a:t>)</a:t>
+            </a:r>
+          </a:p>
+          <a:p>
+            <a:pPr marL="806450" indent="-806450">
               <a:buNone/>
             </a:pPr>
             <a:r>
-              <a:rPr lang="en-US" dirty="0">
-                <a:latin typeface="Courier New" panose="02070309020205020404" pitchFamily="49" charset="0"/>
-                <a:cs typeface="Courier New" panose="02070309020205020404" pitchFamily="49" charset="0"/>
-              </a:rPr>
-              <a:t>mean(</a:t>
-            </a:r>
-            <a:r>
-              <a:rPr lang="en-US" dirty="0" err="1">
-                <a:latin typeface="Courier New" panose="02070309020205020404" pitchFamily="49" charset="0"/>
-                <a:cs typeface="Courier New" panose="02070309020205020404" pitchFamily="49" charset="0"/>
-              </a:rPr>
-              <a:t>data.csv$Pengeluaran</a:t>
-            </a:r>
-            <a:r>
-              <a:rPr lang="en-US" dirty="0" smtClean="0">
-                <a:latin typeface="Courier New" panose="02070309020205020404" pitchFamily="49" charset="0"/>
-                <a:cs typeface="Courier New" panose="02070309020205020404" pitchFamily="49" charset="0"/>
+              <a:rPr lang="id-ID" dirty="0" err="1" smtClean="0">
+                <a:solidFill>
+                  <a:srgbClr val="0070C0"/>
+                </a:solidFill>
+                <a:latin typeface="Lucida Console" panose="020B0609040504020204" pitchFamily="49" charset="0"/>
+              </a:rPr>
+              <a:t>length</a:t>
+            </a:r>
+            <a:r>
+              <a:rPr lang="id-ID" dirty="0" smtClean="0">
+                <a:solidFill>
+                  <a:srgbClr val="0070C0"/>
+                </a:solidFill>
+                <a:latin typeface="Lucida Console" panose="020B0609040504020204" pitchFamily="49" charset="0"/>
+              </a:rPr>
+              <a:t>(</a:t>
+            </a:r>
+            <a:r>
+              <a:rPr lang="id-ID" dirty="0" err="1" smtClean="0">
+                <a:solidFill>
+                  <a:srgbClr val="0070C0"/>
+                </a:solidFill>
+                <a:latin typeface="Lucida Console" panose="020B0609040504020204" pitchFamily="49" charset="0"/>
+              </a:rPr>
+              <a:t>datasurvei$JK</a:t>
+            </a:r>
+            <a:r>
+              <a:rPr lang="id-ID" dirty="0">
+                <a:solidFill>
+                  <a:srgbClr val="0070C0"/>
+                </a:solidFill>
+                <a:latin typeface="Lucida Console" panose="020B0609040504020204" pitchFamily="49" charset="0"/>
               </a:rPr>
               <a:t>)</a:t>
             </a:r>
-          </a:p>
-          <a:p>
-            <a:pPr marL="0" indent="0">
-              <a:lnSpc>
-                <a:spcPct val="110000"/>
-              </a:lnSpc>
-              <a:spcBef>
-                <a:spcPts val="0"/>
-              </a:spcBef>
-              <a:buNone/>
-            </a:pPr>
-            <a:endParaRPr lang="en-US" dirty="0">
-              <a:latin typeface="Courier New" panose="02070309020205020404" pitchFamily="49" charset="0"/>
-              <a:cs typeface="Courier New" panose="02070309020205020404" pitchFamily="49" charset="0"/>
-            </a:endParaRPr>
-          </a:p>
-          <a:p>
-            <a:pPr marL="0" indent="0">
-              <a:lnSpc>
-                <a:spcPct val="110000"/>
-              </a:lnSpc>
-              <a:spcBef>
-                <a:spcPts val="0"/>
-              </a:spcBef>
-              <a:buNone/>
-            </a:pPr>
-            <a:endParaRPr lang="en-US" dirty="0">
-              <a:latin typeface="Courier New" panose="02070309020205020404" pitchFamily="49" charset="0"/>
-              <a:cs typeface="Courier New" panose="02070309020205020404" pitchFamily="49" charset="0"/>
-            </a:endParaRPr>
-          </a:p>
-          <a:p>
-            <a:pPr marL="0" indent="0">
-              <a:lnSpc>
-                <a:spcPct val="110000"/>
-              </a:lnSpc>
-              <a:spcBef>
-                <a:spcPts val="0"/>
-              </a:spcBef>
-              <a:buNone/>
-            </a:pPr>
-            <a:r>
-              <a:rPr lang="en-US" dirty="0">
-                <a:cs typeface="Courier New" panose="02070309020205020404" pitchFamily="49" charset="0"/>
-              </a:rPr>
-              <a:t>#</a:t>
-            </a:r>
-            <a:r>
-              <a:rPr lang="en-US" dirty="0" err="1">
-                <a:cs typeface="Courier New" panose="02070309020205020404" pitchFamily="49" charset="0"/>
-              </a:rPr>
-              <a:t>mencari</a:t>
-            </a:r>
-            <a:r>
-              <a:rPr lang="en-US" dirty="0">
-                <a:cs typeface="Courier New" panose="02070309020205020404" pitchFamily="49" charset="0"/>
-              </a:rPr>
-              <a:t> </a:t>
-            </a:r>
-            <a:r>
-              <a:rPr lang="en-US" dirty="0" err="1">
-                <a:cs typeface="Courier New" panose="02070309020205020404" pitchFamily="49" charset="0"/>
-              </a:rPr>
-              <a:t>standart</a:t>
-            </a:r>
-            <a:r>
-              <a:rPr lang="en-US" dirty="0">
-                <a:cs typeface="Courier New" panose="02070309020205020404" pitchFamily="49" charset="0"/>
-              </a:rPr>
-              <a:t> </a:t>
-            </a:r>
-            <a:r>
-              <a:rPr lang="en-US" dirty="0" err="1">
-                <a:cs typeface="Courier New" panose="02070309020205020404" pitchFamily="49" charset="0"/>
-              </a:rPr>
-              <a:t>deviasi</a:t>
-            </a:r>
-            <a:endParaRPr lang="en-US" dirty="0">
-              <a:cs typeface="Courier New" panose="02070309020205020404" pitchFamily="49" charset="0"/>
-            </a:endParaRPr>
-          </a:p>
-          <a:p>
-            <a:pPr marL="0" indent="0">
-              <a:lnSpc>
-                <a:spcPct val="110000"/>
-              </a:lnSpc>
-              <a:spcBef>
-                <a:spcPts val="0"/>
-              </a:spcBef>
-              <a:buNone/>
-            </a:pPr>
-            <a:r>
-              <a:rPr lang="en-US" dirty="0" err="1">
-                <a:latin typeface="Courier New" panose="02070309020205020404" pitchFamily="49" charset="0"/>
-                <a:cs typeface="Courier New" panose="02070309020205020404" pitchFamily="49" charset="0"/>
-              </a:rPr>
-              <a:t>sd</a:t>
-            </a:r>
-            <a:r>
-              <a:rPr lang="en-US" dirty="0">
-                <a:latin typeface="Courier New" panose="02070309020205020404" pitchFamily="49" charset="0"/>
-                <a:cs typeface="Courier New" panose="02070309020205020404" pitchFamily="49" charset="0"/>
-              </a:rPr>
-              <a:t>(</a:t>
-            </a:r>
-            <a:r>
-              <a:rPr lang="en-US" dirty="0" err="1">
-                <a:latin typeface="Courier New" panose="02070309020205020404" pitchFamily="49" charset="0"/>
-                <a:cs typeface="Courier New" panose="02070309020205020404" pitchFamily="49" charset="0"/>
-              </a:rPr>
-              <a:t>data.csv$Pengeluaran</a:t>
-            </a:r>
-            <a:r>
-              <a:rPr lang="en-US" dirty="0" smtClean="0">
-                <a:latin typeface="Courier New" panose="02070309020205020404" pitchFamily="49" charset="0"/>
-                <a:cs typeface="Courier New" panose="02070309020205020404" pitchFamily="49" charset="0"/>
-              </a:rPr>
-              <a:t>)</a:t>
-            </a:r>
-          </a:p>
-          <a:p>
-            <a:pPr marL="0" indent="0">
-              <a:lnSpc>
-                <a:spcPct val="110000"/>
-              </a:lnSpc>
-              <a:spcBef>
-                <a:spcPts val="0"/>
-              </a:spcBef>
-              <a:buNone/>
-            </a:pPr>
-            <a:endParaRPr lang="en-US" dirty="0">
-              <a:latin typeface="Courier New" panose="02070309020205020404" pitchFamily="49" charset="0"/>
-              <a:cs typeface="Courier New" panose="02070309020205020404" pitchFamily="49" charset="0"/>
-            </a:endParaRPr>
-          </a:p>
-          <a:p>
-            <a:pPr marL="0" indent="0">
-              <a:lnSpc>
-                <a:spcPct val="110000"/>
-              </a:lnSpc>
-              <a:spcBef>
-                <a:spcPts val="0"/>
-              </a:spcBef>
-              <a:buNone/>
-            </a:pPr>
-            <a:endParaRPr lang="en-US" dirty="0">
-              <a:latin typeface="Courier New" panose="02070309020205020404" pitchFamily="49" charset="0"/>
-              <a:cs typeface="Courier New" panose="02070309020205020404" pitchFamily="49" charset="0"/>
-            </a:endParaRPr>
-          </a:p>
-          <a:p>
-            <a:pPr marL="0" indent="0">
-              <a:lnSpc>
-                <a:spcPct val="110000"/>
-              </a:lnSpc>
-              <a:spcBef>
-                <a:spcPts val="0"/>
-              </a:spcBef>
-              <a:buNone/>
-            </a:pPr>
-            <a:r>
-              <a:rPr lang="en-US" dirty="0" smtClean="0">
-                <a:cs typeface="Courier New" panose="02070309020205020404" pitchFamily="49" charset="0"/>
-              </a:rPr>
-              <a:t>#</a:t>
-            </a:r>
-            <a:r>
-              <a:rPr lang="en-US" dirty="0" err="1" smtClean="0">
-                <a:cs typeface="Courier New" panose="02070309020205020404" pitchFamily="49" charset="0"/>
-              </a:rPr>
-              <a:t>mencari</a:t>
-            </a:r>
-            <a:r>
-              <a:rPr lang="en-US" dirty="0" smtClean="0">
-                <a:cs typeface="Courier New" panose="02070309020205020404" pitchFamily="49" charset="0"/>
-              </a:rPr>
-              <a:t> </a:t>
-            </a:r>
-            <a:r>
-              <a:rPr lang="en-US" dirty="0" err="1" smtClean="0">
-                <a:cs typeface="Courier New" panose="02070309020205020404" pitchFamily="49" charset="0"/>
-              </a:rPr>
-              <a:t>nilai</a:t>
-            </a:r>
-            <a:r>
-              <a:rPr lang="en-US" dirty="0" smtClean="0">
-                <a:cs typeface="Courier New" panose="02070309020205020404" pitchFamily="49" charset="0"/>
-              </a:rPr>
-              <a:t> </a:t>
-            </a:r>
-            <a:r>
-              <a:rPr lang="en-US" dirty="0" err="1" smtClean="0">
-                <a:cs typeface="Courier New" panose="02070309020205020404" pitchFamily="49" charset="0"/>
-              </a:rPr>
-              <a:t>maksimum</a:t>
-            </a:r>
-            <a:endParaRPr lang="en-US" dirty="0" smtClean="0">
-              <a:cs typeface="Courier New" panose="02070309020205020404" pitchFamily="49" charset="0"/>
-            </a:endParaRPr>
-          </a:p>
-          <a:p>
-            <a:pPr marL="0" indent="0">
-              <a:lnSpc>
-                <a:spcPct val="110000"/>
-              </a:lnSpc>
-              <a:spcBef>
-                <a:spcPts val="0"/>
-              </a:spcBef>
-              <a:buNone/>
-            </a:pPr>
-            <a:r>
-              <a:rPr lang="en-US" dirty="0" smtClean="0">
-                <a:latin typeface="Courier New" panose="02070309020205020404" pitchFamily="49" charset="0"/>
-                <a:cs typeface="Courier New" panose="02070309020205020404" pitchFamily="49" charset="0"/>
-              </a:rPr>
-              <a:t>max(</a:t>
-            </a:r>
-            <a:r>
-              <a:rPr lang="en-US" dirty="0" err="1" smtClean="0">
-                <a:latin typeface="Courier New" panose="02070309020205020404" pitchFamily="49" charset="0"/>
-                <a:cs typeface="Courier New" panose="02070309020205020404" pitchFamily="49" charset="0"/>
-              </a:rPr>
-              <a:t>data.csv$Pengeluaran</a:t>
-            </a:r>
-            <a:r>
-              <a:rPr lang="en-US" dirty="0">
-                <a:latin typeface="Courier New" panose="02070309020205020404" pitchFamily="49" charset="0"/>
-                <a:cs typeface="Courier New" panose="02070309020205020404" pitchFamily="49" charset="0"/>
-              </a:rPr>
-              <a:t>)</a:t>
-            </a:r>
-          </a:p>
-          <a:p>
-            <a:pPr marL="0" indent="0">
-              <a:lnSpc>
-                <a:spcPct val="110000"/>
-              </a:lnSpc>
-              <a:spcBef>
-                <a:spcPts val="0"/>
-              </a:spcBef>
-              <a:buNone/>
-            </a:pPr>
-            <a:endParaRPr lang="en-US" dirty="0" smtClean="0">
-              <a:latin typeface="Courier New" panose="02070309020205020404" pitchFamily="49" charset="0"/>
-              <a:cs typeface="Courier New" panose="02070309020205020404" pitchFamily="49" charset="0"/>
-            </a:endParaRPr>
-          </a:p>
-          <a:p>
-            <a:pPr marL="0" indent="0">
-              <a:lnSpc>
-                <a:spcPct val="110000"/>
-              </a:lnSpc>
-              <a:spcBef>
-                <a:spcPts val="0"/>
-              </a:spcBef>
-              <a:buNone/>
-            </a:pPr>
-            <a:endParaRPr lang="en-US" dirty="0">
-              <a:latin typeface="Courier New" panose="02070309020205020404" pitchFamily="49" charset="0"/>
-              <a:cs typeface="Courier New" panose="02070309020205020404" pitchFamily="49" charset="0"/>
-            </a:endParaRPr>
-          </a:p>
-          <a:p>
-            <a:pPr marL="0" indent="0">
-              <a:lnSpc>
-                <a:spcPct val="110000"/>
-              </a:lnSpc>
-              <a:spcBef>
-                <a:spcPts val="0"/>
-              </a:spcBef>
-              <a:buNone/>
-            </a:pPr>
-            <a:r>
-              <a:rPr lang="en-US" dirty="0">
-                <a:cs typeface="Courier New" panose="02070309020205020404" pitchFamily="49" charset="0"/>
-              </a:rPr>
-              <a:t>#</a:t>
-            </a:r>
-            <a:r>
-              <a:rPr lang="en-US" dirty="0" err="1">
-                <a:cs typeface="Courier New" panose="02070309020205020404" pitchFamily="49" charset="0"/>
-              </a:rPr>
-              <a:t>mencari</a:t>
-            </a:r>
-            <a:r>
-              <a:rPr lang="en-US" dirty="0">
-                <a:cs typeface="Courier New" panose="02070309020205020404" pitchFamily="49" charset="0"/>
-              </a:rPr>
-              <a:t> </a:t>
-            </a:r>
-            <a:r>
-              <a:rPr lang="en-US" dirty="0" err="1">
-                <a:cs typeface="Courier New" panose="02070309020205020404" pitchFamily="49" charset="0"/>
-              </a:rPr>
-              <a:t>nilai</a:t>
-            </a:r>
-            <a:r>
-              <a:rPr lang="en-US" dirty="0">
-                <a:cs typeface="Courier New" panose="02070309020205020404" pitchFamily="49" charset="0"/>
-              </a:rPr>
-              <a:t> minimum</a:t>
-            </a:r>
-          </a:p>
-          <a:p>
-            <a:pPr marL="0" indent="0">
-              <a:lnSpc>
-                <a:spcPct val="110000"/>
-              </a:lnSpc>
-              <a:spcBef>
-                <a:spcPts val="0"/>
-              </a:spcBef>
-              <a:buNone/>
-            </a:pPr>
-            <a:r>
-              <a:rPr lang="en-US" dirty="0">
-                <a:latin typeface="Courier New" panose="02070309020205020404" pitchFamily="49" charset="0"/>
-                <a:cs typeface="Courier New" panose="02070309020205020404" pitchFamily="49" charset="0"/>
-              </a:rPr>
-              <a:t>min(</a:t>
-            </a:r>
-            <a:r>
-              <a:rPr lang="en-US" dirty="0" err="1">
-                <a:latin typeface="Courier New" panose="02070309020205020404" pitchFamily="49" charset="0"/>
-                <a:cs typeface="Courier New" panose="02070309020205020404" pitchFamily="49" charset="0"/>
-              </a:rPr>
-              <a:t>data.csv$Pengeluaran</a:t>
-            </a:r>
-            <a:r>
-              <a:rPr lang="en-US" dirty="0">
-                <a:latin typeface="Courier New" panose="02070309020205020404" pitchFamily="49" charset="0"/>
-                <a:cs typeface="Courier New" panose="02070309020205020404" pitchFamily="49" charset="0"/>
-              </a:rPr>
-              <a:t>)</a:t>
-            </a:r>
-          </a:p>
-          <a:p>
-            <a:pPr marL="0" indent="0">
-              <a:lnSpc>
-                <a:spcPct val="110000"/>
-              </a:lnSpc>
-              <a:spcBef>
-                <a:spcPts val="0"/>
-              </a:spcBef>
-              <a:buNone/>
-            </a:pPr>
-            <a:endParaRPr lang="en-US" dirty="0">
-              <a:latin typeface="Courier New" panose="02070309020205020404" pitchFamily="49" charset="0"/>
-              <a:cs typeface="Courier New" panose="02070309020205020404" pitchFamily="49" charset="0"/>
-            </a:endParaRPr>
           </a:p>
         </p:txBody>
       </p:sp>
       <p:pic>
         <p:nvPicPr>
-          <p:cNvPr id="7" name="Picture 6"/>
+          <p:cNvPr id="4" name="Picture 3"/>
           <p:cNvPicPr>
             <a:picLocks noChangeAspect="1"/>
           </p:cNvPicPr>
           <p:nvPr/>
         </p:nvPicPr>
         <p:blipFill>
-          <a:blip r:embed="rId2"/>
+          <a:blip r:embed="rId2">
+            <a:clrChange>
+              <a:clrFrom>
+                <a:srgbClr val="FFFFFF"/>
+              </a:clrFrom>
+              <a:clrTo>
+                <a:srgbClr val="FFFFFF">
+                  <a:alpha val="0"/>
+                </a:srgbClr>
+              </a:clrTo>
+            </a:clrChange>
+          </a:blip>
           <a:stretch>
             <a:fillRect/>
           </a:stretch>
         </p:blipFill>
         <p:spPr>
           <a:xfrm>
-            <a:off x="1103382" y="2111767"/>
-            <a:ext cx="3743325" cy="523875"/>
-          </a:xfrm>
-          <a:prstGeom prst="rect">
-            <a:avLst/>
-          </a:prstGeom>
-          <a:ln>
-            <a:solidFill>
-              <a:srgbClr val="00B0F0"/>
-            </a:solidFill>
-          </a:ln>
-        </p:spPr>
-      </p:pic>
-      <p:pic>
-        <p:nvPicPr>
-          <p:cNvPr id="8" name="Picture 7"/>
-          <p:cNvPicPr>
-            <a:picLocks noChangeAspect="1"/>
-          </p:cNvPicPr>
-          <p:nvPr/>
-        </p:nvPicPr>
-        <p:blipFill>
-          <a:blip r:embed="rId3"/>
-          <a:stretch>
-            <a:fillRect/>
-          </a:stretch>
-        </p:blipFill>
-        <p:spPr>
-          <a:xfrm>
-            <a:off x="1093857" y="3470465"/>
-            <a:ext cx="3678168" cy="581025"/>
-          </a:xfrm>
-          <a:prstGeom prst="rect">
-            <a:avLst/>
-          </a:prstGeom>
-          <a:ln>
-            <a:solidFill>
-              <a:srgbClr val="00B0F0"/>
-            </a:solidFill>
-          </a:ln>
-        </p:spPr>
-      </p:pic>
-      <p:pic>
-        <p:nvPicPr>
-          <p:cNvPr id="9" name="Picture 8"/>
-          <p:cNvPicPr>
-            <a:picLocks noChangeAspect="1"/>
-          </p:cNvPicPr>
-          <p:nvPr/>
-        </p:nvPicPr>
-        <p:blipFill>
-          <a:blip r:embed="rId4"/>
-          <a:stretch>
-            <a:fillRect/>
-          </a:stretch>
-        </p:blipFill>
-        <p:spPr>
-          <a:xfrm>
-            <a:off x="1093857" y="4745614"/>
-            <a:ext cx="3678168" cy="514350"/>
-          </a:xfrm>
-          <a:prstGeom prst="rect">
-            <a:avLst/>
-          </a:prstGeom>
-          <a:ln>
-            <a:solidFill>
-              <a:srgbClr val="00B0F0"/>
-            </a:solidFill>
-          </a:ln>
-        </p:spPr>
-      </p:pic>
-      <p:pic>
-        <p:nvPicPr>
-          <p:cNvPr id="10" name="Picture 9"/>
-          <p:cNvPicPr>
-            <a:picLocks noChangeAspect="1"/>
-          </p:cNvPicPr>
-          <p:nvPr/>
-        </p:nvPicPr>
-        <p:blipFill>
-          <a:blip r:embed="rId5"/>
-          <a:stretch>
-            <a:fillRect/>
-          </a:stretch>
-        </p:blipFill>
-        <p:spPr>
-          <a:xfrm>
-            <a:off x="1093857" y="6106314"/>
-            <a:ext cx="3678168" cy="552450"/>
-          </a:xfrm>
-          <a:prstGeom prst="rect">
-            <a:avLst/>
-          </a:prstGeom>
-          <a:ln>
-            <a:solidFill>
-              <a:srgbClr val="00B0F0"/>
-            </a:solidFill>
-          </a:ln>
-        </p:spPr>
-      </p:pic>
-      <p:sp>
-        <p:nvSpPr>
-          <p:cNvPr id="11" name="Content Placeholder 2"/>
-          <p:cNvSpPr txBox="1">
-            <a:spLocks/>
-          </p:cNvSpPr>
-          <p:nvPr/>
-        </p:nvSpPr>
-        <p:spPr>
-          <a:xfrm>
-            <a:off x="6180206" y="1331907"/>
-            <a:ext cx="5554593" cy="4981575"/>
+            <a:off x="2882414" y="2628107"/>
+            <a:ext cx="3328146" cy="1109382"/>
           </a:xfrm>
           <a:prstGeom prst="rect">
             <a:avLst/>
           </a:prstGeom>
         </p:spPr>
-        <p:txBody>
-          <a:bodyPr vert="horz" lIns="0" tIns="45720" rIns="0" bIns="45720" rtlCol="0">
-            <a:normAutofit/>
-          </a:bodyPr>
-          <a:lstStyle>
-            <a:lvl1pPr marL="228600" indent="-228600" algn="l" defTabSz="914400" rtl="0" eaLnBrk="1" latinLnBrk="0" hangingPunct="1">
-              <a:lnSpc>
-                <a:spcPct val="90000"/>
-              </a:lnSpc>
-              <a:spcBef>
-                <a:spcPts val="1800"/>
-              </a:spcBef>
-              <a:buFont typeface="Wingdings" panose="05000000000000000000" pitchFamily="2" charset="2"/>
-              <a:buChar char="§"/>
-              <a:defRPr sz="2000" kern="1200">
-                <a:solidFill>
-                  <a:schemeClr val="tx1"/>
-                </a:solidFill>
-                <a:latin typeface="+mn-lt"/>
-                <a:ea typeface="+mn-ea"/>
-                <a:cs typeface="+mn-cs"/>
-              </a:defRPr>
-            </a:lvl1pPr>
-            <a:lvl2pPr marL="685800" indent="-228600" algn="l" defTabSz="914400" rtl="0" eaLnBrk="1" latinLnBrk="0" hangingPunct="1">
-              <a:lnSpc>
-                <a:spcPct val="90000"/>
-              </a:lnSpc>
-              <a:spcBef>
-                <a:spcPts val="600"/>
-              </a:spcBef>
-              <a:buFont typeface="Wingdings" panose="05000000000000000000" pitchFamily="2" charset="2"/>
-              <a:buChar char="§"/>
-              <a:defRPr sz="1600" kern="1200">
-                <a:solidFill>
-                  <a:schemeClr val="tx1"/>
-                </a:solidFill>
-                <a:latin typeface="+mn-lt"/>
-                <a:ea typeface="+mn-ea"/>
-                <a:cs typeface="+mn-cs"/>
-              </a:defRPr>
-            </a:lvl2pPr>
-            <a:lvl3pPr marL="1143000" indent="-228600" algn="l" defTabSz="914400" rtl="0" eaLnBrk="1" latinLnBrk="0" hangingPunct="1">
-              <a:lnSpc>
-                <a:spcPct val="90000"/>
-              </a:lnSpc>
-              <a:spcBef>
-                <a:spcPts val="600"/>
-              </a:spcBef>
-              <a:buFont typeface="Wingdings" panose="05000000000000000000" pitchFamily="2" charset="2"/>
-              <a:buChar char="§"/>
-              <a:defRPr sz="1400" kern="1200">
-                <a:solidFill>
-                  <a:schemeClr val="tx1"/>
-                </a:solidFill>
-                <a:latin typeface="+mn-lt"/>
-                <a:ea typeface="+mn-ea"/>
-                <a:cs typeface="+mn-cs"/>
-              </a:defRPr>
-            </a:lvl3pPr>
-            <a:lvl4pPr marL="1600200" indent="-228600" algn="l" defTabSz="914400" rtl="0" eaLnBrk="1" latinLnBrk="0" hangingPunct="1">
-              <a:lnSpc>
-                <a:spcPct val="90000"/>
-              </a:lnSpc>
-              <a:spcBef>
-                <a:spcPts val="600"/>
-              </a:spcBef>
-              <a:buFont typeface="Wingdings" panose="05000000000000000000" pitchFamily="2" charset="2"/>
-              <a:buChar char="§"/>
-              <a:defRPr sz="1400" kern="1200">
-                <a:solidFill>
-                  <a:schemeClr val="tx1"/>
-                </a:solidFill>
-                <a:latin typeface="+mn-lt"/>
-                <a:ea typeface="+mn-ea"/>
-                <a:cs typeface="+mn-cs"/>
-              </a:defRPr>
-            </a:lvl4pPr>
-            <a:lvl5pPr marL="2057400" indent="-228600" algn="l" defTabSz="914400" rtl="0" eaLnBrk="1" latinLnBrk="0" hangingPunct="1">
-              <a:lnSpc>
-                <a:spcPct val="90000"/>
-              </a:lnSpc>
-              <a:spcBef>
-                <a:spcPts val="600"/>
-              </a:spcBef>
-              <a:buFont typeface="Wingdings" panose="05000000000000000000" pitchFamily="2" charset="2"/>
-              <a:buChar char="§"/>
-              <a:defRPr sz="1400" kern="1200">
-                <a:solidFill>
-                  <a:schemeClr val="tx1"/>
-                </a:solidFill>
-                <a:latin typeface="+mn-lt"/>
-                <a:ea typeface="+mn-ea"/>
-                <a:cs typeface="+mn-cs"/>
-              </a:defRPr>
-            </a:lvl5pPr>
-            <a:lvl6pPr marL="2514600" indent="-228600" algn="l" defTabSz="914400" rtl="0" eaLnBrk="1" latinLnBrk="0" hangingPunct="1">
-              <a:lnSpc>
-                <a:spcPct val="90000"/>
-              </a:lnSpc>
-              <a:spcBef>
-                <a:spcPts val="500"/>
-              </a:spcBef>
-              <a:buFont typeface="Wingdings" panose="05000000000000000000" pitchFamily="2" charset="2"/>
-              <a:buChar char="§"/>
-              <a:defRPr sz="1400" kern="1200">
-                <a:solidFill>
-                  <a:schemeClr val="tx1"/>
-                </a:solidFill>
-                <a:latin typeface="+mn-lt"/>
-                <a:ea typeface="+mn-ea"/>
-                <a:cs typeface="+mn-cs"/>
-              </a:defRPr>
-            </a:lvl6pPr>
-            <a:lvl7pPr marL="2971800" indent="-228600" algn="l" defTabSz="914400" rtl="0" eaLnBrk="1" latinLnBrk="0" hangingPunct="1">
-              <a:lnSpc>
-                <a:spcPct val="90000"/>
-              </a:lnSpc>
-              <a:spcBef>
-                <a:spcPts val="500"/>
-              </a:spcBef>
-              <a:buFont typeface="Wingdings" panose="05000000000000000000" pitchFamily="2" charset="2"/>
-              <a:buChar char="§"/>
-              <a:defRPr sz="1400" kern="1200">
-                <a:solidFill>
-                  <a:schemeClr val="tx1"/>
-                </a:solidFill>
-                <a:latin typeface="+mn-lt"/>
-                <a:ea typeface="+mn-ea"/>
-                <a:cs typeface="+mn-cs"/>
-              </a:defRPr>
-            </a:lvl7pPr>
-            <a:lvl8pPr marL="3429000" indent="-228600" algn="l" defTabSz="914400" rtl="0" eaLnBrk="1" latinLnBrk="0" hangingPunct="1">
-              <a:lnSpc>
-                <a:spcPct val="90000"/>
-              </a:lnSpc>
-              <a:spcBef>
-                <a:spcPts val="500"/>
-              </a:spcBef>
-              <a:buFont typeface="Wingdings" panose="05000000000000000000" pitchFamily="2" charset="2"/>
-              <a:buChar char="§"/>
-              <a:defRPr sz="1400" kern="1200">
-                <a:solidFill>
-                  <a:schemeClr val="tx1"/>
-                </a:solidFill>
-                <a:latin typeface="+mn-lt"/>
-                <a:ea typeface="+mn-ea"/>
-                <a:cs typeface="+mn-cs"/>
-              </a:defRPr>
-            </a:lvl8pPr>
-            <a:lvl9pPr marL="3886200" indent="-228600" algn="l" defTabSz="914400" rtl="0" eaLnBrk="1" latinLnBrk="0" hangingPunct="1">
-              <a:lnSpc>
-                <a:spcPct val="90000"/>
-              </a:lnSpc>
-              <a:spcBef>
-                <a:spcPts val="500"/>
-              </a:spcBef>
-              <a:buFont typeface="Wingdings" panose="05000000000000000000" pitchFamily="2" charset="2"/>
-              <a:buChar char="§"/>
-              <a:defRPr sz="1400" kern="1200">
-                <a:solidFill>
-                  <a:schemeClr val="tx1"/>
-                </a:solidFill>
-                <a:latin typeface="+mn-lt"/>
-                <a:ea typeface="+mn-ea"/>
-                <a:cs typeface="+mn-cs"/>
-              </a:defRPr>
-            </a:lvl9pPr>
-          </a:lstStyle>
-          <a:p>
-            <a:pPr marL="0" indent="0">
-              <a:lnSpc>
-                <a:spcPct val="110000"/>
-              </a:lnSpc>
-              <a:spcBef>
-                <a:spcPts val="0"/>
-              </a:spcBef>
-              <a:buNone/>
-            </a:pPr>
-            <a:r>
-              <a:rPr lang="en-US" dirty="0">
-                <a:cs typeface="Courier New" panose="02070309020205020404" pitchFamily="49" charset="0"/>
-              </a:rPr>
-              <a:t>#</a:t>
-            </a:r>
-            <a:r>
-              <a:rPr lang="en-US" dirty="0" err="1">
-                <a:cs typeface="Courier New" panose="02070309020205020404" pitchFamily="49" charset="0"/>
-              </a:rPr>
-              <a:t>mencari</a:t>
-            </a:r>
-            <a:r>
-              <a:rPr lang="en-US" dirty="0">
-                <a:cs typeface="Courier New" panose="02070309020205020404" pitchFamily="49" charset="0"/>
-              </a:rPr>
-              <a:t> median</a:t>
-            </a:r>
-          </a:p>
-          <a:p>
-            <a:pPr marL="0" indent="0">
-              <a:lnSpc>
-                <a:spcPct val="110000"/>
-              </a:lnSpc>
-              <a:spcBef>
-                <a:spcPts val="0"/>
-              </a:spcBef>
-              <a:buNone/>
-            </a:pPr>
-            <a:r>
-              <a:rPr lang="en-US" dirty="0">
-                <a:latin typeface="Courier New" panose="02070309020205020404" pitchFamily="49" charset="0"/>
-                <a:cs typeface="Courier New" panose="02070309020205020404" pitchFamily="49" charset="0"/>
-              </a:rPr>
-              <a:t>median(</a:t>
-            </a:r>
-            <a:r>
-              <a:rPr lang="en-US" dirty="0" err="1">
-                <a:latin typeface="Courier New" panose="02070309020205020404" pitchFamily="49" charset="0"/>
-                <a:cs typeface="Courier New" panose="02070309020205020404" pitchFamily="49" charset="0"/>
-              </a:rPr>
-              <a:t>data.csv$Pengeluaran</a:t>
-            </a:r>
-            <a:r>
-              <a:rPr lang="en-US" dirty="0">
-                <a:latin typeface="Courier New" panose="02070309020205020404" pitchFamily="49" charset="0"/>
-                <a:cs typeface="Courier New" panose="02070309020205020404" pitchFamily="49" charset="0"/>
-              </a:rPr>
-              <a:t>)</a:t>
-            </a:r>
-            <a:endParaRPr lang="en-US" dirty="0" smtClean="0">
-              <a:latin typeface="Courier New" panose="02070309020205020404" pitchFamily="49" charset="0"/>
-              <a:cs typeface="Courier New" panose="02070309020205020404" pitchFamily="49" charset="0"/>
-            </a:endParaRPr>
-          </a:p>
-          <a:p>
-            <a:pPr marL="0" indent="0">
-              <a:lnSpc>
-                <a:spcPct val="110000"/>
-              </a:lnSpc>
-              <a:spcBef>
-                <a:spcPts val="0"/>
-              </a:spcBef>
-              <a:buFont typeface="Wingdings" panose="05000000000000000000" pitchFamily="2" charset="2"/>
-              <a:buNone/>
-            </a:pPr>
-            <a:endParaRPr lang="en-US" dirty="0" smtClean="0">
-              <a:latin typeface="Courier New" panose="02070309020205020404" pitchFamily="49" charset="0"/>
-              <a:cs typeface="Courier New" panose="02070309020205020404" pitchFamily="49" charset="0"/>
-            </a:endParaRPr>
-          </a:p>
-          <a:p>
-            <a:pPr marL="0" indent="0">
-              <a:lnSpc>
-                <a:spcPct val="110000"/>
-              </a:lnSpc>
-              <a:spcBef>
-                <a:spcPts val="0"/>
-              </a:spcBef>
-              <a:buFont typeface="Wingdings" panose="05000000000000000000" pitchFamily="2" charset="2"/>
-              <a:buNone/>
-            </a:pPr>
-            <a:endParaRPr lang="en-US" dirty="0" smtClean="0">
-              <a:latin typeface="Courier New" panose="02070309020205020404" pitchFamily="49" charset="0"/>
-              <a:cs typeface="Courier New" panose="02070309020205020404" pitchFamily="49" charset="0"/>
-            </a:endParaRPr>
-          </a:p>
-          <a:p>
-            <a:pPr marL="0" indent="0">
-              <a:lnSpc>
-                <a:spcPct val="110000"/>
-              </a:lnSpc>
-              <a:spcBef>
-                <a:spcPts val="0"/>
-              </a:spcBef>
-              <a:buFont typeface="Wingdings" panose="05000000000000000000" pitchFamily="2" charset="2"/>
-              <a:buNone/>
-            </a:pPr>
-            <a:r>
-              <a:rPr lang="en-US" dirty="0" smtClean="0">
-                <a:cs typeface="Courier New" panose="02070309020205020404" pitchFamily="49" charset="0"/>
-              </a:rPr>
-              <a:t>#</a:t>
-            </a:r>
-            <a:r>
-              <a:rPr lang="en-US" dirty="0" err="1" smtClean="0">
-                <a:cs typeface="Courier New" panose="02070309020205020404" pitchFamily="49" charset="0"/>
-              </a:rPr>
-              <a:t>mencari</a:t>
-            </a:r>
-            <a:r>
-              <a:rPr lang="en-US" dirty="0" smtClean="0">
-                <a:cs typeface="Courier New" panose="02070309020205020404" pitchFamily="49" charset="0"/>
-              </a:rPr>
-              <a:t> </a:t>
-            </a:r>
-            <a:r>
-              <a:rPr lang="en-US" dirty="0" err="1" smtClean="0">
-                <a:cs typeface="Courier New" panose="02070309020205020404" pitchFamily="49" charset="0"/>
-              </a:rPr>
-              <a:t>nilai</a:t>
-            </a:r>
-            <a:r>
-              <a:rPr lang="en-US" dirty="0" smtClean="0">
-                <a:cs typeface="Courier New" panose="02070309020205020404" pitchFamily="49" charset="0"/>
-              </a:rPr>
-              <a:t> </a:t>
-            </a:r>
-            <a:r>
-              <a:rPr lang="en-US" dirty="0" err="1" smtClean="0">
-                <a:cs typeface="Courier New" panose="02070309020205020404" pitchFamily="49" charset="0"/>
-              </a:rPr>
-              <a:t>quartil</a:t>
-            </a:r>
-            <a:endParaRPr lang="en-US" dirty="0" smtClean="0">
-              <a:cs typeface="Courier New" panose="02070309020205020404" pitchFamily="49" charset="0"/>
-            </a:endParaRPr>
-          </a:p>
-          <a:p>
-            <a:pPr marL="0" indent="0">
-              <a:lnSpc>
-                <a:spcPct val="110000"/>
-              </a:lnSpc>
-              <a:spcBef>
-                <a:spcPts val="0"/>
-              </a:spcBef>
-              <a:buFont typeface="Wingdings" panose="05000000000000000000" pitchFamily="2" charset="2"/>
-              <a:buNone/>
-            </a:pPr>
-            <a:r>
-              <a:rPr lang="en-US" dirty="0" smtClean="0">
-                <a:latin typeface="Courier New" panose="02070309020205020404" pitchFamily="49" charset="0"/>
-                <a:cs typeface="Courier New" panose="02070309020205020404" pitchFamily="49" charset="0"/>
-              </a:rPr>
-              <a:t>quantile(</a:t>
-            </a:r>
-            <a:r>
-              <a:rPr lang="en-US" dirty="0" err="1" smtClean="0">
-                <a:latin typeface="Courier New" panose="02070309020205020404" pitchFamily="49" charset="0"/>
-                <a:cs typeface="Courier New" panose="02070309020205020404" pitchFamily="49" charset="0"/>
-              </a:rPr>
-              <a:t>data.csv$Pengeluaran</a:t>
-            </a:r>
-            <a:endParaRPr lang="en-US" dirty="0" smtClean="0">
-              <a:latin typeface="Courier New" panose="02070309020205020404" pitchFamily="49" charset="0"/>
-              <a:cs typeface="Courier New" panose="02070309020205020404" pitchFamily="49" charset="0"/>
-            </a:endParaRPr>
-          </a:p>
-          <a:p>
-            <a:pPr marL="0" indent="0">
-              <a:lnSpc>
-                <a:spcPct val="110000"/>
-              </a:lnSpc>
-              <a:spcBef>
-                <a:spcPts val="0"/>
-              </a:spcBef>
-              <a:buFont typeface="Wingdings" panose="05000000000000000000" pitchFamily="2" charset="2"/>
-              <a:buNone/>
-            </a:pPr>
-            <a:endParaRPr lang="en-US" dirty="0" smtClean="0">
-              <a:latin typeface="Courier New" panose="02070309020205020404" pitchFamily="49" charset="0"/>
-              <a:cs typeface="Courier New" panose="02070309020205020404" pitchFamily="49" charset="0"/>
-            </a:endParaRPr>
-          </a:p>
-          <a:p>
-            <a:pPr marL="0" indent="0">
-              <a:lnSpc>
-                <a:spcPct val="110000"/>
-              </a:lnSpc>
-              <a:spcBef>
-                <a:spcPts val="0"/>
-              </a:spcBef>
-              <a:buFont typeface="Wingdings" panose="05000000000000000000" pitchFamily="2" charset="2"/>
-              <a:buNone/>
-            </a:pPr>
-            <a:endParaRPr lang="en-US" dirty="0" smtClean="0">
-              <a:latin typeface="Courier New" panose="02070309020205020404" pitchFamily="49" charset="0"/>
-              <a:cs typeface="Courier New" panose="02070309020205020404" pitchFamily="49" charset="0"/>
-            </a:endParaRPr>
-          </a:p>
-          <a:p>
-            <a:pPr marL="0" indent="0">
-              <a:lnSpc>
-                <a:spcPct val="110000"/>
-              </a:lnSpc>
-              <a:spcBef>
-                <a:spcPts val="0"/>
-              </a:spcBef>
-              <a:buFont typeface="Wingdings" panose="05000000000000000000" pitchFamily="2" charset="2"/>
-              <a:buNone/>
-            </a:pPr>
-            <a:endParaRPr lang="en-US" dirty="0" smtClean="0">
-              <a:latin typeface="Courier New" panose="02070309020205020404" pitchFamily="49" charset="0"/>
-              <a:cs typeface="Courier New" panose="02070309020205020404" pitchFamily="49" charset="0"/>
-            </a:endParaRPr>
-          </a:p>
-          <a:p>
-            <a:pPr marL="0" indent="0">
-              <a:lnSpc>
-                <a:spcPct val="110000"/>
-              </a:lnSpc>
-              <a:spcBef>
-                <a:spcPts val="0"/>
-              </a:spcBef>
-              <a:buFont typeface="Wingdings" panose="05000000000000000000" pitchFamily="2" charset="2"/>
-              <a:buNone/>
-            </a:pPr>
-            <a:r>
-              <a:rPr lang="en-US" dirty="0" smtClean="0">
-                <a:cs typeface="Courier New" panose="02070309020205020404" pitchFamily="49" charset="0"/>
-              </a:rPr>
-              <a:t>#</a:t>
-            </a:r>
-            <a:r>
-              <a:rPr lang="en-US" dirty="0" err="1" smtClean="0">
-                <a:cs typeface="Courier New" panose="02070309020205020404" pitchFamily="49" charset="0"/>
-              </a:rPr>
-              <a:t>ringkasan</a:t>
-            </a:r>
-            <a:r>
-              <a:rPr lang="en-US" dirty="0" smtClean="0">
-                <a:cs typeface="Courier New" panose="02070309020205020404" pitchFamily="49" charset="0"/>
-              </a:rPr>
-              <a:t> data</a:t>
-            </a:r>
-          </a:p>
-          <a:p>
-            <a:pPr marL="0" indent="0">
-              <a:lnSpc>
-                <a:spcPct val="110000"/>
-              </a:lnSpc>
-              <a:spcBef>
-                <a:spcPts val="0"/>
-              </a:spcBef>
-              <a:buFont typeface="Wingdings" panose="05000000000000000000" pitchFamily="2" charset="2"/>
-              <a:buNone/>
-            </a:pPr>
-            <a:r>
-              <a:rPr lang="en-US" dirty="0">
-                <a:latin typeface="Courier New" panose="02070309020205020404" pitchFamily="49" charset="0"/>
-                <a:cs typeface="Courier New" panose="02070309020205020404" pitchFamily="49" charset="0"/>
-              </a:rPr>
-              <a:t>s</a:t>
-            </a:r>
-            <a:r>
-              <a:rPr lang="en-US" dirty="0" smtClean="0">
-                <a:latin typeface="Courier New" panose="02070309020205020404" pitchFamily="49" charset="0"/>
-                <a:cs typeface="Courier New" panose="02070309020205020404" pitchFamily="49" charset="0"/>
-              </a:rPr>
-              <a:t>ummary(</a:t>
-            </a:r>
-            <a:r>
-              <a:rPr lang="en-US" dirty="0" err="1" smtClean="0">
-                <a:latin typeface="Courier New" panose="02070309020205020404" pitchFamily="49" charset="0"/>
-                <a:cs typeface="Courier New" panose="02070309020205020404" pitchFamily="49" charset="0"/>
-              </a:rPr>
-              <a:t>data.csv$Pengeluaran</a:t>
-            </a:r>
-            <a:endParaRPr lang="en-US" dirty="0" smtClean="0">
-              <a:latin typeface="Courier New" panose="02070309020205020404" pitchFamily="49" charset="0"/>
-              <a:cs typeface="Courier New" panose="02070309020205020404" pitchFamily="49" charset="0"/>
-            </a:endParaRPr>
-          </a:p>
-          <a:p>
-            <a:pPr marL="0" indent="0">
-              <a:lnSpc>
-                <a:spcPct val="110000"/>
-              </a:lnSpc>
-              <a:spcBef>
-                <a:spcPts val="0"/>
-              </a:spcBef>
-              <a:buFont typeface="Wingdings" panose="05000000000000000000" pitchFamily="2" charset="2"/>
-              <a:buNone/>
-            </a:pPr>
-            <a:endParaRPr lang="en-US" dirty="0">
-              <a:latin typeface="Courier New" panose="02070309020205020404" pitchFamily="49" charset="0"/>
-              <a:cs typeface="Courier New" panose="02070309020205020404" pitchFamily="49" charset="0"/>
-            </a:endParaRPr>
-          </a:p>
-        </p:txBody>
-      </p:sp>
-      <p:pic>
-        <p:nvPicPr>
-          <p:cNvPr id="12" name="Picture 11"/>
-          <p:cNvPicPr>
-            <a:picLocks noChangeAspect="1"/>
-          </p:cNvPicPr>
+      </p:pic>
+      <p:sp>
+        <p:nvSpPr>
+          <p:cNvPr id="5" name="TextBox 4"/>
+          <p:cNvSpPr txBox="1"/>
           <p:nvPr/>
-        </p:nvPicPr>
-        <p:blipFill>
-          <a:blip r:embed="rId6"/>
-          <a:stretch>
-            <a:fillRect/>
-          </a:stretch>
-        </p:blipFill>
+        </p:nvSpPr>
         <p:spPr>
           <a:xfrm>
-            <a:off x="6180206" y="2121291"/>
-            <a:ext cx="4105275" cy="504825"/>
+            <a:off x="3883860" y="1600200"/>
+            <a:ext cx="2487706" cy="307777"/>
           </a:xfrm>
           <a:prstGeom prst="rect">
             <a:avLst/>
           </a:prstGeom>
-          <a:ln>
-            <a:solidFill>
-              <a:srgbClr val="00B0F0"/>
-            </a:solidFill>
-          </a:ln>
+          <a:noFill/>
         </p:spPr>
-      </p:pic>
-      <p:pic>
-        <p:nvPicPr>
-          <p:cNvPr id="13" name="Picture 12"/>
-          <p:cNvPicPr>
-            <a:picLocks noChangeAspect="1"/>
-          </p:cNvPicPr>
+        <p:txBody>
+          <a:bodyPr wrap="square" rtlCol="0">
+            <a:spAutoFit/>
+          </a:bodyPr>
+          <a:lstStyle/>
+          <a:p>
+            <a:r>
+              <a:rPr lang="en-US" sz="1400" b="1" dirty="0" smtClean="0">
+                <a:solidFill>
+                  <a:schemeClr val="bg1">
+                    <a:lumMod val="50000"/>
+                  </a:schemeClr>
+                </a:solidFill>
+              </a:rPr>
+              <a:t>#</a:t>
+            </a:r>
+            <a:r>
+              <a:rPr lang="id-ID" sz="1400" b="1" dirty="0" smtClean="0">
+                <a:solidFill>
+                  <a:schemeClr val="bg1">
+                    <a:lumMod val="50000"/>
+                  </a:schemeClr>
+                </a:solidFill>
+              </a:rPr>
+              <a:t>untuk </a:t>
+            </a:r>
+            <a:r>
+              <a:rPr lang="id-ID" sz="1400" b="1" dirty="0">
+                <a:solidFill>
+                  <a:schemeClr val="bg1">
+                    <a:lumMod val="50000"/>
+                  </a:schemeClr>
+                </a:solidFill>
+              </a:rPr>
+              <a:t>data </a:t>
+            </a:r>
+            <a:r>
+              <a:rPr lang="id-ID" sz="1400" b="1" dirty="0">
+                <a:solidFill>
+                  <a:schemeClr val="bg1">
+                    <a:lumMod val="50000"/>
+                  </a:schemeClr>
+                </a:solidFill>
+              </a:rPr>
+              <a:t>frame</a:t>
+            </a:r>
+            <a:endParaRPr lang="id-ID" sz="1400" b="1" dirty="0">
+              <a:solidFill>
+                <a:schemeClr val="bg1">
+                  <a:lumMod val="50000"/>
+                </a:schemeClr>
+              </a:solidFill>
+            </a:endParaRPr>
+          </a:p>
+        </p:txBody>
+      </p:sp>
+      <p:sp>
+        <p:nvSpPr>
+          <p:cNvPr id="6" name="TextBox 5"/>
+          <p:cNvSpPr txBox="1"/>
           <p:nvPr/>
-        </p:nvPicPr>
-        <p:blipFill>
-          <a:blip r:embed="rId7"/>
-          <a:stretch>
-            <a:fillRect/>
-          </a:stretch>
-        </p:blipFill>
+        </p:nvSpPr>
         <p:spPr>
           <a:xfrm>
-            <a:off x="6180206" y="3415500"/>
-            <a:ext cx="5181600" cy="704850"/>
+            <a:off x="4650961" y="2114153"/>
+            <a:ext cx="2487706" cy="307777"/>
           </a:xfrm>
           <a:prstGeom prst="rect">
             <a:avLst/>
           </a:prstGeom>
-          <a:ln>
-            <a:solidFill>
-              <a:srgbClr val="00B0F0"/>
-            </a:solidFill>
-          </a:ln>
+          <a:noFill/>
         </p:spPr>
-      </p:pic>
-      <p:pic>
-        <p:nvPicPr>
-          <p:cNvPr id="14" name="Picture 13"/>
-          <p:cNvPicPr>
-            <a:picLocks noChangeAspect="1"/>
-          </p:cNvPicPr>
-          <p:nvPr/>
-        </p:nvPicPr>
-        <p:blipFill>
-          <a:blip r:embed="rId8"/>
-          <a:stretch>
-            <a:fillRect/>
-          </a:stretch>
-        </p:blipFill>
-        <p:spPr>
-          <a:xfrm>
-            <a:off x="6180206" y="5259964"/>
-            <a:ext cx="5829953" cy="706661"/>
-          </a:xfrm>
-          <a:prstGeom prst="rect">
-            <a:avLst/>
-          </a:prstGeom>
-          <a:ln>
-            <a:solidFill>
-              <a:srgbClr val="00B0F0"/>
-            </a:solidFill>
-          </a:ln>
-        </p:spPr>
-      </p:pic>
+        <p:txBody>
+          <a:bodyPr wrap="square" rtlCol="0">
+            <a:spAutoFit/>
+          </a:bodyPr>
+          <a:lstStyle/>
+          <a:p>
+            <a:r>
+              <a:rPr lang="en-US" sz="1400" b="1" dirty="0" smtClean="0">
+                <a:solidFill>
+                  <a:schemeClr val="bg1">
+                    <a:lumMod val="50000"/>
+                  </a:schemeClr>
+                </a:solidFill>
+              </a:rPr>
+              <a:t>#</a:t>
+            </a:r>
+            <a:r>
+              <a:rPr lang="id-ID" sz="1400" b="1" dirty="0" smtClean="0">
+                <a:solidFill>
+                  <a:schemeClr val="bg1">
+                    <a:lumMod val="50000"/>
+                  </a:schemeClr>
+                </a:solidFill>
+              </a:rPr>
+              <a:t>untuk </a:t>
+            </a:r>
+            <a:r>
+              <a:rPr lang="id-ID" sz="1400" b="1" dirty="0">
+                <a:solidFill>
+                  <a:schemeClr val="bg1">
+                    <a:lumMod val="50000"/>
+                  </a:schemeClr>
+                </a:solidFill>
+              </a:rPr>
+              <a:t>vektor</a:t>
+            </a:r>
+            <a:endParaRPr lang="id-ID" sz="1400" b="1" dirty="0">
+              <a:solidFill>
+                <a:schemeClr val="bg1">
+                  <a:lumMod val="50000"/>
+                </a:schemeClr>
+              </a:solidFill>
+            </a:endParaRPr>
+          </a:p>
+        </p:txBody>
+      </p:sp>
     </p:spTree>
     <p:extLst>
       <p:ext uri="{BB962C8B-B14F-4D97-AF65-F5344CB8AC3E}">
-        <p14:creationId xmlns:p14="http://schemas.microsoft.com/office/powerpoint/2010/main" val="834262215"/>
+        <p14:creationId xmlns:p14="http://schemas.microsoft.com/office/powerpoint/2010/main" val="211781353"/>
       </p:ext>
     </p:extLst>
   </p:cSld>
@@ -20154,34 +18326,10 @@
           <a:lstStyle/>
           <a:p>
             <a:r>
-              <a:rPr lang="en-US" dirty="0" err="1" smtClean="0"/>
-              <a:t>Praktek</a:t>
-            </a:r>
-            <a:r>
-              <a:rPr lang="en-US" dirty="0" smtClean="0"/>
-              <a:t> #8 </a:t>
-            </a:r>
-            <a:r>
-              <a:rPr lang="en-US" dirty="0" err="1" smtClean="0"/>
-              <a:t>Deskriptif</a:t>
-            </a:r>
-            <a:r>
-              <a:rPr lang="en-US" dirty="0" smtClean="0"/>
-              <a:t> Data </a:t>
-            </a:r>
-            <a:r>
-              <a:rPr lang="en-US" dirty="0" err="1" smtClean="0"/>
-              <a:t>Tipe</a:t>
-            </a:r>
-            <a:r>
-              <a:rPr lang="en-US" dirty="0" smtClean="0"/>
-              <a:t> </a:t>
-            </a:r>
-            <a:r>
-              <a:rPr lang="en-US" dirty="0" err="1" smtClean="0"/>
-              <a:t>Numerik</a:t>
-            </a:r>
-            <a:endParaRPr lang="en-US" dirty="0"/>
+              <a:rPr lang="id-ID" dirty="0" smtClean="0"/>
+              <a:t>Median</a:t>
+            </a:r>
+            <a:endParaRPr lang="id-ID" dirty="0"/>
           </a:p>
         </p:txBody>
       </p:sp>
@@ -20197,76 +18345,41 @@
         </p:nvSpPr>
         <p:spPr/>
         <p:txBody>
-          <a:bodyPr/>
+          <a:bodyPr>
+            <a:normAutofit/>
+          </a:bodyPr>
           <a:lstStyle/>
           <a:p>
-            <a:pPr marL="0" indent="0">
+            <a:pPr marL="806450" indent="-806450">
               <a:buNone/>
             </a:pPr>
             <a:r>
-              <a:rPr lang="id-ID" dirty="0">
-                <a:latin typeface="Courier New" panose="02070309020205020404" pitchFamily="49" charset="0"/>
-                <a:cs typeface="Courier New" panose="02070309020205020404" pitchFamily="49" charset="0"/>
-              </a:rPr>
-              <a:t>library(psych</a:t>
-            </a:r>
-            <a:r>
-              <a:rPr lang="id-ID" dirty="0" smtClean="0">
-                <a:latin typeface="Courier New" panose="02070309020205020404" pitchFamily="49" charset="0"/>
-                <a:cs typeface="Courier New" panose="02070309020205020404" pitchFamily="49" charset="0"/>
+              <a:rPr lang="id-ID" sz="2400" dirty="0" smtClean="0">
+                <a:solidFill>
+                  <a:srgbClr val="0070C0"/>
+                </a:solidFill>
+                <a:latin typeface="Lucida Console" panose="020B0609040504020204" pitchFamily="49" charset="0"/>
+              </a:rPr>
+              <a:t>median(</a:t>
+            </a:r>
+            <a:r>
+              <a:rPr lang="id-ID" sz="2400" dirty="0" err="1" smtClean="0">
+                <a:solidFill>
+                  <a:srgbClr val="0070C0"/>
+                </a:solidFill>
+                <a:latin typeface="Lucida Console" panose="020B0609040504020204" pitchFamily="49" charset="0"/>
+              </a:rPr>
+              <a:t>datasurvei$Usia</a:t>
+            </a:r>
+            <a:r>
+              <a:rPr lang="id-ID" sz="2400" dirty="0">
+                <a:solidFill>
+                  <a:srgbClr val="0070C0"/>
+                </a:solidFill>
+                <a:latin typeface="Lucida Console" panose="020B0609040504020204" pitchFamily="49" charset="0"/>
               </a:rPr>
               <a:t>)</a:t>
             </a:r>
-            <a:endParaRPr lang="en-US" dirty="0" smtClean="0">
-              <a:latin typeface="Courier New" panose="02070309020205020404" pitchFamily="49" charset="0"/>
-              <a:cs typeface="Courier New" panose="02070309020205020404" pitchFamily="49" charset="0"/>
-            </a:endParaRPr>
-          </a:p>
-          <a:p>
-            <a:pPr marL="0" indent="0">
-              <a:buNone/>
-            </a:pPr>
-            <a:r>
-              <a:rPr lang="id-ID" dirty="0">
-                <a:latin typeface="Courier New" panose="02070309020205020404" pitchFamily="49" charset="0"/>
-                <a:cs typeface="Courier New" panose="02070309020205020404" pitchFamily="49" charset="0"/>
-              </a:rPr>
-              <a:t>skew(datasurvei$Usia)</a:t>
-            </a:r>
-          </a:p>
-          <a:p>
-            <a:pPr marL="0" indent="0">
-              <a:buNone/>
-            </a:pPr>
-            <a:r>
-              <a:rPr lang="id-ID" dirty="0" smtClean="0">
-                <a:latin typeface="Courier New" panose="02070309020205020404" pitchFamily="49" charset="0"/>
-                <a:cs typeface="Courier New" panose="02070309020205020404" pitchFamily="49" charset="0"/>
-              </a:rPr>
-              <a:t>kurtosi(datasurvei$Usia</a:t>
-            </a:r>
-            <a:r>
-              <a:rPr lang="id-ID" dirty="0">
-                <a:latin typeface="Courier New" panose="02070309020205020404" pitchFamily="49" charset="0"/>
-                <a:cs typeface="Courier New" panose="02070309020205020404" pitchFamily="49" charset="0"/>
-              </a:rPr>
-              <a:t>)</a:t>
-            </a:r>
-          </a:p>
-          <a:p>
-            <a:pPr marL="0" indent="0">
-              <a:buNone/>
-            </a:pPr>
-            <a:endParaRPr lang="id-ID" dirty="0" smtClean="0">
-              <a:latin typeface="Courier New" panose="02070309020205020404" pitchFamily="49" charset="0"/>
-              <a:cs typeface="Courier New" panose="02070309020205020404" pitchFamily="49" charset="0"/>
-            </a:endParaRPr>
-          </a:p>
-          <a:p>
-            <a:pPr marL="0" indent="0">
-              <a:buNone/>
-            </a:pPr>
-            <a:endParaRPr lang="en-US" dirty="0"/>
           </a:p>
         </p:txBody>
       </p:sp>
@@ -20279,30 +18392,36 @@
           <p:nvPr/>
         </p:nvPicPr>
         <p:blipFill>
-          <a:blip r:embed="rId3"/>
+          <a:blip r:embed="rId2">
+            <a:clrChange>
+              <a:clrFrom>
+                <a:srgbClr val="FFFFFF"/>
+              </a:clrFrom>
+              <a:clrTo>
+                <a:srgbClr val="FFFFFF">
+                  <a:alpha val="0"/>
+                </a:srgbClr>
+              </a:clrTo>
+            </a:clrChange>
+          </a:blip>
           <a:stretch>
             <a:fillRect/>
           </a:stretch>
         </p:blipFill>
         <p:spPr>
           <a:xfrm>
-            <a:off x="1104900" y="3776662"/>
-            <a:ext cx="4581525" cy="1343025"/>
+            <a:off x="3072092" y="2396098"/>
+            <a:ext cx="3615576" cy="602596"/>
           </a:xfrm>
           <a:prstGeom prst="rect">
             <a:avLst/>
           </a:prstGeom>
-          <a:ln>
-            <a:solidFill>
-              <a:srgbClr val="00B0F0"/>
-            </a:solidFill>
-          </a:ln>
         </p:spPr>
       </p:pic>
     </p:spTree>
     <p:extLst>
       <p:ext uri="{BB962C8B-B14F-4D97-AF65-F5344CB8AC3E}">
-        <p14:creationId xmlns:p14="http://schemas.microsoft.com/office/powerpoint/2010/main" val="4099185374"/>
+        <p14:creationId xmlns:p14="http://schemas.microsoft.com/office/powerpoint/2010/main" val="2403997091"/>
       </p:ext>
     </p:extLst>
   </p:cSld>
@@ -20321,6 +18440,13 @@
       </p:transition>
     </mc:Fallback>
   </mc:AlternateContent>
+  <p:timing>
+    <p:tnLst>
+      <p:par>
+        <p:cTn id="1" dur="indefinite" restart="never" nodeType="tmRoot"/>
+      </p:par>
+    </p:tnLst>
+  </p:timing>
 </p:sld>
 </file>
 
@@ -20357,26 +18483,10 @@
           <a:lstStyle/>
           <a:p>
             <a:r>
-              <a:rPr lang="en-US" dirty="0" err="1" smtClean="0"/>
-              <a:t>Praktek</a:t>
-            </a:r>
-            <a:r>
-              <a:rPr lang="en-US" dirty="0" smtClean="0"/>
-              <a:t> #9 </a:t>
-            </a:r>
-            <a:r>
-              <a:rPr lang="en-US" dirty="0" err="1" smtClean="0"/>
-              <a:t>Deskriptif</a:t>
-            </a:r>
-            <a:r>
-              <a:rPr lang="en-US" dirty="0" smtClean="0"/>
-              <a:t> Data </a:t>
-            </a:r>
-            <a:r>
-              <a:rPr lang="en-US" dirty="0" err="1" smtClean="0"/>
-              <a:t>Campuran</a:t>
-            </a:r>
-            <a:endParaRPr lang="en-US" dirty="0"/>
+              <a:rPr lang="id-ID" dirty="0" smtClean="0"/>
+              <a:t>Skewness dan Kurtosis</a:t>
+            </a:r>
+            <a:endParaRPr lang="id-ID" dirty="0"/>
           </a:p>
         </p:txBody>
       </p:sp>
@@ -20392,81 +18502,244 @@
         </p:nvSpPr>
         <p:spPr/>
         <p:txBody>
-          <a:bodyPr/>
+          <a:bodyPr>
+            <a:normAutofit/>
+          </a:bodyPr>
           <a:lstStyle/>
           <a:p>
-            <a:pPr marL="0" indent="0">
+            <a:pPr marL="901700" indent="-901700">
               <a:buNone/>
             </a:pPr>
             <a:r>
-              <a:rPr lang="en-US" dirty="0" smtClean="0">
-                <a:latin typeface="Courier New" panose="02070309020205020404" pitchFamily="49" charset="0"/>
-                <a:cs typeface="Courier New" panose="02070309020205020404" pitchFamily="49" charset="0"/>
-              </a:rPr>
-              <a:t>library(</a:t>
-            </a:r>
-            <a:r>
-              <a:rPr lang="en-US" dirty="0" err="1" smtClean="0">
-                <a:latin typeface="Courier New" panose="02070309020205020404" pitchFamily="49" charset="0"/>
-                <a:cs typeface="Courier New" panose="02070309020205020404" pitchFamily="49" charset="0"/>
-              </a:rPr>
-              <a:t>Hmisc</a:t>
-            </a:r>
-            <a:r>
-              <a:rPr lang="en-US" dirty="0">
-                <a:latin typeface="Courier New" panose="02070309020205020404" pitchFamily="49" charset="0"/>
-                <a:cs typeface="Courier New" panose="02070309020205020404" pitchFamily="49" charset="0"/>
-              </a:rPr>
-              <a:t>)</a:t>
-            </a:r>
-          </a:p>
-          <a:p>
-            <a:pPr marL="0" indent="0">
+              <a:rPr lang="id-ID" dirty="0" err="1" smtClean="0">
+                <a:solidFill>
+                  <a:srgbClr val="0070C0"/>
+                </a:solidFill>
+                <a:latin typeface="Lucida Console" panose="020B0609040504020204" pitchFamily="49" charset="0"/>
+              </a:rPr>
+              <a:t>install.packages</a:t>
+            </a:r>
+            <a:r>
+              <a:rPr lang="id-ID" dirty="0">
+                <a:solidFill>
+                  <a:srgbClr val="0070C0"/>
+                </a:solidFill>
+                <a:latin typeface="Lucida Console" panose="020B0609040504020204" pitchFamily="49" charset="0"/>
+              </a:rPr>
+              <a:t>("</a:t>
+            </a:r>
+            <a:r>
+              <a:rPr lang="id-ID" dirty="0" err="1">
+                <a:solidFill>
+                  <a:srgbClr val="0070C0"/>
+                </a:solidFill>
+                <a:latin typeface="Lucida Console" panose="020B0609040504020204" pitchFamily="49" charset="0"/>
+              </a:rPr>
+              <a:t>psych</a:t>
+            </a:r>
+            <a:r>
+              <a:rPr lang="id-ID" dirty="0">
+                <a:solidFill>
+                  <a:srgbClr val="0070C0"/>
+                </a:solidFill>
+                <a:latin typeface="Lucida Console" panose="020B0609040504020204" pitchFamily="49" charset="0"/>
+              </a:rPr>
+              <a:t>", </a:t>
+            </a:r>
+            <a:r>
+              <a:rPr lang="id-ID" dirty="0" err="1">
+                <a:solidFill>
+                  <a:srgbClr val="0070C0"/>
+                </a:solidFill>
+                <a:latin typeface="Lucida Console" panose="020B0609040504020204" pitchFamily="49" charset="0"/>
+              </a:rPr>
+              <a:t>dependencies</a:t>
+            </a:r>
+            <a:r>
+              <a:rPr lang="id-ID" dirty="0">
+                <a:solidFill>
+                  <a:srgbClr val="0070C0"/>
+                </a:solidFill>
+                <a:latin typeface="Lucida Console" panose="020B0609040504020204" pitchFamily="49" charset="0"/>
+              </a:rPr>
+              <a:t>=TRUE)</a:t>
+            </a:r>
+          </a:p>
+          <a:p>
+            <a:pPr marL="806450" indent="-806450">
               <a:buNone/>
             </a:pPr>
             <a:r>
-              <a:rPr lang="en-US" dirty="0">
-                <a:latin typeface="Courier New" panose="02070309020205020404" pitchFamily="49" charset="0"/>
-                <a:cs typeface="Courier New" panose="02070309020205020404" pitchFamily="49" charset="0"/>
-              </a:rPr>
-              <a:t>describe(data.csv)</a:t>
+              <a:rPr lang="id-ID" dirty="0" err="1" smtClean="0">
+                <a:solidFill>
+                  <a:srgbClr val="0070C0"/>
+                </a:solidFill>
+                <a:latin typeface="Lucida Console" panose="020B0609040504020204" pitchFamily="49" charset="0"/>
+              </a:rPr>
+              <a:t>library</a:t>
+            </a:r>
+            <a:r>
+              <a:rPr lang="id-ID" dirty="0" smtClean="0">
+                <a:solidFill>
+                  <a:srgbClr val="0070C0"/>
+                </a:solidFill>
+                <a:latin typeface="Lucida Console" panose="020B0609040504020204" pitchFamily="49" charset="0"/>
+              </a:rPr>
+              <a:t>(</a:t>
+            </a:r>
+            <a:r>
+              <a:rPr lang="id-ID" dirty="0" err="1" smtClean="0">
+                <a:solidFill>
+                  <a:srgbClr val="0070C0"/>
+                </a:solidFill>
+                <a:latin typeface="Lucida Console" panose="020B0609040504020204" pitchFamily="49" charset="0"/>
+              </a:rPr>
+              <a:t>psych</a:t>
+            </a:r>
+            <a:r>
+              <a:rPr lang="id-ID" dirty="0">
+                <a:solidFill>
+                  <a:srgbClr val="0070C0"/>
+                </a:solidFill>
+                <a:latin typeface="Lucida Console" panose="020B0609040504020204" pitchFamily="49" charset="0"/>
+              </a:rPr>
+              <a:t>)</a:t>
+            </a:r>
+          </a:p>
+          <a:p>
+            <a:pPr marL="806450" indent="-806450">
+              <a:buNone/>
+            </a:pPr>
+            <a:endParaRPr lang="en-US" dirty="0" smtClean="0">
+              <a:solidFill>
+                <a:srgbClr val="0070C0"/>
+              </a:solidFill>
+              <a:latin typeface="Lucida Console" panose="020B0609040504020204" pitchFamily="49" charset="0"/>
+            </a:endParaRPr>
+          </a:p>
+          <a:p>
+            <a:pPr marL="806450" indent="-806450">
+              <a:buNone/>
+            </a:pPr>
+            <a:r>
+              <a:rPr lang="id-ID" dirty="0" err="1" smtClean="0">
+                <a:solidFill>
+                  <a:srgbClr val="0070C0"/>
+                </a:solidFill>
+                <a:latin typeface="Lucida Console" panose="020B0609040504020204" pitchFamily="49" charset="0"/>
+              </a:rPr>
+              <a:t>skew</a:t>
+            </a:r>
+            <a:r>
+              <a:rPr lang="id-ID" dirty="0" smtClean="0">
+                <a:solidFill>
+                  <a:srgbClr val="0070C0"/>
+                </a:solidFill>
+                <a:latin typeface="Lucida Console" panose="020B0609040504020204" pitchFamily="49" charset="0"/>
+              </a:rPr>
+              <a:t>(</a:t>
+            </a:r>
+            <a:r>
+              <a:rPr lang="id-ID" dirty="0" err="1" smtClean="0">
+                <a:solidFill>
+                  <a:srgbClr val="0070C0"/>
+                </a:solidFill>
+                <a:latin typeface="Lucida Console" panose="020B0609040504020204" pitchFamily="49" charset="0"/>
+              </a:rPr>
+              <a:t>datasurvei$Usia</a:t>
+            </a:r>
+            <a:r>
+              <a:rPr lang="id-ID" dirty="0">
+                <a:solidFill>
+                  <a:srgbClr val="0070C0"/>
+                </a:solidFill>
+                <a:latin typeface="Lucida Console" panose="020B0609040504020204" pitchFamily="49" charset="0"/>
+              </a:rPr>
+              <a:t>)</a:t>
+            </a:r>
+          </a:p>
+          <a:p>
+            <a:pPr marL="806450" indent="-806450">
+              <a:buNone/>
+            </a:pPr>
+            <a:r>
+              <a:rPr lang="id-ID" dirty="0" err="1" smtClean="0">
+                <a:solidFill>
+                  <a:srgbClr val="0070C0"/>
+                </a:solidFill>
+                <a:latin typeface="Lucida Console" panose="020B0609040504020204" pitchFamily="49" charset="0"/>
+              </a:rPr>
+              <a:t>kurtosi</a:t>
+            </a:r>
+            <a:r>
+              <a:rPr lang="id-ID" dirty="0" smtClean="0">
+                <a:solidFill>
+                  <a:srgbClr val="0070C0"/>
+                </a:solidFill>
+                <a:latin typeface="Lucida Console" panose="020B0609040504020204" pitchFamily="49" charset="0"/>
+              </a:rPr>
+              <a:t>(</a:t>
+            </a:r>
+            <a:r>
+              <a:rPr lang="id-ID" dirty="0" err="1" smtClean="0">
+                <a:solidFill>
+                  <a:srgbClr val="0070C0"/>
+                </a:solidFill>
+                <a:latin typeface="Lucida Console" panose="020B0609040504020204" pitchFamily="49" charset="0"/>
+              </a:rPr>
+              <a:t>datasurvei$Usia</a:t>
+            </a:r>
+            <a:r>
+              <a:rPr lang="id-ID" dirty="0">
+                <a:solidFill>
+                  <a:srgbClr val="0070C0"/>
+                </a:solidFill>
+                <a:latin typeface="Lucida Console" panose="020B0609040504020204" pitchFamily="49" charset="0"/>
+              </a:rPr>
+              <a:t>)</a:t>
             </a:r>
           </a:p>
         </p:txBody>
       </p:sp>
       <p:pic>
         <p:nvPicPr>
-          <p:cNvPr id="5" name="Picture 4"/>
+          <p:cNvPr id="4" name="Picture 3"/>
           <p:cNvPicPr>
             <a:picLocks noChangeAspect="1"/>
           </p:cNvPicPr>
           <p:nvPr/>
         </p:nvPicPr>
         <p:blipFill>
-          <a:blip r:embed="rId2"/>
+          <a:blip r:embed="rId2">
+            <a:clrChange>
+              <a:clrFrom>
+                <a:srgbClr val="FFFFFF"/>
+              </a:clrFrom>
+              <a:clrTo>
+                <a:srgbClr val="FFFFFF">
+                  <a:alpha val="0"/>
+                </a:srgbClr>
+              </a:clrTo>
+            </a:clrChange>
+          </a:blip>
           <a:stretch>
             <a:fillRect/>
           </a:stretch>
         </p:blipFill>
         <p:spPr>
           <a:xfrm>
-            <a:off x="4057649" y="1316809"/>
-            <a:ext cx="7705725" cy="5445941"/>
+            <a:off x="3741510" y="4662244"/>
+            <a:ext cx="3855779" cy="1167933"/>
           </a:xfrm>
           <a:prstGeom prst="rect">
             <a:avLst/>
           </a:prstGeom>
-          <a:ln>
-            <a:solidFill>
-              <a:srgbClr val="00B0F0"/>
-            </a:solidFill>
-          </a:ln>
         </p:spPr>
       </p:pic>
     </p:spTree>
     <p:extLst>
       <p:ext uri="{BB962C8B-B14F-4D97-AF65-F5344CB8AC3E}">
-        <p14:creationId xmlns:p14="http://schemas.microsoft.com/office/powerpoint/2010/main" val="473191306"/>
+        <p14:creationId xmlns:p14="http://schemas.microsoft.com/office/powerpoint/2010/main" val="1449335602"/>
       </p:ext>
     </p:extLst>
   </p:cSld>
@@ -20528,26 +18801,9 @@
           <a:lstStyle/>
           <a:p>
             <a:r>
-              <a:rPr lang="en-US" dirty="0" err="1" smtClean="0"/>
-              <a:t>Praktek</a:t>
-            </a:r>
-            <a:r>
-              <a:rPr lang="en-US" dirty="0" smtClean="0"/>
-              <a:t> #10 </a:t>
-            </a:r>
-            <a:r>
-              <a:rPr lang="en-US" dirty="0" err="1" smtClean="0"/>
-              <a:t>Deskriptif</a:t>
-            </a:r>
-            <a:r>
-              <a:rPr lang="en-US" dirty="0" smtClean="0"/>
-              <a:t> Data </a:t>
-            </a:r>
-            <a:r>
-              <a:rPr lang="en-US" dirty="0" err="1" smtClean="0"/>
-              <a:t>Kategorik</a:t>
-            </a:r>
-            <a:endParaRPr lang="en-US" dirty="0"/>
+              <a:rPr lang="id-ID" dirty="0"/>
+              <a:t>Statistik 5 serangkai</a:t>
+            </a:r>
           </a:p>
         </p:txBody>
       </p:sp>
@@ -20561,58 +18817,134 @@
             <p:ph idx="1"/>
           </p:nvPr>
         </p:nvSpPr>
-        <p:spPr>
-          <a:xfrm>
-            <a:off x="1104900" y="1600200"/>
-            <a:ext cx="4924425" cy="4572000"/>
-          </a:xfrm>
-        </p:spPr>
+        <p:spPr/>
         <p:txBody>
-          <a:bodyPr/>
+          <a:bodyPr>
+            <a:normAutofit/>
+          </a:bodyPr>
           <a:lstStyle/>
           <a:p>
-            <a:pPr marL="0" indent="0">
+            <a:pPr marL="806450" indent="-806450">
               <a:buNone/>
             </a:pPr>
             <a:r>
-              <a:rPr lang="en-US" dirty="0" smtClean="0">
-                <a:latin typeface="Courier New" panose="02070309020205020404" pitchFamily="49" charset="0"/>
-                <a:cs typeface="Courier New" panose="02070309020205020404" pitchFamily="49" charset="0"/>
-              </a:rPr>
-              <a:t>table(</a:t>
-            </a:r>
-            <a:r>
-              <a:rPr lang="en-US" dirty="0" err="1" smtClean="0">
-                <a:latin typeface="Courier New" panose="02070309020205020404" pitchFamily="49" charset="0"/>
-                <a:cs typeface="Courier New" panose="02070309020205020404" pitchFamily="49" charset="0"/>
-              </a:rPr>
-              <a:t>data.csv$Departemen</a:t>
-            </a:r>
-            <a:r>
-              <a:rPr lang="en-US" dirty="0" smtClean="0">
-                <a:latin typeface="Courier New" panose="02070309020205020404" pitchFamily="49" charset="0"/>
-                <a:cs typeface="Courier New" panose="02070309020205020404" pitchFamily="49" charset="0"/>
+              <a:rPr lang="id-ID" dirty="0" err="1" smtClean="0">
+                <a:solidFill>
+                  <a:srgbClr val="0070C0"/>
+                </a:solidFill>
+                <a:latin typeface="Lucida Console" panose="020B0609040504020204" pitchFamily="49" charset="0"/>
+              </a:rPr>
+              <a:t>quantile</a:t>
+            </a:r>
+            <a:r>
+              <a:rPr lang="id-ID" dirty="0" smtClean="0">
+                <a:solidFill>
+                  <a:srgbClr val="0070C0"/>
+                </a:solidFill>
+                <a:latin typeface="Lucida Console" panose="020B0609040504020204" pitchFamily="49" charset="0"/>
+              </a:rPr>
+              <a:t>(</a:t>
+            </a:r>
+            <a:r>
+              <a:rPr lang="id-ID" dirty="0" err="1" smtClean="0">
+                <a:solidFill>
+                  <a:srgbClr val="0070C0"/>
+                </a:solidFill>
+                <a:latin typeface="Lucida Console" panose="020B0609040504020204" pitchFamily="49" charset="0"/>
+              </a:rPr>
+              <a:t>datasurvei$Usia</a:t>
+            </a:r>
+            <a:r>
+              <a:rPr lang="id-ID" dirty="0">
+                <a:solidFill>
+                  <a:srgbClr val="0070C0"/>
+                </a:solidFill>
+                <a:latin typeface="Lucida Console" panose="020B0609040504020204" pitchFamily="49" charset="0"/>
               </a:rPr>
               <a:t>)</a:t>
             </a:r>
           </a:p>
           <a:p>
-            <a:pPr marL="0" indent="0">
+            <a:pPr marL="806450" indent="-806450">
               <a:buNone/>
             </a:pPr>
-            <a:endParaRPr lang="en-US" dirty="0">
-              <a:latin typeface="Courier New" panose="02070309020205020404" pitchFamily="49" charset="0"/>
-              <a:cs typeface="Courier New" panose="02070309020205020404" pitchFamily="49" charset="0"/>
-            </a:endParaRPr>
-          </a:p>
-          <a:p>
-            <a:pPr marL="0" indent="0">
+            <a:r>
+              <a:rPr lang="id-ID" dirty="0" err="1" smtClean="0">
+                <a:solidFill>
+                  <a:srgbClr val="0070C0"/>
+                </a:solidFill>
+                <a:latin typeface="Lucida Console" panose="020B0609040504020204" pitchFamily="49" charset="0"/>
+              </a:rPr>
+              <a:t>summary</a:t>
+            </a:r>
+            <a:r>
+              <a:rPr lang="id-ID" dirty="0" smtClean="0">
+                <a:solidFill>
+                  <a:srgbClr val="0070C0"/>
+                </a:solidFill>
+                <a:latin typeface="Lucida Console" panose="020B0609040504020204" pitchFamily="49" charset="0"/>
+              </a:rPr>
+              <a:t>(</a:t>
+            </a:r>
+            <a:r>
+              <a:rPr lang="id-ID" dirty="0" err="1" smtClean="0">
+                <a:solidFill>
+                  <a:srgbClr val="0070C0"/>
+                </a:solidFill>
+                <a:latin typeface="Lucida Console" panose="020B0609040504020204" pitchFamily="49" charset="0"/>
+              </a:rPr>
+              <a:t>datasurvei$Usia</a:t>
+            </a:r>
+            <a:r>
+              <a:rPr lang="id-ID" dirty="0">
+                <a:solidFill>
+                  <a:srgbClr val="0070C0"/>
+                </a:solidFill>
+                <a:latin typeface="Lucida Console" panose="020B0609040504020204" pitchFamily="49" charset="0"/>
+              </a:rPr>
+              <a:t>)</a:t>
+            </a:r>
+          </a:p>
+          <a:p>
+            <a:pPr marL="806450" indent="-806450">
               <a:buNone/>
             </a:pPr>
-            <a:endParaRPr lang="en-US" dirty="0">
-              <a:latin typeface="Courier New" panose="02070309020205020404" pitchFamily="49" charset="0"/>
-              <a:cs typeface="Courier New" panose="02070309020205020404" pitchFamily="49" charset="0"/>
-            </a:endParaRPr>
+            <a:r>
+              <a:rPr lang="id-ID" dirty="0" err="1" smtClean="0">
+                <a:solidFill>
+                  <a:srgbClr val="0070C0"/>
+                </a:solidFill>
+                <a:latin typeface="Lucida Console" panose="020B0609040504020204" pitchFamily="49" charset="0"/>
+              </a:rPr>
+              <a:t>describe</a:t>
+            </a:r>
+            <a:r>
+              <a:rPr lang="id-ID" dirty="0" smtClean="0">
+                <a:solidFill>
+                  <a:srgbClr val="0070C0"/>
+                </a:solidFill>
+                <a:latin typeface="Lucida Console" panose="020B0609040504020204" pitchFamily="49" charset="0"/>
+              </a:rPr>
+              <a:t>(</a:t>
+            </a:r>
+            <a:r>
+              <a:rPr lang="id-ID" dirty="0" err="1" smtClean="0">
+                <a:solidFill>
+                  <a:srgbClr val="0070C0"/>
+                </a:solidFill>
+                <a:latin typeface="Lucida Console" panose="020B0609040504020204" pitchFamily="49" charset="0"/>
+              </a:rPr>
+              <a:t>datasurvei$Usia</a:t>
+            </a:r>
+            <a:r>
+              <a:rPr lang="id-ID" dirty="0">
+                <a:solidFill>
+                  <a:srgbClr val="0070C0"/>
+                </a:solidFill>
+                <a:latin typeface="Lucida Console" panose="020B0609040504020204" pitchFamily="49" charset="0"/>
+              </a:rPr>
+              <a:t>)</a:t>
+            </a:r>
           </a:p>
         </p:txBody>
       </p:sp>
@@ -20625,30 +18957,36 @@
           <p:nvPr/>
         </p:nvPicPr>
         <p:blipFill>
-          <a:blip r:embed="rId2"/>
+          <a:blip r:embed="rId2">
+            <a:clrChange>
+              <a:clrFrom>
+                <a:srgbClr val="FFFFFF"/>
+              </a:clrFrom>
+              <a:clrTo>
+                <a:srgbClr val="FFFFFF">
+                  <a:alpha val="0"/>
+                </a:srgbClr>
+              </a:clrTo>
+            </a:clrChange>
+          </a:blip>
           <a:stretch>
             <a:fillRect/>
           </a:stretch>
         </p:blipFill>
         <p:spPr>
           <a:xfrm>
-            <a:off x="1528763" y="2312432"/>
-            <a:ext cx="8820150" cy="2514600"/>
+            <a:off x="3097306" y="3055283"/>
+            <a:ext cx="7305115" cy="1767710"/>
           </a:xfrm>
           <a:prstGeom prst="rect">
             <a:avLst/>
           </a:prstGeom>
-          <a:ln>
-            <a:solidFill>
-              <a:srgbClr val="00B0F0"/>
-            </a:solidFill>
-          </a:ln>
         </p:spPr>
       </p:pic>
     </p:spTree>
     <p:extLst>
       <p:ext uri="{BB962C8B-B14F-4D97-AF65-F5344CB8AC3E}">
-        <p14:creationId xmlns:p14="http://schemas.microsoft.com/office/powerpoint/2010/main" val="4103707000"/>
+        <p14:creationId xmlns:p14="http://schemas.microsoft.com/office/powerpoint/2010/main" val="1907922058"/>
       </p:ext>
     </p:extLst>
   </p:cSld>
@@ -20696,7 +19034,7 @@
       </p:grpSpPr>
       <p:sp>
         <p:nvSpPr>
-          <p:cNvPr id="2" name="Title 1"/>
+          <p:cNvPr id="4" name="Title 3"/>
           <p:cNvSpPr>
             <a:spLocks noGrp="1"/>
           </p:cNvSpPr>
@@ -20704,213 +19042,90 @@
             <p:ph type="title"/>
           </p:nvPr>
         </p:nvSpPr>
-        <p:spPr/>
-        <p:txBody>
-          <a:bodyPr/>
-          <a:lstStyle/>
-          <a:p>
-            <a:r>
-              <a:rPr lang="en-US" dirty="0" err="1" smtClean="0"/>
-              <a:t>Praktek</a:t>
-            </a:r>
-            <a:r>
-              <a:rPr lang="en-US" dirty="0" smtClean="0"/>
-              <a:t> #10 </a:t>
-            </a:r>
-            <a:r>
-              <a:rPr lang="en-US" dirty="0" err="1" smtClean="0"/>
-              <a:t>Deskriptif</a:t>
-            </a:r>
-            <a:r>
-              <a:rPr lang="en-US" dirty="0" smtClean="0"/>
-              <a:t> Data </a:t>
-            </a:r>
-            <a:r>
-              <a:rPr lang="en-US" dirty="0" err="1" smtClean="0"/>
-              <a:t>Kategorik</a:t>
-            </a:r>
-            <a:endParaRPr lang="en-US" dirty="0"/>
-          </a:p>
-        </p:txBody>
-      </p:sp>
-      <p:sp>
-        <p:nvSpPr>
-          <p:cNvPr id="3" name="Content Placeholder 2"/>
-          <p:cNvSpPr>
-            <a:spLocks noGrp="1"/>
-          </p:cNvSpPr>
-          <p:nvPr>
-            <p:ph idx="1"/>
-          </p:nvPr>
-        </p:nvSpPr>
         <p:spPr>
           <a:xfrm>
-            <a:off x="1104900" y="1600200"/>
-            <a:ext cx="5562600" cy="4572000"/>
+            <a:off x="3158302" y="3238539"/>
+            <a:ext cx="6591985" cy="1468800"/>
           </a:xfrm>
         </p:spPr>
         <p:txBody>
-          <a:bodyPr/>
-          <a:lstStyle/>
-          <a:p>
-            <a:pPr marL="0" indent="0">
-              <a:buNone/>
-            </a:pPr>
-            <a:r>
-              <a:rPr lang="en-US" dirty="0" err="1" smtClean="0">
-                <a:latin typeface="Courier New" panose="02070309020205020404" pitchFamily="49" charset="0"/>
-                <a:cs typeface="Courier New" panose="02070309020205020404" pitchFamily="49" charset="0"/>
-              </a:rPr>
-              <a:t>barchart</a:t>
-            </a:r>
-            <a:r>
-              <a:rPr lang="en-US" dirty="0" smtClean="0">
-                <a:latin typeface="Courier New" panose="02070309020205020404" pitchFamily="49" charset="0"/>
-                <a:cs typeface="Courier New" panose="02070309020205020404" pitchFamily="49" charset="0"/>
-              </a:rPr>
-              <a:t>(</a:t>
-            </a:r>
-            <a:r>
-              <a:rPr lang="en-US" dirty="0" err="1" smtClean="0">
-                <a:latin typeface="Courier New" panose="02070309020205020404" pitchFamily="49" charset="0"/>
-                <a:cs typeface="Courier New" panose="02070309020205020404" pitchFamily="49" charset="0"/>
-              </a:rPr>
-              <a:t>data.csv$Pekerjaan_Ortu</a:t>
-            </a:r>
-            <a:r>
-              <a:rPr lang="en-US" dirty="0" smtClean="0">
-                <a:latin typeface="Courier New" panose="02070309020205020404" pitchFamily="49" charset="0"/>
-                <a:cs typeface="Courier New" panose="02070309020205020404" pitchFamily="49" charset="0"/>
-              </a:rPr>
-              <a:t>)</a:t>
-            </a:r>
-            <a:endParaRPr lang="en-US" dirty="0">
-              <a:latin typeface="Courier New" panose="02070309020205020404" pitchFamily="49" charset="0"/>
-              <a:cs typeface="Courier New" panose="02070309020205020404" pitchFamily="49" charset="0"/>
-            </a:endParaRPr>
-          </a:p>
-          <a:p>
-            <a:pPr marL="0" indent="0">
-              <a:buNone/>
-            </a:pPr>
-            <a:endParaRPr lang="en-US" dirty="0">
-              <a:latin typeface="Courier New" panose="02070309020205020404" pitchFamily="49" charset="0"/>
-              <a:cs typeface="Courier New" panose="02070309020205020404" pitchFamily="49" charset="0"/>
-            </a:endParaRPr>
-          </a:p>
-        </p:txBody>
-      </p:sp>
-      <p:sp>
-        <p:nvSpPr>
-          <p:cNvPr id="7" name="Rectangle 6"/>
-          <p:cNvSpPr/>
-          <p:nvPr/>
-        </p:nvSpPr>
-        <p:spPr>
-          <a:xfrm>
-            <a:off x="6905625" y="1600200"/>
-            <a:ext cx="5181600" cy="369332"/>
-          </a:xfrm>
-          <a:prstGeom prst="rect">
-            <a:avLst/>
-          </a:prstGeom>
-        </p:spPr>
-        <p:txBody>
-          <a:bodyPr wrap="square">
-            <a:spAutoFit/>
+          <a:bodyPr>
+            <a:noAutofit/>
           </a:bodyPr>
           <a:lstStyle/>
           <a:p>
-            <a:r>
-              <a:rPr lang="en-US" dirty="0" smtClean="0">
-                <a:latin typeface="Courier New" panose="02070309020205020404" pitchFamily="49" charset="0"/>
-                <a:cs typeface="Courier New" panose="02070309020205020404" pitchFamily="49" charset="0"/>
-              </a:rPr>
-              <a:t>pie(table(</a:t>
-            </a:r>
-            <a:r>
-              <a:rPr lang="en-US" dirty="0" err="1" smtClean="0">
-                <a:latin typeface="Courier New" panose="02070309020205020404" pitchFamily="49" charset="0"/>
-                <a:cs typeface="Courier New" panose="02070309020205020404" pitchFamily="49" charset="0"/>
-              </a:rPr>
-              <a:t>data.csv$Beasiswa</a:t>
-            </a:r>
-            <a:r>
-              <a:rPr lang="en-US" dirty="0" smtClean="0">
-                <a:latin typeface="Courier New" panose="02070309020205020404" pitchFamily="49" charset="0"/>
-                <a:cs typeface="Courier New" panose="02070309020205020404" pitchFamily="49" charset="0"/>
-              </a:rPr>
-              <a:t>))</a:t>
-            </a:r>
-            <a:endParaRPr lang="en-US" dirty="0">
-              <a:latin typeface="Courier New" panose="02070309020205020404" pitchFamily="49" charset="0"/>
-              <a:cs typeface="Courier New" panose="02070309020205020404" pitchFamily="49" charset="0"/>
-            </a:endParaRPr>
+            <a:pPr algn="ctr"/>
+            <a:r>
+              <a:rPr lang="id-ID" sz="3200" dirty="0"/>
+              <a:t>Menampilkan Tabel Frekuensi dan Tabulasi Silang Variabel Kategorik</a:t>
+            </a:r>
           </a:p>
         </p:txBody>
       </p:sp>
       <p:pic>
         <p:nvPicPr>
-          <p:cNvPr id="5" name="Picture 4"/>
+          <p:cNvPr id="6" name="Picture 5"/>
           <p:cNvPicPr>
             <a:picLocks noChangeAspect="1"/>
           </p:cNvPicPr>
           <p:nvPr/>
         </p:nvPicPr>
         <p:blipFill>
-          <a:blip r:embed="rId2"/>
+          <a:blip r:embed="rId2" cstate="print">
+            <a:extLst>
+              <a:ext uri="{28A0092B-C50C-407E-A947-70E740481C1C}">
+                <a14:useLocalDpi xmlns:a14="http://schemas.microsoft.com/office/drawing/2010/main" val="0"/>
+              </a:ext>
+            </a:extLst>
+          </a:blip>
           <a:stretch>
             <a:fillRect/>
           </a:stretch>
         </p:blipFill>
         <p:spPr>
           <a:xfrm>
-            <a:off x="1104900" y="2155746"/>
-            <a:ext cx="5240676" cy="4016454"/>
+            <a:off x="9644244" y="6318150"/>
+            <a:ext cx="418537" cy="418537"/>
           </a:xfrm>
           <a:prstGeom prst="rect">
             <a:avLst/>
           </a:prstGeom>
-          <a:ln>
-            <a:solidFill>
-              <a:srgbClr val="00B0F0"/>
-            </a:solidFill>
-          </a:ln>
         </p:spPr>
       </p:pic>
       <p:pic>
         <p:nvPicPr>
-          <p:cNvPr id="9" name="Picture 8"/>
+          <p:cNvPr id="7" name="Picture 6"/>
           <p:cNvPicPr>
             <a:picLocks noChangeAspect="1"/>
           </p:cNvPicPr>
           <p:nvPr/>
         </p:nvPicPr>
         <p:blipFill>
-          <a:blip r:embed="rId3"/>
+          <a:blip r:embed="rId3" cstate="print">
+            <a:extLst>
+              <a:ext uri="{28A0092B-C50C-407E-A947-70E740481C1C}">
+                <a14:useLocalDpi xmlns:a14="http://schemas.microsoft.com/office/drawing/2010/main" val="0"/>
+              </a:ext>
+            </a:extLst>
+          </a:blip>
           <a:stretch>
             <a:fillRect/>
           </a:stretch>
         </p:blipFill>
         <p:spPr>
           <a:xfrm>
-            <a:off x="7137603" y="2155746"/>
-            <a:ext cx="4359071" cy="4156811"/>
+            <a:off x="10062780" y="6340692"/>
+            <a:ext cx="481958" cy="373451"/>
           </a:xfrm>
           <a:prstGeom prst="rect">
             <a:avLst/>
           </a:prstGeom>
-          <a:ln>
-            <a:solidFill>
-              <a:srgbClr val="00B0F0"/>
-            </a:solidFill>
-          </a:ln>
         </p:spPr>
       </p:pic>
     </p:spTree>
     <p:extLst>
       <p:ext uri="{BB962C8B-B14F-4D97-AF65-F5344CB8AC3E}">
-        <p14:creationId xmlns:p14="http://schemas.microsoft.com/office/powerpoint/2010/main" val="262964721"/>
+        <p14:creationId xmlns:p14="http://schemas.microsoft.com/office/powerpoint/2010/main" val="1137747560"/>
       </p:ext>
     </p:extLst>
   </p:cSld>
@@ -20963,7 +19178,7 @@
             <a:spLocks noGrp="1"/>
           </p:cNvSpPr>
           <p:nvPr>
-            <p:ph type="ctrTitle"/>
+            <p:ph type="title"/>
           </p:nvPr>
         </p:nvSpPr>
         <p:spPr/>
@@ -20972,40 +19187,121 @@
           <a:lstStyle/>
           <a:p>
             <a:r>
-              <a:rPr lang="en-US" cap="none" dirty="0" err="1" smtClean="0"/>
-              <a:t>Eksplorasi</a:t>
-            </a:r>
-            <a:r>
-              <a:rPr lang="en-US" cap="none" dirty="0" smtClean="0"/>
-              <a:t> Data</a:t>
-            </a:r>
-            <a:endParaRPr lang="en-US" cap="none" dirty="0"/>
+              <a:rPr lang="id-ID" dirty="0"/>
+              <a:t>Tabel frekuensi</a:t>
+            </a:r>
           </a:p>
         </p:txBody>
       </p:sp>
       <p:sp>
         <p:nvSpPr>
-          <p:cNvPr id="3" name="Subtitle 2"/>
+          <p:cNvPr id="3" name="Content Placeholder 2"/>
           <p:cNvSpPr>
             <a:spLocks noGrp="1"/>
           </p:cNvSpPr>
           <p:nvPr>
-            <p:ph type="subTitle" idx="1"/>
+            <p:ph idx="1"/>
           </p:nvPr>
         </p:nvSpPr>
         <p:spPr/>
         <p:txBody>
-          <a:bodyPr/>
+          <a:bodyPr>
+            <a:normAutofit/>
+          </a:bodyPr>
           <a:lstStyle/>
           <a:p>
-            <a:endParaRPr lang="en-US"/>
+            <a:pPr marL="806450" indent="-806450">
+              <a:buNone/>
+            </a:pPr>
+            <a:r>
+              <a:rPr lang="id-ID" dirty="0" smtClean="0">
+                <a:solidFill>
+                  <a:srgbClr val="0070C0"/>
+                </a:solidFill>
+                <a:latin typeface="Lucida Console" panose="020B0609040504020204" pitchFamily="49" charset="0"/>
+              </a:rPr>
+              <a:t>tabel1 </a:t>
+            </a:r>
+            <a:r>
+              <a:rPr lang="id-ID" dirty="0">
+                <a:solidFill>
+                  <a:srgbClr val="0070C0"/>
+                </a:solidFill>
+                <a:latin typeface="Lucida Console" panose="020B0609040504020204" pitchFamily="49" charset="0"/>
+              </a:rPr>
+              <a:t>&lt;- </a:t>
+            </a:r>
+            <a:r>
+              <a:rPr lang="id-ID" dirty="0">
+                <a:solidFill>
+                  <a:srgbClr val="0070C0"/>
+                </a:solidFill>
+                <a:latin typeface="Lucida Console" panose="020B0609040504020204" pitchFamily="49" charset="0"/>
+              </a:rPr>
+              <a:t>table(datasurvei$Beasiswa)</a:t>
+            </a:r>
+          </a:p>
+          <a:p>
+            <a:pPr marL="806450" indent="-806450">
+              <a:buNone/>
+            </a:pPr>
+            <a:r>
+              <a:rPr lang="id-ID" dirty="0" smtClean="0">
+                <a:solidFill>
+                  <a:srgbClr val="0070C0"/>
+                </a:solidFill>
+                <a:latin typeface="Lucida Console" panose="020B0609040504020204" pitchFamily="49" charset="0"/>
+              </a:rPr>
+              <a:t>tabel1</a:t>
+            </a:r>
+            <a:endParaRPr lang="id-ID" dirty="0">
+              <a:solidFill>
+                <a:srgbClr val="0070C0"/>
+              </a:solidFill>
+              <a:latin typeface="Lucida Console" panose="020B0609040504020204" pitchFamily="49" charset="0"/>
+            </a:endParaRPr>
           </a:p>
         </p:txBody>
       </p:sp>
+      <p:pic>
+        <p:nvPicPr>
+          <p:cNvPr id="4" name="Picture 3"/>
+          <p:cNvPicPr>
+            <a:picLocks noChangeAspect="1"/>
+          </p:cNvPicPr>
+          <p:nvPr/>
+        </p:nvPicPr>
+        <p:blipFill>
+          <a:blip r:embed="rId2">
+            <a:clrChange>
+              <a:clrFrom>
+                <a:srgbClr val="FFFFFF"/>
+              </a:clrFrom>
+              <a:clrTo>
+                <a:srgbClr val="FFFFFF">
+                  <a:alpha val="0"/>
+                </a:srgbClr>
+              </a:clrTo>
+            </a:clrChange>
+          </a:blip>
+          <a:stretch>
+            <a:fillRect/>
+          </a:stretch>
+        </p:blipFill>
+        <p:spPr>
+          <a:xfrm>
+            <a:off x="3564592" y="2651593"/>
+            <a:ext cx="5267227" cy="1301843"/>
+          </a:xfrm>
+          <a:prstGeom prst="rect">
+            <a:avLst/>
+          </a:prstGeom>
+        </p:spPr>
+      </p:pic>
     </p:spTree>
     <p:extLst>
       <p:ext uri="{BB962C8B-B14F-4D97-AF65-F5344CB8AC3E}">
-        <p14:creationId xmlns:p14="http://schemas.microsoft.com/office/powerpoint/2010/main" val="3728770793"/>
+        <p14:creationId xmlns:p14="http://schemas.microsoft.com/office/powerpoint/2010/main" val="2044956409"/>
       </p:ext>
     </p:extLst>
   </p:cSld>
@@ -21067,22 +19363,9 @@
           <a:lstStyle/>
           <a:p>
             <a:r>
-              <a:rPr lang="en-US" dirty="0" err="1" smtClean="0"/>
-              <a:t>Praktek</a:t>
-            </a:r>
-            <a:r>
-              <a:rPr lang="en-US" dirty="0" smtClean="0"/>
-              <a:t> #12 </a:t>
-            </a:r>
-            <a:r>
-              <a:rPr lang="en-US" dirty="0" err="1" smtClean="0"/>
-              <a:t>Membuat</a:t>
-            </a:r>
-            <a:r>
-              <a:rPr lang="en-US" dirty="0" smtClean="0"/>
-              <a:t> Histogram </a:t>
-            </a:r>
-            <a:endParaRPr lang="en-US" dirty="0"/>
+              <a:rPr lang="id-ID" dirty="0"/>
+              <a:t>Proporsi tabel frekuensi</a:t>
+            </a:r>
           </a:p>
         </p:txBody>
       </p:sp>
@@ -21096,39 +19379,43 @@
             <p:ph idx="1"/>
           </p:nvPr>
         </p:nvSpPr>
-        <p:spPr>
-          <a:xfrm>
-            <a:off x="1143000" y="1447800"/>
-            <a:ext cx="10410825" cy="4572000"/>
-          </a:xfrm>
-        </p:spPr>
+        <p:spPr/>
         <p:txBody>
-          <a:bodyPr/>
+          <a:bodyPr>
+            <a:normAutofit/>
+          </a:bodyPr>
           <a:lstStyle/>
           <a:p>
-            <a:pPr marL="0" indent="0">
+            <a:pPr marL="806450" indent="-806450">
               <a:buNone/>
             </a:pPr>
             <a:r>
-              <a:rPr lang="da-DK" dirty="0">
-                <a:latin typeface="Courier New" panose="02070309020205020404" pitchFamily="49" charset="0"/>
-                <a:cs typeface="Courier New" panose="02070309020205020404" pitchFamily="49" charset="0"/>
-              </a:rPr>
-              <a:t>hist(data.csv$Pengeluaran, main="Histogram Pengeluaran Mahasiswa",</a:t>
-            </a:r>
-          </a:p>
-          <a:p>
-            <a:pPr marL="0" indent="0">
-              <a:buNone/>
-            </a:pPr>
-            <a:r>
-              <a:rPr lang="da-DK" dirty="0">
-                <a:latin typeface="Courier New" panose="02070309020205020404" pitchFamily="49" charset="0"/>
-                <a:cs typeface="Courier New" panose="02070309020205020404" pitchFamily="49" charset="0"/>
-              </a:rPr>
-              <a:t>     col="lightblue",xlab="Pengeluaran")</a:t>
-            </a:r>
-            <a:endParaRPr lang="en-US" dirty="0"/>
+              <a:rPr lang="id-ID" sz="2400" dirty="0" err="1" smtClean="0">
+                <a:solidFill>
+                  <a:srgbClr val="0070C0"/>
+                </a:solidFill>
+                <a:latin typeface="Lucida Console" panose="020B0609040504020204" pitchFamily="49" charset="0"/>
+              </a:rPr>
+              <a:t>prop.table</a:t>
+            </a:r>
+            <a:r>
+              <a:rPr lang="id-ID" sz="2400" dirty="0" smtClean="0">
+                <a:solidFill>
+                  <a:srgbClr val="0070C0"/>
+                </a:solidFill>
+                <a:latin typeface="Lucida Console" panose="020B0609040504020204" pitchFamily="49" charset="0"/>
+              </a:rPr>
+              <a:t>(tabel1</a:t>
+            </a:r>
+            <a:r>
+              <a:rPr lang="id-ID" sz="2400" dirty="0">
+                <a:solidFill>
+                  <a:srgbClr val="0070C0"/>
+                </a:solidFill>
+                <a:latin typeface="Lucida Console" panose="020B0609040504020204" pitchFamily="49" charset="0"/>
+              </a:rPr>
+              <a:t>)</a:t>
+            </a:r>
           </a:p>
         </p:txBody>
       </p:sp>
@@ -21141,30 +19428,36 @@
           <p:nvPr/>
         </p:nvPicPr>
         <p:blipFill>
-          <a:blip r:embed="rId2"/>
+          <a:blip r:embed="rId2">
+            <a:clrChange>
+              <a:clrFrom>
+                <a:srgbClr val="FFFFFF"/>
+              </a:clrFrom>
+              <a:clrTo>
+                <a:srgbClr val="FFFFFF">
+                  <a:alpha val="0"/>
+                </a:srgbClr>
+              </a:clrTo>
+            </a:clrChange>
+          </a:blip>
           <a:stretch>
             <a:fillRect/>
           </a:stretch>
         </p:blipFill>
         <p:spPr>
           <a:xfrm>
-            <a:off x="3667125" y="2461791"/>
-            <a:ext cx="4438650" cy="4232697"/>
+            <a:off x="3317782" y="2408191"/>
+            <a:ext cx="3732963" cy="1329299"/>
           </a:xfrm>
           <a:prstGeom prst="rect">
             <a:avLst/>
           </a:prstGeom>
-          <a:ln>
-            <a:solidFill>
-              <a:srgbClr val="00B0F0"/>
-            </a:solidFill>
-          </a:ln>
         </p:spPr>
       </p:pic>
     </p:spTree>
     <p:extLst>
       <p:ext uri="{BB962C8B-B14F-4D97-AF65-F5344CB8AC3E}">
-        <p14:creationId xmlns:p14="http://schemas.microsoft.com/office/powerpoint/2010/main" val="4085880389"/>
+        <p14:creationId xmlns:p14="http://schemas.microsoft.com/office/powerpoint/2010/main" val="3416686993"/>
       </p:ext>
     </p:extLst>
   </p:cSld>
@@ -22029,22 +20322,9 @@
           <a:lstStyle/>
           <a:p>
             <a:r>
-              <a:rPr lang="en-US" dirty="0" err="1" smtClean="0"/>
-              <a:t>Praktek</a:t>
-            </a:r>
-            <a:r>
-              <a:rPr lang="en-US" dirty="0" smtClean="0"/>
-              <a:t> #12 </a:t>
-            </a:r>
-            <a:r>
-              <a:rPr lang="en-US" dirty="0" err="1" smtClean="0"/>
-              <a:t>Membuat</a:t>
-            </a:r>
-            <a:r>
-              <a:rPr lang="en-US" dirty="0" smtClean="0"/>
-              <a:t> Histogram </a:t>
-            </a:r>
-            <a:endParaRPr lang="en-US" dirty="0"/>
+              <a:rPr lang="id-ID" dirty="0"/>
+              <a:t>Tabulasi silang</a:t>
+            </a:r>
           </a:p>
         </p:txBody>
       </p:sp>
@@ -22058,205 +20338,123 @@
             <p:ph idx="1"/>
           </p:nvPr>
         </p:nvSpPr>
-        <p:spPr>
-          <a:xfrm>
-            <a:off x="1104900" y="1409700"/>
-            <a:ext cx="10801350" cy="4572000"/>
-          </a:xfrm>
-        </p:spPr>
+        <p:spPr/>
         <p:txBody>
-          <a:bodyPr/>
+          <a:bodyPr>
+            <a:normAutofit/>
+          </a:bodyPr>
           <a:lstStyle/>
           <a:p>
-            <a:pPr marL="0" indent="0">
+            <a:pPr marL="806450" indent="-806450">
               <a:buNone/>
             </a:pPr>
             <a:r>
-              <a:rPr lang="da-DK" dirty="0">
-                <a:latin typeface="Courier New" panose="02070309020205020404" pitchFamily="49" charset="0"/>
-                <a:cs typeface="Courier New" panose="02070309020205020404" pitchFamily="49" charset="0"/>
-              </a:rPr>
-              <a:t>hist(data.csv$Pengeluaran, main="Histogram Pengeluaran Mahasiswa",</a:t>
-            </a:r>
-          </a:p>
-          <a:p>
-            <a:pPr marL="0" indent="0">
+              <a:rPr lang="id-ID" dirty="0" smtClean="0">
+                <a:solidFill>
+                  <a:srgbClr val="0070C0"/>
+                </a:solidFill>
+                <a:latin typeface="Lucida Console" panose="020B0609040504020204" pitchFamily="49" charset="0"/>
+              </a:rPr>
+              <a:t>tabel2 </a:t>
+            </a:r>
+            <a:r>
+              <a:rPr lang="id-ID" dirty="0">
+                <a:solidFill>
+                  <a:srgbClr val="0070C0"/>
+                </a:solidFill>
+                <a:latin typeface="Lucida Console" panose="020B0609040504020204" pitchFamily="49" charset="0"/>
+              </a:rPr>
+              <a:t>&lt;- </a:t>
+            </a:r>
+            <a:r>
+              <a:rPr lang="id-ID" dirty="0">
+                <a:solidFill>
+                  <a:srgbClr val="0070C0"/>
+                </a:solidFill>
+                <a:latin typeface="Lucida Console" panose="020B0609040504020204" pitchFamily="49" charset="0"/>
+              </a:rPr>
+              <a:t>table(datasurvei$Beasiswa, </a:t>
+            </a:r>
+            <a:r>
+              <a:rPr lang="id-ID" dirty="0">
+                <a:solidFill>
+                  <a:srgbClr val="0070C0"/>
+                </a:solidFill>
+                <a:latin typeface="Lucida Console" panose="020B0609040504020204" pitchFamily="49" charset="0"/>
+              </a:rPr>
+              <a:t>datasurvei$JK,            dnn=c</a:t>
+            </a:r>
+            <a:r>
+              <a:rPr lang="id-ID" dirty="0">
+                <a:solidFill>
+                  <a:srgbClr val="0070C0"/>
+                </a:solidFill>
+                <a:latin typeface="Lucida Console" panose="020B0609040504020204" pitchFamily="49" charset="0"/>
+              </a:rPr>
+              <a:t>("Beasiswa","Jenis Kelamin"))</a:t>
+            </a:r>
+          </a:p>
+          <a:p>
+            <a:pPr marL="806450" indent="-806450">
               <a:buNone/>
             </a:pPr>
             <a:r>
-              <a:rPr lang="da-DK" dirty="0">
-                <a:latin typeface="Courier New" panose="02070309020205020404" pitchFamily="49" charset="0"/>
-                <a:cs typeface="Courier New" panose="02070309020205020404" pitchFamily="49" charset="0"/>
-              </a:rPr>
-              <a:t>     col="lightblue",xlab="</a:t>
-            </a:r>
-            <a:r>
-              <a:rPr lang="da-DK" dirty="0" smtClean="0">
-                <a:latin typeface="Courier New" panose="02070309020205020404" pitchFamily="49" charset="0"/>
-                <a:cs typeface="Courier New" panose="02070309020205020404" pitchFamily="49" charset="0"/>
-              </a:rPr>
-              <a:t>Pengeluaran”,freq=FALSE)</a:t>
-            </a:r>
-            <a:endParaRPr lang="en-US" dirty="0">
-              <a:latin typeface="Courier New" panose="02070309020205020404" pitchFamily="49" charset="0"/>
-              <a:cs typeface="Courier New" panose="02070309020205020404" pitchFamily="49" charset="0"/>
+              <a:rPr lang="id-ID" dirty="0" smtClean="0">
+                <a:solidFill>
+                  <a:srgbClr val="0070C0"/>
+                </a:solidFill>
+                <a:latin typeface="Lucida Console" panose="020B0609040504020204" pitchFamily="49" charset="0"/>
+              </a:rPr>
+              <a:t>tabel2</a:t>
+            </a:r>
+            <a:endParaRPr lang="id-ID" dirty="0">
+              <a:solidFill>
+                <a:srgbClr val="0070C0"/>
+              </a:solidFill>
+              <a:latin typeface="Lucida Console" panose="020B0609040504020204" pitchFamily="49" charset="0"/>
             </a:endParaRPr>
-          </a:p>
-          <a:p>
-            <a:endParaRPr lang="en-US" dirty="0"/>
           </a:p>
         </p:txBody>
       </p:sp>
       <p:pic>
         <p:nvPicPr>
-          <p:cNvPr id="4" name="Picture 3"/>
+          <p:cNvPr id="5" name="Picture 4"/>
           <p:cNvPicPr>
             <a:picLocks noChangeAspect="1"/>
           </p:cNvPicPr>
           <p:nvPr/>
         </p:nvPicPr>
         <p:blipFill>
-          <a:blip r:embed="rId2"/>
+          <a:blip r:embed="rId2">
+            <a:clrChange>
+              <a:clrFrom>
+                <a:srgbClr val="FFFFFF"/>
+              </a:clrFrom>
+              <a:clrTo>
+                <a:srgbClr val="FFFFFF">
+                  <a:alpha val="0"/>
+                </a:srgbClr>
+              </a:clrTo>
+            </a:clrChange>
+          </a:blip>
           <a:stretch>
             <a:fillRect/>
           </a:stretch>
         </p:blipFill>
         <p:spPr>
           <a:xfrm>
-            <a:off x="3292372" y="2308127"/>
-            <a:ext cx="4689577" cy="4471981"/>
+            <a:off x="3419195" y="3142129"/>
+            <a:ext cx="6055167" cy="1604682"/>
           </a:xfrm>
           <a:prstGeom prst="rect">
             <a:avLst/>
           </a:prstGeom>
-          <a:ln>
-            <a:solidFill>
-              <a:srgbClr val="00B0F0"/>
-            </a:solidFill>
-          </a:ln>
         </p:spPr>
       </p:pic>
-      <p:sp>
-        <p:nvSpPr>
-          <p:cNvPr id="7" name="TextBox 6"/>
-          <p:cNvSpPr txBox="1"/>
-          <p:nvPr/>
-        </p:nvSpPr>
-        <p:spPr>
-          <a:xfrm>
-            <a:off x="8957659" y="2538614"/>
-            <a:ext cx="2775897" cy="523220"/>
-          </a:xfrm>
-          <a:prstGeom prst="rect">
-            <a:avLst/>
-          </a:prstGeom>
-          <a:noFill/>
-          <a:ln>
-            <a:solidFill>
-              <a:srgbClr val="FFC000"/>
-            </a:solidFill>
-          </a:ln>
-        </p:spPr>
-        <p:txBody>
-          <a:bodyPr wrap="square" rtlCol="0">
-            <a:spAutoFit/>
-          </a:bodyPr>
-          <a:lstStyle/>
-          <a:p>
-            <a:r>
-              <a:rPr lang="id-ID" sz="1400" b="1" dirty="0" smtClean="0">
-                <a:solidFill>
-                  <a:srgbClr val="FFC000"/>
-                </a:solidFill>
-                <a:latin typeface="Century Gothic" panose="020B0502020202020204"/>
-              </a:rPr>
-              <a:t>TRUE: menampilkan frekuensi</a:t>
-            </a:r>
-          </a:p>
-          <a:p>
-            <a:r>
-              <a:rPr lang="id-ID" sz="1400" b="1" dirty="0" smtClean="0">
-                <a:solidFill>
-                  <a:srgbClr val="FFC000"/>
-                </a:solidFill>
-                <a:latin typeface="Century Gothic" panose="020B0502020202020204"/>
-              </a:rPr>
-              <a:t>FALSE: menampilkan density</a:t>
-            </a:r>
-            <a:endParaRPr lang="id-ID" sz="1400" b="1" dirty="0">
-              <a:solidFill>
-                <a:srgbClr val="FFC000"/>
-              </a:solidFill>
-              <a:latin typeface="Century Gothic" panose="020B0502020202020204"/>
-            </a:endParaRPr>
-          </a:p>
-        </p:txBody>
-      </p:sp>
-      <p:sp>
-        <p:nvSpPr>
-          <p:cNvPr id="8" name="Oval 7"/>
-          <p:cNvSpPr/>
-          <p:nvPr/>
-        </p:nvSpPr>
-        <p:spPr>
-          <a:xfrm>
-            <a:off x="7093645" y="1879751"/>
-            <a:ext cx="1864014" cy="450422"/>
-          </a:xfrm>
-          <a:prstGeom prst="ellipse">
-            <a:avLst/>
-          </a:prstGeom>
-          <a:noFill/>
-          <a:ln w="38100" cap="rnd" cmpd="sng" algn="ctr">
-            <a:solidFill>
-              <a:srgbClr val="FFC000"/>
-            </a:solidFill>
-            <a:prstDash val="solid"/>
-          </a:ln>
-          <a:effectLst/>
-        </p:spPr>
-        <p:txBody>
-          <a:bodyPr rtlCol="0" anchor="ctr"/>
-          <a:lstStyle/>
-          <a:p>
-            <a:pPr marL="0" marR="0" lvl="0" indent="0" algn="ctr" defTabSz="914400" eaLnBrk="1" fontAlgn="auto" latinLnBrk="0" hangingPunct="1">
-              <a:lnSpc>
-                <a:spcPct val="100000"/>
-              </a:lnSpc>
-              <a:spcBef>
-                <a:spcPts val="0"/>
-              </a:spcBef>
-              <a:spcAft>
-                <a:spcPts val="0"/>
-              </a:spcAft>
-              <a:buClrTx/>
-              <a:buSzTx/>
-              <a:buFontTx/>
-              <a:buNone/>
-              <a:tabLst/>
-              <a:defRPr/>
-            </a:pPr>
-            <a:endParaRPr kumimoji="0" lang="id-ID" sz="1800" b="0" i="0" u="none" strike="noStrike" kern="0" cap="none" spc="0" normalizeH="0" baseline="0" noProof="0" smtClean="0">
-              <a:ln>
-                <a:noFill/>
-              </a:ln>
-              <a:solidFill>
-                <a:prstClr val="white"/>
-              </a:solidFill>
-              <a:effectLst/>
-              <a:uLnTx/>
-              <a:uFillTx/>
-              <a:latin typeface="Century Gothic" panose="020B0502020202020204"/>
-              <a:ea typeface="+mn-ea"/>
-              <a:cs typeface="+mn-cs"/>
-            </a:endParaRPr>
-          </a:p>
-        </p:txBody>
-      </p:sp>
     </p:spTree>
     <p:extLst>
       <p:ext uri="{BB962C8B-B14F-4D97-AF65-F5344CB8AC3E}">
-        <p14:creationId xmlns:p14="http://schemas.microsoft.com/office/powerpoint/2010/main" val="1319906526"/>
+        <p14:creationId xmlns:p14="http://schemas.microsoft.com/office/powerpoint/2010/main" val="2993969671"/>
       </p:ext>
     </p:extLst>
   </p:cSld>
@@ -22318,327 +20516,9 @@
           <a:lstStyle/>
           <a:p>
             <a:r>
-              <a:rPr lang="en-US" dirty="0" err="1"/>
-              <a:t>Praktek</a:t>
-            </a:r>
-            <a:r>
-              <a:rPr lang="en-US" dirty="0"/>
-              <a:t> #</a:t>
-            </a:r>
-            <a:r>
-              <a:rPr lang="en-US" dirty="0" smtClean="0"/>
-              <a:t>12 </a:t>
-            </a:r>
-            <a:r>
-              <a:rPr lang="en-US" dirty="0" err="1"/>
-              <a:t>Membuat</a:t>
-            </a:r>
-            <a:r>
-              <a:rPr lang="en-US" dirty="0"/>
-              <a:t> </a:t>
-            </a:r>
-            <a:r>
-              <a:rPr lang="en-US" dirty="0" smtClean="0"/>
-              <a:t>Histogram</a:t>
-            </a:r>
-            <a:endParaRPr lang="en-US" dirty="0"/>
-          </a:p>
-        </p:txBody>
-      </p:sp>
-      <p:sp>
-        <p:nvSpPr>
-          <p:cNvPr id="3" name="Content Placeholder 2"/>
-          <p:cNvSpPr>
-            <a:spLocks noGrp="1"/>
-          </p:cNvSpPr>
-          <p:nvPr>
-            <p:ph idx="1"/>
-          </p:nvPr>
-        </p:nvSpPr>
-        <p:spPr>
-          <a:xfrm>
-            <a:off x="1104900" y="1600200"/>
-            <a:ext cx="5791200" cy="4572000"/>
-          </a:xfrm>
-        </p:spPr>
-        <p:txBody>
-          <a:bodyPr/>
-          <a:lstStyle/>
-          <a:p>
-            <a:pPr marL="0" indent="0">
-              <a:buNone/>
-            </a:pPr>
-            <a:r>
-              <a:rPr lang="en-US" dirty="0">
-                <a:latin typeface="Courier New" panose="02070309020205020404" pitchFamily="49" charset="0"/>
-                <a:cs typeface="Courier New" panose="02070309020205020404" pitchFamily="49" charset="0"/>
-              </a:rPr>
-              <a:t>par(</a:t>
-            </a:r>
-            <a:r>
-              <a:rPr lang="en-US" dirty="0" err="1">
-                <a:latin typeface="Courier New" panose="02070309020205020404" pitchFamily="49" charset="0"/>
-                <a:cs typeface="Courier New" panose="02070309020205020404" pitchFamily="49" charset="0"/>
-              </a:rPr>
-              <a:t>mfrow</a:t>
-            </a:r>
-            <a:r>
-              <a:rPr lang="en-US" dirty="0">
-                <a:latin typeface="Courier New" panose="02070309020205020404" pitchFamily="49" charset="0"/>
-                <a:cs typeface="Courier New" panose="02070309020205020404" pitchFamily="49" charset="0"/>
-              </a:rPr>
-              <a:t> = c(1, 2))</a:t>
-            </a:r>
-          </a:p>
-          <a:p>
-            <a:pPr marL="0" indent="0">
-              <a:buNone/>
-            </a:pPr>
-            <a:r>
-              <a:rPr lang="en-US" dirty="0" err="1">
-                <a:latin typeface="Courier New" panose="02070309020205020404" pitchFamily="49" charset="0"/>
-                <a:cs typeface="Courier New" panose="02070309020205020404" pitchFamily="49" charset="0"/>
-              </a:rPr>
-              <a:t>hist</a:t>
-            </a:r>
-            <a:r>
-              <a:rPr lang="en-US" dirty="0">
-                <a:latin typeface="Courier New" panose="02070309020205020404" pitchFamily="49" charset="0"/>
-                <a:cs typeface="Courier New" panose="02070309020205020404" pitchFamily="49" charset="0"/>
-              </a:rPr>
-              <a:t>(</a:t>
-            </a:r>
-            <a:r>
-              <a:rPr lang="en-US" dirty="0" err="1">
-                <a:latin typeface="Courier New" panose="02070309020205020404" pitchFamily="49" charset="0"/>
-                <a:cs typeface="Courier New" panose="02070309020205020404" pitchFamily="49" charset="0"/>
-              </a:rPr>
-              <a:t>data.csv$Pengeluaran</a:t>
-            </a:r>
-            <a:r>
-              <a:rPr lang="en-US" dirty="0">
-                <a:latin typeface="Courier New" panose="02070309020205020404" pitchFamily="49" charset="0"/>
-                <a:cs typeface="Courier New" panose="02070309020205020404" pitchFamily="49" charset="0"/>
-              </a:rPr>
-              <a:t>, main="Histogram </a:t>
-            </a:r>
-            <a:r>
-              <a:rPr lang="en-US" dirty="0" err="1">
-                <a:latin typeface="Courier New" panose="02070309020205020404" pitchFamily="49" charset="0"/>
-                <a:cs typeface="Courier New" panose="02070309020205020404" pitchFamily="49" charset="0"/>
-              </a:rPr>
-              <a:t>Nilai</a:t>
-            </a:r>
-            <a:r>
-              <a:rPr lang="en-US" dirty="0">
-                <a:latin typeface="Courier New" panose="02070309020205020404" pitchFamily="49" charset="0"/>
-                <a:cs typeface="Courier New" panose="02070309020205020404" pitchFamily="49" charset="0"/>
-              </a:rPr>
-              <a:t> </a:t>
-            </a:r>
-            <a:r>
-              <a:rPr lang="en-US" dirty="0" err="1">
-                <a:latin typeface="Courier New" panose="02070309020205020404" pitchFamily="49" charset="0"/>
-                <a:cs typeface="Courier New" panose="02070309020205020404" pitchFamily="49" charset="0"/>
-              </a:rPr>
-              <a:t>Mahasiswa</a:t>
-            </a:r>
-            <a:r>
-              <a:rPr lang="en-US" dirty="0">
-                <a:latin typeface="Courier New" panose="02070309020205020404" pitchFamily="49" charset="0"/>
-                <a:cs typeface="Courier New" panose="02070309020205020404" pitchFamily="49" charset="0"/>
-              </a:rPr>
-              <a:t>",col="pink", breaks=15) </a:t>
-            </a:r>
-          </a:p>
-          <a:p>
-            <a:pPr marL="0" indent="0">
-              <a:buNone/>
-            </a:pPr>
-            <a:r>
-              <a:rPr lang="en-US" dirty="0" err="1">
-                <a:latin typeface="Courier New" panose="02070309020205020404" pitchFamily="49" charset="0"/>
-                <a:cs typeface="Courier New" panose="02070309020205020404" pitchFamily="49" charset="0"/>
-              </a:rPr>
-              <a:t>hist</a:t>
-            </a:r>
-            <a:r>
-              <a:rPr lang="en-US" dirty="0">
-                <a:latin typeface="Courier New" panose="02070309020205020404" pitchFamily="49" charset="0"/>
-                <a:cs typeface="Courier New" panose="02070309020205020404" pitchFamily="49" charset="0"/>
-              </a:rPr>
-              <a:t>(</a:t>
-            </a:r>
-            <a:r>
-              <a:rPr lang="en-US" dirty="0" err="1">
-                <a:latin typeface="Courier New" panose="02070309020205020404" pitchFamily="49" charset="0"/>
-                <a:cs typeface="Courier New" panose="02070309020205020404" pitchFamily="49" charset="0"/>
-              </a:rPr>
-              <a:t>data.csv$Kiriman,main</a:t>
-            </a:r>
-            <a:r>
-              <a:rPr lang="en-US" dirty="0">
-                <a:latin typeface="Courier New" panose="02070309020205020404" pitchFamily="49" charset="0"/>
-                <a:cs typeface="Courier New" panose="02070309020205020404" pitchFamily="49" charset="0"/>
-              </a:rPr>
-              <a:t>="Histogram </a:t>
-            </a:r>
-            <a:r>
-              <a:rPr lang="en-US" dirty="0" err="1">
-                <a:latin typeface="Courier New" panose="02070309020205020404" pitchFamily="49" charset="0"/>
-                <a:cs typeface="Courier New" panose="02070309020205020404" pitchFamily="49" charset="0"/>
-              </a:rPr>
-              <a:t>Kiriman</a:t>
-            </a:r>
-            <a:r>
-              <a:rPr lang="en-US" dirty="0">
-                <a:latin typeface="Courier New" panose="02070309020205020404" pitchFamily="49" charset="0"/>
-                <a:cs typeface="Courier New" panose="02070309020205020404" pitchFamily="49" charset="0"/>
-              </a:rPr>
-              <a:t> </a:t>
-            </a:r>
-            <a:r>
-              <a:rPr lang="en-US" dirty="0" err="1">
-                <a:latin typeface="Courier New" panose="02070309020205020404" pitchFamily="49" charset="0"/>
-                <a:cs typeface="Courier New" panose="02070309020205020404" pitchFamily="49" charset="0"/>
-              </a:rPr>
-              <a:t>Mahasiswa</a:t>
-            </a:r>
-            <a:r>
-              <a:rPr lang="en-US" dirty="0">
-                <a:latin typeface="Courier New" panose="02070309020205020404" pitchFamily="49" charset="0"/>
-                <a:cs typeface="Courier New" panose="02070309020205020404" pitchFamily="49" charset="0"/>
-              </a:rPr>
-              <a:t>",col="</a:t>
-            </a:r>
-            <a:r>
-              <a:rPr lang="en-US" dirty="0" err="1">
-                <a:latin typeface="Courier New" panose="02070309020205020404" pitchFamily="49" charset="0"/>
-                <a:cs typeface="Courier New" panose="02070309020205020404" pitchFamily="49" charset="0"/>
-              </a:rPr>
-              <a:t>green",breaks</a:t>
-            </a:r>
-            <a:r>
-              <a:rPr lang="en-US" dirty="0">
-                <a:latin typeface="Courier New" panose="02070309020205020404" pitchFamily="49" charset="0"/>
-                <a:cs typeface="Courier New" panose="02070309020205020404" pitchFamily="49" charset="0"/>
-              </a:rPr>
-              <a:t> =10)</a:t>
-            </a:r>
-          </a:p>
-        </p:txBody>
-      </p:sp>
-      <p:pic>
-        <p:nvPicPr>
-          <p:cNvPr id="4" name="Picture 3"/>
-          <p:cNvPicPr>
-            <a:picLocks noChangeAspect="1"/>
-          </p:cNvPicPr>
-          <p:nvPr/>
-        </p:nvPicPr>
-        <p:blipFill>
-          <a:blip r:embed="rId2"/>
-          <a:stretch>
-            <a:fillRect/>
-          </a:stretch>
-        </p:blipFill>
-        <p:spPr>
-          <a:xfrm>
-            <a:off x="6965863" y="1600200"/>
-            <a:ext cx="4605606" cy="4162425"/>
-          </a:xfrm>
-          <a:prstGeom prst="rect">
-            <a:avLst/>
-          </a:prstGeom>
-          <a:ln>
-            <a:solidFill>
-              <a:srgbClr val="00B0F0"/>
-            </a:solidFill>
-          </a:ln>
-        </p:spPr>
-      </p:pic>
-    </p:spTree>
-    <p:extLst>
-      <p:ext uri="{BB962C8B-B14F-4D97-AF65-F5344CB8AC3E}">
-        <p14:creationId xmlns:p14="http://schemas.microsoft.com/office/powerpoint/2010/main" val="4042379445"/>
-      </p:ext>
-    </p:extLst>
-  </p:cSld>
-  <p:clrMapOvr>
-    <a:masterClrMapping/>
-  </p:clrMapOvr>
-  <mc:AlternateContent xmlns:mc="http://schemas.openxmlformats.org/markup-compatibility/2006" xmlns:p14="http://schemas.microsoft.com/office/powerpoint/2010/main">
-    <mc:Choice Requires="p14">
-      <p:transition spd="med" p14:dur="700">
-        <p:fade/>
-      </p:transition>
-    </mc:Choice>
-    <mc:Fallback xmlns="">
-      <p:transition spd="med">
-        <p:fade/>
-      </p:transition>
-    </mc:Fallback>
-  </mc:AlternateContent>
-</p:sld>
-</file>
-
-<file path=ppt/slides/slide52.xml><?xml version="1.0" encoding="utf-8"?>
-<p:sld xmlns:a="http://schemas.openxmlformats.org/drawingml/2006/main" xmlns:r="http://schemas.openxmlformats.org/officeDocument/2006/relationships" xmlns:p="http://schemas.openxmlformats.org/presentationml/2006/main">
-  <p:cSld>
-    <p:spTree>
-      <p:nvGrpSpPr>
-        <p:cNvPr id="1" name=""/>
-        <p:cNvGrpSpPr/>
-        <p:nvPr/>
-      </p:nvGrpSpPr>
-      <p:grpSpPr>
-        <a:xfrm>
-          <a:off x="0" y="0"/>
-          <a:ext cx="0" cy="0"/>
-          <a:chOff x="0" y="0"/>
-          <a:chExt cx="0" cy="0"/>
-        </a:xfrm>
-      </p:grpSpPr>
-      <p:sp>
-        <p:nvSpPr>
-          <p:cNvPr id="2" name="Title 1"/>
-          <p:cNvSpPr>
-            <a:spLocks noGrp="1"/>
-          </p:cNvSpPr>
-          <p:nvPr>
-            <p:ph type="title"/>
-          </p:nvPr>
-        </p:nvSpPr>
-        <p:spPr/>
-        <p:txBody>
-          <a:bodyPr/>
-          <a:lstStyle/>
-          <a:p>
-            <a:r>
-              <a:rPr lang="en-US" dirty="0" err="1"/>
-              <a:t>Praktek</a:t>
-            </a:r>
-            <a:r>
-              <a:rPr lang="en-US" dirty="0"/>
-              <a:t> #</a:t>
-            </a:r>
-            <a:r>
-              <a:rPr lang="en-US" dirty="0" smtClean="0"/>
-              <a:t>13 </a:t>
-            </a:r>
-            <a:r>
-              <a:rPr lang="en-US" dirty="0" err="1"/>
-              <a:t>Membuat</a:t>
-            </a:r>
-            <a:r>
-              <a:rPr lang="en-US" dirty="0"/>
-              <a:t> </a:t>
-            </a:r>
-            <a:r>
-              <a:rPr lang="en-US" dirty="0" smtClean="0"/>
-              <a:t>Boxplot</a:t>
-            </a:r>
-            <a:endParaRPr lang="id-ID" dirty="0"/>
+              <a:rPr lang="id-ID" dirty="0"/>
+              <a:t>Proporsi terhadap total observasi</a:t>
+            </a:r>
           </a:p>
         </p:txBody>
       </p:sp>
@@ -22663,32 +20543,31 @@
               <a:buNone/>
             </a:pPr>
             <a:r>
-              <a:rPr lang="id-ID" dirty="0" smtClean="0">
-                <a:latin typeface="Courier New" panose="02070309020205020404" pitchFamily="49" charset="0"/>
-                <a:cs typeface="Courier New" panose="02070309020205020404" pitchFamily="49" charset="0"/>
-              </a:rPr>
-              <a:t>boxplot(data</a:t>
-            </a:r>
-            <a:r>
-              <a:rPr lang="en-US" dirty="0" smtClean="0">
-                <a:latin typeface="Courier New" panose="02070309020205020404" pitchFamily="49" charset="0"/>
-                <a:cs typeface="Courier New" panose="02070309020205020404" pitchFamily="49" charset="0"/>
-              </a:rPr>
-              <a:t>.csv</a:t>
-            </a:r>
-            <a:r>
-              <a:rPr lang="id-ID" dirty="0" smtClean="0">
-                <a:latin typeface="Courier New" panose="02070309020205020404" pitchFamily="49" charset="0"/>
-                <a:cs typeface="Courier New" panose="02070309020205020404" pitchFamily="49" charset="0"/>
-              </a:rPr>
-              <a:t>$Biaya</a:t>
-            </a:r>
-            <a:r>
-              <a:rPr lang="id-ID" dirty="0">
-                <a:latin typeface="Courier New" panose="02070309020205020404" pitchFamily="49" charset="0"/>
-                <a:cs typeface="Courier New" panose="02070309020205020404" pitchFamily="49" charset="0"/>
-              </a:rPr>
-              <a:t>, col="pink", main="Boxplot Biaya")</a:t>
+              <a:rPr lang="id-ID" sz="2400" dirty="0" err="1" smtClean="0">
+                <a:solidFill>
+                  <a:srgbClr val="0070C0"/>
+                </a:solidFill>
+                <a:latin typeface="Lucida Console" panose="020B0609040504020204" pitchFamily="49" charset="0"/>
+              </a:rPr>
+              <a:t>prop.table</a:t>
+            </a:r>
+            <a:r>
+              <a:rPr lang="id-ID" sz="2400" dirty="0" smtClean="0">
+                <a:solidFill>
+                  <a:srgbClr val="0070C0"/>
+                </a:solidFill>
+                <a:latin typeface="Lucida Console" panose="020B0609040504020204" pitchFamily="49" charset="0"/>
+              </a:rPr>
+              <a:t>(tabel2</a:t>
+            </a:r>
+            <a:r>
+              <a:rPr lang="id-ID" sz="2400" dirty="0">
+                <a:solidFill>
+                  <a:srgbClr val="0070C0"/>
+                </a:solidFill>
+                <a:latin typeface="Lucida Console" panose="020B0609040504020204" pitchFamily="49" charset="0"/>
+              </a:rPr>
+              <a:t>)</a:t>
             </a:r>
           </a:p>
         </p:txBody>
@@ -22720,8 +20599,8 @@
         </p:blipFill>
         <p:spPr>
           <a:xfrm>
-            <a:off x="3715048" y="2720756"/>
-            <a:ext cx="4761905" cy="3971429"/>
+            <a:off x="3521729" y="2274234"/>
+            <a:ext cx="3660795" cy="1262343"/>
           </a:xfrm>
           <a:prstGeom prst="rect">
             <a:avLst/>
@@ -22731,7 +20610,158 @@
     </p:spTree>
     <p:extLst>
       <p:ext uri="{BB962C8B-B14F-4D97-AF65-F5344CB8AC3E}">
-        <p14:creationId xmlns:p14="http://schemas.microsoft.com/office/powerpoint/2010/main" val="3003480037"/>
+        <p14:creationId xmlns:p14="http://schemas.microsoft.com/office/powerpoint/2010/main" val="1562140029"/>
+      </p:ext>
+    </p:extLst>
+  </p:cSld>
+  <p:clrMapOvr>
+    <a:masterClrMapping/>
+  </p:clrMapOvr>
+  <mc:AlternateContent xmlns:mc="http://schemas.openxmlformats.org/markup-compatibility/2006" xmlns:p14="http://schemas.microsoft.com/office/powerpoint/2010/main">
+    <mc:Choice Requires="p14">
+      <p:transition spd="med" p14:dur="700">
+        <p:fade/>
+      </p:transition>
+    </mc:Choice>
+    <mc:Fallback xmlns="">
+      <p:transition spd="med">
+        <p:fade/>
+      </p:transition>
+    </mc:Fallback>
+  </mc:AlternateContent>
+  <p:timing>
+    <p:tnLst>
+      <p:par>
+        <p:cTn id="1" dur="indefinite" restart="never" nodeType="tmRoot"/>
+      </p:par>
+    </p:tnLst>
+  </p:timing>
+</p:sld>
+</file>
+
+<file path=ppt/slides/slide52.xml><?xml version="1.0" encoding="utf-8"?>
+<p:sld xmlns:a="http://schemas.openxmlformats.org/drawingml/2006/main" xmlns:r="http://schemas.openxmlformats.org/officeDocument/2006/relationships" xmlns:p="http://schemas.openxmlformats.org/presentationml/2006/main">
+  <p:cSld>
+    <p:spTree>
+      <p:nvGrpSpPr>
+        <p:cNvPr id="1" name=""/>
+        <p:cNvGrpSpPr/>
+        <p:nvPr/>
+      </p:nvGrpSpPr>
+      <p:grpSpPr>
+        <a:xfrm>
+          <a:off x="0" y="0"/>
+          <a:ext cx="0" cy="0"/>
+          <a:chOff x="0" y="0"/>
+          <a:chExt cx="0" cy="0"/>
+        </a:xfrm>
+      </p:grpSpPr>
+      <p:sp>
+        <p:nvSpPr>
+          <p:cNvPr id="4" name="Title 3"/>
+          <p:cNvSpPr>
+            <a:spLocks noGrp="1"/>
+          </p:cNvSpPr>
+          <p:nvPr>
+            <p:ph type="title"/>
+          </p:nvPr>
+        </p:nvSpPr>
+        <p:spPr/>
+        <p:txBody>
+          <a:bodyPr/>
+          <a:lstStyle/>
+          <a:p>
+            <a:pPr algn="ctr"/>
+            <a:r>
+              <a:rPr lang="id-ID" dirty="0"/>
+              <a:t>Menampilkan Distribusi Data Numerik</a:t>
+            </a:r>
+          </a:p>
+        </p:txBody>
+      </p:sp>
+      <p:sp>
+        <p:nvSpPr>
+          <p:cNvPr id="5" name="Text Placeholder 4"/>
+          <p:cNvSpPr>
+            <a:spLocks noGrp="1"/>
+          </p:cNvSpPr>
+          <p:nvPr>
+            <p:ph type="body" idx="1"/>
+          </p:nvPr>
+        </p:nvSpPr>
+        <p:spPr/>
+        <p:txBody>
+          <a:bodyPr/>
+          <a:lstStyle/>
+          <a:p>
+            <a:endParaRPr lang="id-ID"/>
+          </a:p>
+        </p:txBody>
+      </p:sp>
+      <p:pic>
+        <p:nvPicPr>
+          <p:cNvPr id="6" name="Picture 5"/>
+          <p:cNvPicPr>
+            <a:picLocks noChangeAspect="1"/>
+          </p:cNvPicPr>
+          <p:nvPr/>
+        </p:nvPicPr>
+        <p:blipFill>
+          <a:blip r:embed="rId2" cstate="print">
+            <a:extLst>
+              <a:ext uri="{28A0092B-C50C-407E-A947-70E740481C1C}">
+                <a14:useLocalDpi xmlns:a14="http://schemas.microsoft.com/office/drawing/2010/main" val="0"/>
+              </a:ext>
+            </a:extLst>
+          </a:blip>
+          <a:stretch>
+            <a:fillRect/>
+          </a:stretch>
+        </p:blipFill>
+        <p:spPr>
+          <a:xfrm>
+            <a:off x="9644244" y="6318150"/>
+            <a:ext cx="418537" cy="418537"/>
+          </a:xfrm>
+          <a:prstGeom prst="rect">
+            <a:avLst/>
+          </a:prstGeom>
+        </p:spPr>
+      </p:pic>
+      <p:pic>
+        <p:nvPicPr>
+          <p:cNvPr id="7" name="Picture 6"/>
+          <p:cNvPicPr>
+            <a:picLocks noChangeAspect="1"/>
+          </p:cNvPicPr>
+          <p:nvPr/>
+        </p:nvPicPr>
+        <p:blipFill>
+          <a:blip r:embed="rId3" cstate="print">
+            <a:extLst>
+              <a:ext uri="{28A0092B-C50C-407E-A947-70E740481C1C}">
+                <a14:useLocalDpi xmlns:a14="http://schemas.microsoft.com/office/drawing/2010/main" val="0"/>
+              </a:ext>
+            </a:extLst>
+          </a:blip>
+          <a:stretch>
+            <a:fillRect/>
+          </a:stretch>
+        </p:blipFill>
+        <p:spPr>
+          <a:xfrm>
+            <a:off x="10062780" y="6340692"/>
+            <a:ext cx="481958" cy="373451"/>
+          </a:xfrm>
+          <a:prstGeom prst="rect">
+            <a:avLst/>
+          </a:prstGeom>
+        </p:spPr>
+      </p:pic>
+    </p:spTree>
+    <p:extLst>
+      <p:ext uri="{BB962C8B-B14F-4D97-AF65-F5344CB8AC3E}">
+        <p14:creationId xmlns:p14="http://schemas.microsoft.com/office/powerpoint/2010/main" val="2523955018"/>
       </p:ext>
     </p:extLst>
   </p:cSld>
@@ -22793,20 +20823,8 @@
           <a:lstStyle/>
           <a:p>
             <a:r>
-              <a:rPr lang="en-US" dirty="0" err="1"/>
-              <a:t>Praktek</a:t>
-            </a:r>
-            <a:r>
-              <a:rPr lang="en-US" dirty="0"/>
-              <a:t> #13 </a:t>
-            </a:r>
-            <a:r>
-              <a:rPr lang="en-US" dirty="0" err="1"/>
-              <a:t>Membuat</a:t>
-            </a:r>
-            <a:r>
-              <a:rPr lang="en-US" dirty="0"/>
-              <a:t> Boxplot</a:t>
+              <a:rPr lang="id-ID" dirty="0" smtClean="0"/>
+              <a:t>Histogram (1)</a:t>
             </a:r>
             <a:endParaRPr lang="id-ID" dirty="0"/>
           </a:p>
@@ -22833,32 +20851,67 @@
               <a:buNone/>
             </a:pPr>
             <a:r>
+              <a:rPr lang="id-ID" dirty="0" err="1" smtClean="0">
+                <a:solidFill>
+                  <a:srgbClr val="0070C0"/>
+                </a:solidFill>
+                <a:latin typeface="Lucida Console" panose="020B0609040504020204" pitchFamily="49" charset="0"/>
+              </a:rPr>
+              <a:t>hist</a:t>
+            </a:r>
+            <a:r>
               <a:rPr lang="id-ID" dirty="0" smtClean="0">
-                <a:latin typeface="Courier New" panose="02070309020205020404" pitchFamily="49" charset="0"/>
-                <a:cs typeface="Courier New" panose="02070309020205020404" pitchFamily="49" charset="0"/>
-              </a:rPr>
-              <a:t>boxplot(data</a:t>
-            </a:r>
-            <a:r>
-              <a:rPr lang="en-US" dirty="0" smtClean="0">
-                <a:latin typeface="Courier New" panose="02070309020205020404" pitchFamily="49" charset="0"/>
-                <a:cs typeface="Courier New" panose="02070309020205020404" pitchFamily="49" charset="0"/>
-              </a:rPr>
-              <a:t>.csv</a:t>
-            </a:r>
-            <a:r>
-              <a:rPr lang="id-ID" dirty="0" smtClean="0">
-                <a:latin typeface="Courier New" panose="02070309020205020404" pitchFamily="49" charset="0"/>
-                <a:cs typeface="Courier New" panose="02070309020205020404" pitchFamily="49" charset="0"/>
-              </a:rPr>
-              <a:t>[,</a:t>
+                <a:solidFill>
+                  <a:srgbClr val="0070C0"/>
+                </a:solidFill>
+                <a:latin typeface="Lucida Console" panose="020B0609040504020204" pitchFamily="49" charset="0"/>
+              </a:rPr>
+              <a:t>(</a:t>
+            </a:r>
+            <a:r>
+              <a:rPr lang="id-ID" dirty="0" err="1" smtClean="0">
+                <a:solidFill>
+                  <a:srgbClr val="0070C0"/>
+                </a:solidFill>
+                <a:latin typeface="Lucida Console" panose="020B0609040504020204" pitchFamily="49" charset="0"/>
+              </a:rPr>
+              <a:t>datasurvei$Kiriman</a:t>
             </a:r>
             <a:r>
               <a:rPr lang="id-ID" dirty="0">
-                <a:latin typeface="Courier New" panose="02070309020205020404" pitchFamily="49" charset="0"/>
-                <a:cs typeface="Courier New" panose="02070309020205020404" pitchFamily="49" charset="0"/>
-              </a:rPr>
-              <a:t>c(8,9)], col=c(4,2), horizontal=TRUE,</a:t>
+                <a:solidFill>
+                  <a:srgbClr val="0070C0"/>
+                </a:solidFill>
+                <a:latin typeface="Lucida Console" panose="020B0609040504020204" pitchFamily="49" charset="0"/>
+              </a:rPr>
+              <a:t>, col="green", </a:t>
+            </a:r>
+            <a:r>
+              <a:rPr lang="id-ID" dirty="0">
+                <a:solidFill>
+                  <a:srgbClr val="0070C0"/>
+                </a:solidFill>
+                <a:latin typeface="Lucida Console" panose="020B0609040504020204" pitchFamily="49" charset="0"/>
+              </a:rPr>
+              <a:t>breaks=20, xlab</a:t>
+            </a:r>
+            <a:r>
+              <a:rPr lang="id-ID" dirty="0">
+                <a:solidFill>
+                  <a:srgbClr val="0070C0"/>
+                </a:solidFill>
+                <a:latin typeface="Lucida Console" panose="020B0609040504020204" pitchFamily="49" charset="0"/>
+              </a:rPr>
+              <a:t>="Kiriman</a:t>
+            </a:r>
+            <a:r>
+              <a:rPr lang="id-ID" dirty="0">
+                <a:solidFill>
+                  <a:srgbClr val="0070C0"/>
+                </a:solidFill>
+                <a:latin typeface="Lucida Console" panose="020B0609040504020204" pitchFamily="49" charset="0"/>
+              </a:rPr>
+              <a:t>",</a:t>
             </a:r>
           </a:p>
           <a:p>
@@ -22867,23 +20920,34 @@
             </a:pPr>
             <a:r>
               <a:rPr lang="id-ID" dirty="0">
-                <a:latin typeface="Courier New" panose="02070309020205020404" pitchFamily="49" charset="0"/>
-                <a:cs typeface="Courier New" panose="02070309020205020404" pitchFamily="49" charset="0"/>
-              </a:rPr>
-              <a:t>	main="Boxplot Kiriman dan Pengeluaran")</a:t>
+                <a:solidFill>
+                  <a:srgbClr val="0070C0"/>
+                </a:solidFill>
+                <a:latin typeface="Lucida Console" panose="020B0609040504020204" pitchFamily="49" charset="0"/>
+              </a:rPr>
+              <a:t>	main</a:t>
+            </a:r>
+            <a:r>
+              <a:rPr lang="id-ID" dirty="0">
+                <a:solidFill>
+                  <a:srgbClr val="0070C0"/>
+                </a:solidFill>
+                <a:latin typeface="Lucida Console" panose="020B0609040504020204" pitchFamily="49" charset="0"/>
+              </a:rPr>
+              <a:t>="Histogram Kiriman")</a:t>
             </a:r>
           </a:p>
         </p:txBody>
       </p:sp>
       <p:pic>
         <p:nvPicPr>
-          <p:cNvPr id="4" name="Picture 3"/>
+          <p:cNvPr id="5" name="Picture 4"/>
           <p:cNvPicPr>
             <a:picLocks noChangeAspect="1"/>
           </p:cNvPicPr>
           <p:nvPr/>
         </p:nvPicPr>
-        <p:blipFill rotWithShape="1">
+        <p:blipFill>
           <a:blip r:embed="rId2">
             <a:clrChange>
               <a:clrFrom>
@@ -22896,23 +20960,150 @@
               </a:clrTo>
             </a:clrChange>
           </a:blip>
-          <a:srcRect t="4516" b="10836"/>
-          <a:stretch/>
+          <a:stretch>
+            <a:fillRect/>
+          </a:stretch>
         </p:blipFill>
         <p:spPr>
           <a:xfrm>
-            <a:off x="3701601" y="2904565"/>
-            <a:ext cx="4761905" cy="3361765"/>
+            <a:off x="3661260" y="2774545"/>
+            <a:ext cx="4761905" cy="3971429"/>
           </a:xfrm>
           <a:prstGeom prst="rect">
             <a:avLst/>
           </a:prstGeom>
         </p:spPr>
       </p:pic>
+      <p:sp>
+        <p:nvSpPr>
+          <p:cNvPr id="6" name="TextBox 5"/>
+          <p:cNvSpPr txBox="1"/>
+          <p:nvPr/>
+        </p:nvSpPr>
+        <p:spPr>
+          <a:xfrm>
+            <a:off x="7106869" y="2037647"/>
+            <a:ext cx="1698270" cy="523220"/>
+          </a:xfrm>
+          <a:prstGeom prst="rect">
+            <a:avLst/>
+          </a:prstGeom>
+          <a:noFill/>
+        </p:spPr>
+        <p:txBody>
+          <a:bodyPr wrap="square" rtlCol="0">
+            <a:spAutoFit/>
+          </a:bodyPr>
+          <a:lstStyle/>
+          <a:p>
+            <a:r>
+              <a:rPr lang="id-ID" sz="1400" b="1" dirty="0">
+                <a:solidFill>
+                  <a:schemeClr val="bg1">
+                    <a:lumMod val="50000"/>
+                  </a:schemeClr>
+                </a:solidFill>
+              </a:rPr>
+              <a:t>Pillihan warna yang digunakan</a:t>
+            </a:r>
+            <a:endParaRPr lang="id-ID" sz="1400" b="1" dirty="0">
+              <a:solidFill>
+                <a:schemeClr val="bg1">
+                  <a:lumMod val="50000"/>
+                </a:schemeClr>
+              </a:solidFill>
+            </a:endParaRPr>
+          </a:p>
+        </p:txBody>
+      </p:sp>
+      <p:sp>
+        <p:nvSpPr>
+          <p:cNvPr id="7" name="Oval 6"/>
+          <p:cNvSpPr/>
+          <p:nvPr/>
+        </p:nvSpPr>
+        <p:spPr>
+          <a:xfrm>
+            <a:off x="5242855" y="1511740"/>
+            <a:ext cx="1864014" cy="450422"/>
+          </a:xfrm>
+          <a:prstGeom prst="ellipse">
+            <a:avLst/>
+          </a:prstGeom>
+          <a:noFill/>
+          <a:ln w="38100">
+            <a:solidFill>
+              <a:schemeClr val="accent6">
+                <a:lumMod val="60000"/>
+                <a:lumOff val="40000"/>
+              </a:schemeClr>
+            </a:solidFill>
+          </a:ln>
+        </p:spPr>
+        <p:style>
+          <a:lnRef idx="2">
+            <a:schemeClr val="accent1">
+              <a:shade val="50000"/>
+            </a:schemeClr>
+          </a:lnRef>
+          <a:fillRef idx="1">
+            <a:schemeClr val="accent1"/>
+          </a:fillRef>
+          <a:effectRef idx="0">
+            <a:schemeClr val="accent1"/>
+          </a:effectRef>
+          <a:fontRef idx="minor">
+            <a:schemeClr val="lt1"/>
+          </a:fontRef>
+        </p:style>
+        <p:txBody>
+          <a:bodyPr rtlCol="0" anchor="ctr"/>
+          <a:lstStyle/>
+          <a:p>
+            <a:pPr algn="ctr"/>
+            <a:endParaRPr lang="id-ID"/>
+          </a:p>
+        </p:txBody>
+      </p:sp>
+      <p:cxnSp>
+        <p:nvCxnSpPr>
+          <p:cNvPr id="8" name="Straight Arrow Connector 7"/>
+          <p:cNvCxnSpPr>
+            <a:stCxn id="6" idx="1"/>
+          </p:cNvCxnSpPr>
+          <p:nvPr/>
+        </p:nvCxnSpPr>
+        <p:spPr>
+          <a:xfrm flipH="1" flipV="1">
+            <a:off x="6711449" y="2037329"/>
+            <a:ext cx="395420" cy="261928"/>
+          </a:xfrm>
+          <a:prstGeom prst="straightConnector1">
+            <a:avLst/>
+          </a:prstGeom>
+          <a:ln>
+            <a:tailEnd type="triangle"/>
+          </a:ln>
+        </p:spPr>
+        <p:style>
+          <a:lnRef idx="1">
+            <a:schemeClr val="accent1"/>
+          </a:lnRef>
+          <a:fillRef idx="0">
+            <a:schemeClr val="accent1"/>
+          </a:fillRef>
+          <a:effectRef idx="0">
+            <a:schemeClr val="accent1"/>
+          </a:effectRef>
+          <a:fontRef idx="minor">
+            <a:schemeClr val="tx1"/>
+          </a:fontRef>
+        </p:style>
+      </p:cxnSp>
     </p:spTree>
     <p:extLst>
       <p:ext uri="{BB962C8B-B14F-4D97-AF65-F5344CB8AC3E}">
-        <p14:creationId xmlns:p14="http://schemas.microsoft.com/office/powerpoint/2010/main" val="1217359103"/>
+        <p14:creationId xmlns:p14="http://schemas.microsoft.com/office/powerpoint/2010/main" val="1212185824"/>
       </p:ext>
     </p:extLst>
   </p:cSld>
@@ -22974,20 +21165,8 @@
           <a:lstStyle/>
           <a:p>
             <a:r>
-              <a:rPr lang="en-US" dirty="0" err="1"/>
-              <a:t>Praktek</a:t>
-            </a:r>
-            <a:r>
-              <a:rPr lang="en-US" dirty="0"/>
-              <a:t> #13 </a:t>
-            </a:r>
-            <a:r>
-              <a:rPr lang="en-US" dirty="0" err="1"/>
-              <a:t>Membuat</a:t>
-            </a:r>
-            <a:r>
-              <a:rPr lang="en-US" dirty="0"/>
-              <a:t> Boxplot</a:t>
+              <a:rPr lang="id-ID" dirty="0" smtClean="0"/>
+              <a:t>Histogram (2)</a:t>
             </a:r>
             <a:endParaRPr lang="id-ID" dirty="0"/>
           </a:p>
@@ -23014,18 +21193,76 @@
               <a:buNone/>
             </a:pPr>
             <a:r>
+              <a:rPr lang="id-ID" dirty="0" err="1" smtClean="0">
+                <a:solidFill>
+                  <a:srgbClr val="0070C0"/>
+                </a:solidFill>
+                <a:latin typeface="Lucida Console" panose="020B0609040504020204" pitchFamily="49" charset="0"/>
+              </a:rPr>
+              <a:t>hist</a:t>
+            </a:r>
+            <a:r>
               <a:rPr lang="id-ID" dirty="0" smtClean="0">
-                <a:latin typeface="Courier New" panose="02070309020205020404" pitchFamily="49" charset="0"/>
-                <a:cs typeface="Courier New" panose="02070309020205020404" pitchFamily="49" charset="0"/>
-              </a:rPr>
-              <a:t>boxplot(Biaya </a:t>
+                <a:solidFill>
+                  <a:srgbClr val="0070C0"/>
+                </a:solidFill>
+                <a:latin typeface="Lucida Console" panose="020B0609040504020204" pitchFamily="49" charset="0"/>
+              </a:rPr>
+              <a:t>(</a:t>
+            </a:r>
+            <a:r>
+              <a:rPr lang="id-ID" dirty="0" err="1" smtClean="0">
+                <a:solidFill>
+                  <a:srgbClr val="0070C0"/>
+                </a:solidFill>
+                <a:latin typeface="Lucida Console" panose="020B0609040504020204" pitchFamily="49" charset="0"/>
+              </a:rPr>
+              <a:t>datasurvei$Pengeluaran</a:t>
             </a:r>
             <a:r>
               <a:rPr lang="id-ID" dirty="0">
-                <a:latin typeface="Courier New" panose="02070309020205020404" pitchFamily="49" charset="0"/>
-                <a:cs typeface="Courier New" panose="02070309020205020404" pitchFamily="49" charset="0"/>
-              </a:rPr>
-              <a:t>~ JK, data=datasurvei, col=c(3,6), main="Biaya Berdasarkan Jenis Kelamin")</a:t>
+                <a:solidFill>
+                  <a:srgbClr val="0070C0"/>
+                </a:solidFill>
+                <a:latin typeface="Lucida Console" panose="020B0609040504020204" pitchFamily="49" charset="0"/>
+              </a:rPr>
+              <a:t>, col="cyan", </a:t>
+            </a:r>
+            <a:r>
+              <a:rPr lang="id-ID" dirty="0">
+                <a:solidFill>
+                  <a:srgbClr val="0070C0"/>
+                </a:solidFill>
+                <a:latin typeface="Lucida Console" panose="020B0609040504020204" pitchFamily="49" charset="0"/>
+              </a:rPr>
+              <a:t>breaks=25, xlab</a:t>
+            </a:r>
+            <a:r>
+              <a:rPr lang="id-ID" dirty="0">
+                <a:solidFill>
+                  <a:srgbClr val="0070C0"/>
+                </a:solidFill>
+                <a:latin typeface="Lucida Console" panose="020B0609040504020204" pitchFamily="49" charset="0"/>
+              </a:rPr>
+              <a:t>="Kiriman</a:t>
+            </a:r>
+            <a:r>
+              <a:rPr lang="id-ID" dirty="0">
+                <a:solidFill>
+                  <a:srgbClr val="0070C0"/>
+                </a:solidFill>
+                <a:latin typeface="Lucida Console" panose="020B0609040504020204" pitchFamily="49" charset="0"/>
+              </a:rPr>
+              <a:t>", main</a:t>
+            </a:r>
+            <a:r>
+              <a:rPr lang="id-ID" dirty="0">
+                <a:solidFill>
+                  <a:srgbClr val="0070C0"/>
+                </a:solidFill>
+                <a:latin typeface="Lucida Console" panose="020B0609040504020204" pitchFamily="49" charset="0"/>
+              </a:rPr>
+              <a:t>="Histogram Kiriman", freq=FALSE)</a:t>
             </a:r>
           </a:p>
         </p:txBody>
@@ -23038,7 +21275,7 @@
           </p:cNvPicPr>
           <p:nvPr/>
         </p:nvPicPr>
-        <p:blipFill rotWithShape="1">
+        <p:blipFill>
           <a:blip r:embed="rId2">
             <a:clrChange>
               <a:clrFrom>
@@ -23051,23 +21288,160 @@
               </a:clrTo>
             </a:clrChange>
           </a:blip>
-          <a:srcRect t="6321" b="12755"/>
-          <a:stretch/>
+          <a:stretch>
+            <a:fillRect/>
+          </a:stretch>
         </p:blipFill>
         <p:spPr>
           <a:xfrm>
-            <a:off x="3755389" y="2697376"/>
-            <a:ext cx="4761905" cy="3213847"/>
+            <a:off x="3701601" y="2442820"/>
+            <a:ext cx="4761905" cy="3971429"/>
           </a:xfrm>
           <a:prstGeom prst="rect">
             <a:avLst/>
           </a:prstGeom>
         </p:spPr>
       </p:pic>
+      <p:sp>
+        <p:nvSpPr>
+          <p:cNvPr id="5" name="TextBox 4"/>
+          <p:cNvSpPr txBox="1"/>
+          <p:nvPr/>
+        </p:nvSpPr>
+        <p:spPr>
+          <a:xfrm>
+            <a:off x="9293521" y="2442820"/>
+            <a:ext cx="2775897" cy="523220"/>
+          </a:xfrm>
+          <a:prstGeom prst="rect">
+            <a:avLst/>
+          </a:prstGeom>
+          <a:noFill/>
+        </p:spPr>
+        <p:txBody>
+          <a:bodyPr wrap="square" rtlCol="0">
+            <a:spAutoFit/>
+          </a:bodyPr>
+          <a:lstStyle/>
+          <a:p>
+            <a:r>
+              <a:rPr lang="id-ID" sz="1400" b="1" dirty="0">
+                <a:solidFill>
+                  <a:schemeClr val="bg1">
+                    <a:lumMod val="50000"/>
+                  </a:schemeClr>
+                </a:solidFill>
+              </a:rPr>
+              <a:t>TRUE: menampilkan frekuensi</a:t>
+            </a:r>
+          </a:p>
+          <a:p>
+            <a:r>
+              <a:rPr lang="id-ID" sz="1400" b="1" dirty="0">
+                <a:solidFill>
+                  <a:schemeClr val="bg1">
+                    <a:lumMod val="50000"/>
+                  </a:schemeClr>
+                </a:solidFill>
+              </a:rPr>
+              <a:t>FALSE: menampilkan density</a:t>
+            </a:r>
+            <a:endParaRPr lang="id-ID" sz="1400" b="1" dirty="0">
+              <a:solidFill>
+                <a:schemeClr val="bg1">
+                  <a:lumMod val="50000"/>
+                </a:schemeClr>
+              </a:solidFill>
+            </a:endParaRPr>
+          </a:p>
+        </p:txBody>
+      </p:sp>
+      <p:sp>
+        <p:nvSpPr>
+          <p:cNvPr id="6" name="Oval 5"/>
+          <p:cNvSpPr/>
+          <p:nvPr/>
+        </p:nvSpPr>
+        <p:spPr>
+          <a:xfrm>
+            <a:off x="8132284" y="1804464"/>
+            <a:ext cx="1864014" cy="450422"/>
+          </a:xfrm>
+          <a:prstGeom prst="ellipse">
+            <a:avLst/>
+          </a:prstGeom>
+          <a:noFill/>
+          <a:ln w="38100">
+            <a:solidFill>
+              <a:schemeClr val="accent6">
+                <a:lumMod val="60000"/>
+                <a:lumOff val="40000"/>
+              </a:schemeClr>
+            </a:solidFill>
+          </a:ln>
+        </p:spPr>
+        <p:style>
+          <a:lnRef idx="2">
+            <a:schemeClr val="accent1">
+              <a:shade val="50000"/>
+            </a:schemeClr>
+          </a:lnRef>
+          <a:fillRef idx="1">
+            <a:schemeClr val="accent1"/>
+          </a:fillRef>
+          <a:effectRef idx="0">
+            <a:schemeClr val="accent1"/>
+          </a:effectRef>
+          <a:fontRef idx="minor">
+            <a:schemeClr val="lt1"/>
+          </a:fontRef>
+        </p:style>
+        <p:txBody>
+          <a:bodyPr rtlCol="0" anchor="ctr"/>
+          <a:lstStyle/>
+          <a:p>
+            <a:pPr algn="ctr"/>
+            <a:endParaRPr lang="id-ID"/>
+          </a:p>
+        </p:txBody>
+      </p:sp>
+      <p:cxnSp>
+        <p:nvCxnSpPr>
+          <p:cNvPr id="7" name="Straight Arrow Connector 6"/>
+          <p:cNvCxnSpPr/>
+          <p:nvPr/>
+        </p:nvCxnSpPr>
+        <p:spPr>
+          <a:xfrm flipH="1" flipV="1">
+            <a:off x="8794008" y="2314520"/>
+            <a:ext cx="499513" cy="449544"/>
+          </a:xfrm>
+          <a:prstGeom prst="straightConnector1">
+            <a:avLst/>
+          </a:prstGeom>
+          <a:ln>
+            <a:tailEnd type="triangle"/>
+          </a:ln>
+        </p:spPr>
+        <p:style>
+          <a:lnRef idx="1">
+            <a:schemeClr val="accent1"/>
+          </a:lnRef>
+          <a:fillRef idx="0">
+            <a:schemeClr val="accent1"/>
+          </a:fillRef>
+          <a:effectRef idx="0">
+            <a:schemeClr val="accent1"/>
+          </a:effectRef>
+          <a:fontRef idx="minor">
+            <a:schemeClr val="tx1"/>
+          </a:fontRef>
+        </p:style>
+      </p:cxnSp>
     </p:spTree>
     <p:extLst>
       <p:ext uri="{BB962C8B-B14F-4D97-AF65-F5344CB8AC3E}">
-        <p14:creationId xmlns:p14="http://schemas.microsoft.com/office/powerpoint/2010/main" val="488807806"/>
+        <p14:creationId xmlns:p14="http://schemas.microsoft.com/office/powerpoint/2010/main" val="1192128796"/>
       </p:ext>
     </p:extLst>
   </p:cSld>
@@ -23129,29 +21503,164 @@
           <a:lstStyle/>
           <a:p>
             <a:r>
-              <a:rPr lang="en-US" dirty="0" err="1" smtClean="0"/>
-              <a:t>Terima</a:t>
-            </a:r>
-            <a:r>
-              <a:rPr lang="en-US" dirty="0" smtClean="0"/>
-              <a:t> </a:t>
-            </a:r>
-            <a:r>
-              <a:rPr lang="en-US" dirty="0" err="1" smtClean="0"/>
-              <a:t>kasih</a:t>
-            </a:r>
-            <a:endParaRPr lang="en-US" dirty="0"/>
+              <a:rPr lang="id-ID" dirty="0" smtClean="0"/>
+              <a:t>Boxplot (1)</a:t>
+            </a:r>
+            <a:endParaRPr lang="id-ID" dirty="0"/>
           </a:p>
         </p:txBody>
       </p:sp>
       <p:sp>
         <p:nvSpPr>
-          <p:cNvPr id="3" name="Text Placeholder 2"/>
+          <p:cNvPr id="3" name="Content Placeholder 2"/>
           <p:cNvSpPr>
             <a:spLocks noGrp="1"/>
           </p:cNvSpPr>
           <p:nvPr>
-            <p:ph type="body" idx="1"/>
+            <p:ph idx="1"/>
+          </p:nvPr>
+        </p:nvSpPr>
+        <p:spPr/>
+        <p:txBody>
+          <a:bodyPr>
+            <a:normAutofit/>
+          </a:bodyPr>
+          <a:lstStyle/>
+          <a:p>
+            <a:pPr marL="806450" indent="-806450">
+              <a:buNone/>
+            </a:pPr>
+            <a:r>
+              <a:rPr lang="id-ID" dirty="0" err="1" smtClean="0">
+                <a:solidFill>
+                  <a:srgbClr val="0070C0"/>
+                </a:solidFill>
+                <a:latin typeface="Lucida Console" panose="020B0609040504020204" pitchFamily="49" charset="0"/>
+              </a:rPr>
+              <a:t>boxplot</a:t>
+            </a:r>
+            <a:r>
+              <a:rPr lang="id-ID" dirty="0" smtClean="0">
+                <a:solidFill>
+                  <a:srgbClr val="0070C0"/>
+                </a:solidFill>
+                <a:latin typeface="Lucida Console" panose="020B0609040504020204" pitchFamily="49" charset="0"/>
+              </a:rPr>
+              <a:t>(</a:t>
+            </a:r>
+            <a:r>
+              <a:rPr lang="id-ID" dirty="0" err="1" smtClean="0">
+                <a:solidFill>
+                  <a:srgbClr val="0070C0"/>
+                </a:solidFill>
+                <a:latin typeface="Lucida Console" panose="020B0609040504020204" pitchFamily="49" charset="0"/>
+              </a:rPr>
+              <a:t>datasurvei$Biaya</a:t>
+            </a:r>
+            <a:r>
+              <a:rPr lang="id-ID" dirty="0">
+                <a:solidFill>
+                  <a:srgbClr val="0070C0"/>
+                </a:solidFill>
+                <a:latin typeface="Lucida Console" panose="020B0609040504020204" pitchFamily="49" charset="0"/>
+              </a:rPr>
+              <a:t>, col="pink", main="Boxplot Biaya")</a:t>
+            </a:r>
+          </a:p>
+        </p:txBody>
+      </p:sp>
+      <p:pic>
+        <p:nvPicPr>
+          <p:cNvPr id="4" name="Picture 3"/>
+          <p:cNvPicPr>
+            <a:picLocks noChangeAspect="1"/>
+          </p:cNvPicPr>
+          <p:nvPr/>
+        </p:nvPicPr>
+        <p:blipFill>
+          <a:blip r:embed="rId2">
+            <a:clrChange>
+              <a:clrFrom>
+                <a:srgbClr val="FFFFFF"/>
+              </a:clrFrom>
+              <a:clrTo>
+                <a:srgbClr val="FFFFFF">
+                  <a:alpha val="0"/>
+                </a:srgbClr>
+              </a:clrTo>
+            </a:clrChange>
+          </a:blip>
+          <a:stretch>
+            <a:fillRect/>
+          </a:stretch>
+        </p:blipFill>
+        <p:spPr>
+          <a:xfrm>
+            <a:off x="3715048" y="2720756"/>
+            <a:ext cx="4761905" cy="3971429"/>
+          </a:xfrm>
+          <a:prstGeom prst="rect">
+            <a:avLst/>
+          </a:prstGeom>
+        </p:spPr>
+      </p:pic>
+    </p:spTree>
+    <p:extLst>
+      <p:ext uri="{BB962C8B-B14F-4D97-AF65-F5344CB8AC3E}">
+        <p14:creationId xmlns:p14="http://schemas.microsoft.com/office/powerpoint/2010/main" val="1772995637"/>
+      </p:ext>
+    </p:extLst>
+  </p:cSld>
+  <p:clrMapOvr>
+    <a:masterClrMapping/>
+  </p:clrMapOvr>
+  <mc:AlternateContent xmlns:mc="http://schemas.openxmlformats.org/markup-compatibility/2006" xmlns:p14="http://schemas.microsoft.com/office/powerpoint/2010/main">
+    <mc:Choice Requires="p14">
+      <p:transition spd="med" p14:dur="700">
+        <p:fade/>
+      </p:transition>
+    </mc:Choice>
+    <mc:Fallback xmlns="">
+      <p:transition spd="med">
+        <p:fade/>
+      </p:transition>
+    </mc:Fallback>
+  </mc:AlternateContent>
+  <p:timing>
+    <p:tnLst>
+      <p:par>
+        <p:cTn id="1" dur="indefinite" restart="never" nodeType="tmRoot"/>
+      </p:par>
+    </p:tnLst>
+  </p:timing>
+</p:sld>
+</file>
+
+<file path=ppt/slides/slide56.xml><?xml version="1.0" encoding="utf-8"?>
+<p:sld xmlns:a="http://schemas.openxmlformats.org/drawingml/2006/main" xmlns:r="http://schemas.openxmlformats.org/officeDocument/2006/relationships" xmlns:p="http://schemas.openxmlformats.org/presentationml/2006/main">
+  <p:cSld>
+    <p:spTree>
+      <p:nvGrpSpPr>
+        <p:cNvPr id="1" name=""/>
+        <p:cNvGrpSpPr/>
+        <p:nvPr/>
+      </p:nvGrpSpPr>
+      <p:grpSpPr>
+        <a:xfrm>
+          <a:off x="0" y="0"/>
+          <a:ext cx="0" cy="0"/>
+          <a:chOff x="0" y="0"/>
+          <a:chExt cx="0" cy="0"/>
+        </a:xfrm>
+      </p:grpSpPr>
+      <p:sp>
+        <p:nvSpPr>
+          <p:cNvPr id="2" name="Title 1"/>
+          <p:cNvSpPr>
+            <a:spLocks noGrp="1"/>
+          </p:cNvSpPr>
+          <p:nvPr>
+            <p:ph type="title"/>
           </p:nvPr>
         </p:nvSpPr>
         <p:spPr/>
@@ -23159,14 +21668,628 @@
           <a:bodyPr/>
           <a:lstStyle/>
           <a:p>
-            <a:endParaRPr lang="en-US"/>
+            <a:r>
+              <a:rPr lang="id-ID" dirty="0" smtClean="0"/>
+              <a:t>Boxplot (2)</a:t>
+            </a:r>
+            <a:endParaRPr lang="id-ID" dirty="0"/>
           </a:p>
         </p:txBody>
       </p:sp>
+      <p:sp>
+        <p:nvSpPr>
+          <p:cNvPr id="3" name="Content Placeholder 2"/>
+          <p:cNvSpPr>
+            <a:spLocks noGrp="1"/>
+          </p:cNvSpPr>
+          <p:nvPr>
+            <p:ph idx="1"/>
+          </p:nvPr>
+        </p:nvSpPr>
+        <p:spPr/>
+        <p:txBody>
+          <a:bodyPr>
+            <a:normAutofit/>
+          </a:bodyPr>
+          <a:lstStyle/>
+          <a:p>
+            <a:pPr marL="806450" indent="-806450">
+              <a:buNone/>
+            </a:pPr>
+            <a:r>
+              <a:rPr lang="id-ID" dirty="0" err="1" smtClean="0">
+                <a:solidFill>
+                  <a:srgbClr val="0070C0"/>
+                </a:solidFill>
+                <a:latin typeface="Lucida Console" panose="020B0609040504020204" pitchFamily="49" charset="0"/>
+              </a:rPr>
+              <a:t>boxplot</a:t>
+            </a:r>
+            <a:r>
+              <a:rPr lang="id-ID" dirty="0" smtClean="0">
+                <a:solidFill>
+                  <a:srgbClr val="0070C0"/>
+                </a:solidFill>
+                <a:latin typeface="Lucida Console" panose="020B0609040504020204" pitchFamily="49" charset="0"/>
+              </a:rPr>
+              <a:t>(</a:t>
+            </a:r>
+            <a:r>
+              <a:rPr lang="id-ID" dirty="0" err="1" smtClean="0">
+                <a:solidFill>
+                  <a:srgbClr val="0070C0"/>
+                </a:solidFill>
+                <a:latin typeface="Lucida Console" panose="020B0609040504020204" pitchFamily="49" charset="0"/>
+              </a:rPr>
+              <a:t>datasurvei</a:t>
+            </a:r>
+            <a:r>
+              <a:rPr lang="id-ID" dirty="0">
+                <a:solidFill>
+                  <a:srgbClr val="0070C0"/>
+                </a:solidFill>
+                <a:latin typeface="Lucida Console" panose="020B0609040504020204" pitchFamily="49" charset="0"/>
+              </a:rPr>
+              <a:t>[,c(8,9)], col=c(4,2), </a:t>
+            </a:r>
+            <a:r>
+              <a:rPr lang="id-ID" dirty="0">
+                <a:solidFill>
+                  <a:srgbClr val="0070C0"/>
+                </a:solidFill>
+                <a:latin typeface="Lucida Console" panose="020B0609040504020204" pitchFamily="49" charset="0"/>
+              </a:rPr>
+              <a:t>horizontal=TRUE,</a:t>
+            </a:r>
+          </a:p>
+          <a:p>
+            <a:pPr marL="806450" indent="-806450">
+              <a:buNone/>
+            </a:pPr>
+            <a:r>
+              <a:rPr lang="id-ID" dirty="0">
+                <a:solidFill>
+                  <a:srgbClr val="0070C0"/>
+                </a:solidFill>
+                <a:latin typeface="Lucida Console" panose="020B0609040504020204" pitchFamily="49" charset="0"/>
+              </a:rPr>
+              <a:t>	main</a:t>
+            </a:r>
+            <a:r>
+              <a:rPr lang="id-ID" dirty="0">
+                <a:solidFill>
+                  <a:srgbClr val="0070C0"/>
+                </a:solidFill>
+                <a:latin typeface="Lucida Console" panose="020B0609040504020204" pitchFamily="49" charset="0"/>
+              </a:rPr>
+              <a:t>="Boxplot Kiriman dan Pengeluaran")</a:t>
+            </a:r>
+          </a:p>
+        </p:txBody>
+      </p:sp>
+      <p:pic>
+        <p:nvPicPr>
+          <p:cNvPr id="4" name="Picture 3"/>
+          <p:cNvPicPr>
+            <a:picLocks noChangeAspect="1"/>
+          </p:cNvPicPr>
+          <p:nvPr/>
+        </p:nvPicPr>
+        <p:blipFill rotWithShape="1">
+          <a:blip r:embed="rId2">
+            <a:clrChange>
+              <a:clrFrom>
+                <a:srgbClr val="FFFFFF"/>
+              </a:clrFrom>
+              <a:clrTo>
+                <a:srgbClr val="FFFFFF">
+                  <a:alpha val="0"/>
+                </a:srgbClr>
+              </a:clrTo>
+            </a:clrChange>
+          </a:blip>
+          <a:srcRect t="4516" b="10836"/>
+          <a:stretch/>
+        </p:blipFill>
+        <p:spPr>
+          <a:xfrm>
+            <a:off x="3701601" y="2904565"/>
+            <a:ext cx="4761905" cy="3361765"/>
+          </a:xfrm>
+          <a:prstGeom prst="rect">
+            <a:avLst/>
+          </a:prstGeom>
+        </p:spPr>
+      </p:pic>
     </p:spTree>
     <p:extLst>
       <p:ext uri="{BB962C8B-B14F-4D97-AF65-F5344CB8AC3E}">
-        <p14:creationId xmlns:p14="http://schemas.microsoft.com/office/powerpoint/2010/main" val="1522244768"/>
+        <p14:creationId xmlns:p14="http://schemas.microsoft.com/office/powerpoint/2010/main" val="2850175039"/>
+      </p:ext>
+    </p:extLst>
+  </p:cSld>
+  <p:clrMapOvr>
+    <a:masterClrMapping/>
+  </p:clrMapOvr>
+  <mc:AlternateContent xmlns:mc="http://schemas.openxmlformats.org/markup-compatibility/2006" xmlns:p14="http://schemas.microsoft.com/office/powerpoint/2010/main">
+    <mc:Choice Requires="p14">
+      <p:transition spd="med" p14:dur="700">
+        <p:fade/>
+      </p:transition>
+    </mc:Choice>
+    <mc:Fallback xmlns="">
+      <p:transition spd="med">
+        <p:fade/>
+      </p:transition>
+    </mc:Fallback>
+  </mc:AlternateContent>
+  <p:timing>
+    <p:tnLst>
+      <p:par>
+        <p:cTn id="1" dur="indefinite" restart="never" nodeType="tmRoot"/>
+      </p:par>
+    </p:tnLst>
+  </p:timing>
+</p:sld>
+</file>
+
+<file path=ppt/slides/slide57.xml><?xml version="1.0" encoding="utf-8"?>
+<p:sld xmlns:a="http://schemas.openxmlformats.org/drawingml/2006/main" xmlns:r="http://schemas.openxmlformats.org/officeDocument/2006/relationships" xmlns:p="http://schemas.openxmlformats.org/presentationml/2006/main">
+  <p:cSld>
+    <p:spTree>
+      <p:nvGrpSpPr>
+        <p:cNvPr id="1" name=""/>
+        <p:cNvGrpSpPr/>
+        <p:nvPr/>
+      </p:nvGrpSpPr>
+      <p:grpSpPr>
+        <a:xfrm>
+          <a:off x="0" y="0"/>
+          <a:ext cx="0" cy="0"/>
+          <a:chOff x="0" y="0"/>
+          <a:chExt cx="0" cy="0"/>
+        </a:xfrm>
+      </p:grpSpPr>
+      <p:sp>
+        <p:nvSpPr>
+          <p:cNvPr id="2" name="Title 1"/>
+          <p:cNvSpPr>
+            <a:spLocks noGrp="1"/>
+          </p:cNvSpPr>
+          <p:nvPr>
+            <p:ph type="title"/>
+          </p:nvPr>
+        </p:nvSpPr>
+        <p:spPr/>
+        <p:txBody>
+          <a:bodyPr/>
+          <a:lstStyle/>
+          <a:p>
+            <a:r>
+              <a:rPr lang="id-ID" dirty="0" smtClean="0"/>
+              <a:t>Boxplot (3)</a:t>
+            </a:r>
+            <a:endParaRPr lang="id-ID" dirty="0"/>
+          </a:p>
+        </p:txBody>
+      </p:sp>
+      <p:sp>
+        <p:nvSpPr>
+          <p:cNvPr id="3" name="Content Placeholder 2"/>
+          <p:cNvSpPr>
+            <a:spLocks noGrp="1"/>
+          </p:cNvSpPr>
+          <p:nvPr>
+            <p:ph idx="1"/>
+          </p:nvPr>
+        </p:nvSpPr>
+        <p:spPr/>
+        <p:txBody>
+          <a:bodyPr>
+            <a:normAutofit/>
+          </a:bodyPr>
+          <a:lstStyle/>
+          <a:p>
+            <a:pPr marL="806450" indent="-806450">
+              <a:buNone/>
+            </a:pPr>
+            <a:r>
+              <a:rPr lang="id-ID" dirty="0" err="1" smtClean="0">
+                <a:solidFill>
+                  <a:srgbClr val="0070C0"/>
+                </a:solidFill>
+                <a:latin typeface="Lucida Console" panose="020B0609040504020204" pitchFamily="49" charset="0"/>
+              </a:rPr>
+              <a:t>boxplot</a:t>
+            </a:r>
+            <a:r>
+              <a:rPr lang="id-ID" dirty="0" smtClean="0">
+                <a:solidFill>
+                  <a:srgbClr val="0070C0"/>
+                </a:solidFill>
+                <a:latin typeface="Lucida Console" panose="020B0609040504020204" pitchFamily="49" charset="0"/>
+              </a:rPr>
+              <a:t>(Biaya </a:t>
+            </a:r>
+            <a:r>
+              <a:rPr lang="id-ID" dirty="0">
+                <a:solidFill>
+                  <a:srgbClr val="0070C0"/>
+                </a:solidFill>
+                <a:latin typeface="Lucida Console" panose="020B0609040504020204" pitchFamily="49" charset="0"/>
+              </a:rPr>
+              <a:t>~ JK, data=</a:t>
+            </a:r>
+            <a:r>
+              <a:rPr lang="id-ID" dirty="0">
+                <a:solidFill>
+                  <a:srgbClr val="0070C0"/>
+                </a:solidFill>
+                <a:latin typeface="Lucida Console" panose="020B0609040504020204" pitchFamily="49" charset="0"/>
+              </a:rPr>
+              <a:t>datasurvei, col=c(3,6</a:t>
+            </a:r>
+            <a:r>
+              <a:rPr lang="id-ID" dirty="0">
+                <a:solidFill>
+                  <a:srgbClr val="0070C0"/>
+                </a:solidFill>
+                <a:latin typeface="Lucida Console" panose="020B0609040504020204" pitchFamily="49" charset="0"/>
+              </a:rPr>
+              <a:t>), main</a:t>
+            </a:r>
+            <a:r>
+              <a:rPr lang="id-ID" dirty="0">
+                <a:solidFill>
+                  <a:srgbClr val="0070C0"/>
+                </a:solidFill>
+                <a:latin typeface="Lucida Console" panose="020B0609040504020204" pitchFamily="49" charset="0"/>
+              </a:rPr>
+              <a:t>="Biaya Berdasarkan Jenis Kelamin")</a:t>
+            </a:r>
+          </a:p>
+        </p:txBody>
+      </p:sp>
+      <p:pic>
+        <p:nvPicPr>
+          <p:cNvPr id="4" name="Picture 3"/>
+          <p:cNvPicPr>
+            <a:picLocks noChangeAspect="1"/>
+          </p:cNvPicPr>
+          <p:nvPr/>
+        </p:nvPicPr>
+        <p:blipFill rotWithShape="1">
+          <a:blip r:embed="rId2">
+            <a:clrChange>
+              <a:clrFrom>
+                <a:srgbClr val="FFFFFF"/>
+              </a:clrFrom>
+              <a:clrTo>
+                <a:srgbClr val="FFFFFF">
+                  <a:alpha val="0"/>
+                </a:srgbClr>
+              </a:clrTo>
+            </a:clrChange>
+          </a:blip>
+          <a:srcRect t="6321" b="12755"/>
+          <a:stretch/>
+        </p:blipFill>
+        <p:spPr>
+          <a:xfrm>
+            <a:off x="3755389" y="2697376"/>
+            <a:ext cx="4761905" cy="3213847"/>
+          </a:xfrm>
+          <a:prstGeom prst="rect">
+            <a:avLst/>
+          </a:prstGeom>
+        </p:spPr>
+      </p:pic>
+    </p:spTree>
+    <p:extLst>
+      <p:ext uri="{BB962C8B-B14F-4D97-AF65-F5344CB8AC3E}">
+        <p14:creationId xmlns:p14="http://schemas.microsoft.com/office/powerpoint/2010/main" val="2753504069"/>
+      </p:ext>
+    </p:extLst>
+  </p:cSld>
+  <p:clrMapOvr>
+    <a:masterClrMapping/>
+  </p:clrMapOvr>
+  <mc:AlternateContent xmlns:mc="http://schemas.openxmlformats.org/markup-compatibility/2006" xmlns:p14="http://schemas.microsoft.com/office/powerpoint/2010/main">
+    <mc:Choice Requires="p14">
+      <p:transition spd="med" p14:dur="700">
+        <p:fade/>
+      </p:transition>
+    </mc:Choice>
+    <mc:Fallback xmlns="">
+      <p:transition spd="med">
+        <p:fade/>
+      </p:transition>
+    </mc:Fallback>
+  </mc:AlternateContent>
+  <p:timing>
+    <p:tnLst>
+      <p:par>
+        <p:cTn id="1" dur="indefinite" restart="never" nodeType="tmRoot"/>
+      </p:par>
+    </p:tnLst>
+  </p:timing>
+</p:sld>
+</file>
+
+<file path=ppt/slides/slide58.xml><?xml version="1.0" encoding="utf-8"?>
+<p:sld xmlns:a="http://schemas.openxmlformats.org/drawingml/2006/main" xmlns:r="http://schemas.openxmlformats.org/officeDocument/2006/relationships" xmlns:p="http://schemas.openxmlformats.org/presentationml/2006/main">
+  <p:cSld>
+    <p:spTree>
+      <p:nvGrpSpPr>
+        <p:cNvPr id="1" name=""/>
+        <p:cNvGrpSpPr/>
+        <p:nvPr/>
+      </p:nvGrpSpPr>
+      <p:grpSpPr>
+        <a:xfrm>
+          <a:off x="0" y="0"/>
+          <a:ext cx="0" cy="0"/>
+          <a:chOff x="0" y="0"/>
+          <a:chExt cx="0" cy="0"/>
+        </a:xfrm>
+      </p:grpSpPr>
+      <p:sp>
+        <p:nvSpPr>
+          <p:cNvPr id="4" name="Title 3"/>
+          <p:cNvSpPr>
+            <a:spLocks noGrp="1"/>
+          </p:cNvSpPr>
+          <p:nvPr>
+            <p:ph type="title"/>
+          </p:nvPr>
+        </p:nvSpPr>
+        <p:spPr>
+          <a:xfrm>
+            <a:off x="3261527" y="3145065"/>
+            <a:ext cx="6591985" cy="1468800"/>
+          </a:xfrm>
+        </p:spPr>
+        <p:txBody>
+          <a:bodyPr/>
+          <a:lstStyle/>
+          <a:p>
+            <a:pPr algn="ctr"/>
+            <a:r>
+              <a:rPr lang="id-ID" dirty="0"/>
+              <a:t>Visualisasi Sederhana</a:t>
+            </a:r>
+          </a:p>
+        </p:txBody>
+      </p:sp>
+      <p:pic>
+        <p:nvPicPr>
+          <p:cNvPr id="6" name="Picture 5"/>
+          <p:cNvPicPr>
+            <a:picLocks noChangeAspect="1"/>
+          </p:cNvPicPr>
+          <p:nvPr/>
+        </p:nvPicPr>
+        <p:blipFill>
+          <a:blip r:embed="rId2" cstate="print">
+            <a:extLst>
+              <a:ext uri="{28A0092B-C50C-407E-A947-70E740481C1C}">
+                <a14:useLocalDpi xmlns:a14="http://schemas.microsoft.com/office/drawing/2010/main" val="0"/>
+              </a:ext>
+            </a:extLst>
+          </a:blip>
+          <a:stretch>
+            <a:fillRect/>
+          </a:stretch>
+        </p:blipFill>
+        <p:spPr>
+          <a:xfrm>
+            <a:off x="9644244" y="6318150"/>
+            <a:ext cx="418537" cy="418537"/>
+          </a:xfrm>
+          <a:prstGeom prst="rect">
+            <a:avLst/>
+          </a:prstGeom>
+        </p:spPr>
+      </p:pic>
+      <p:pic>
+        <p:nvPicPr>
+          <p:cNvPr id="7" name="Picture 6"/>
+          <p:cNvPicPr>
+            <a:picLocks noChangeAspect="1"/>
+          </p:cNvPicPr>
+          <p:nvPr/>
+        </p:nvPicPr>
+        <p:blipFill>
+          <a:blip r:embed="rId3" cstate="print">
+            <a:extLst>
+              <a:ext uri="{28A0092B-C50C-407E-A947-70E740481C1C}">
+                <a14:useLocalDpi xmlns:a14="http://schemas.microsoft.com/office/drawing/2010/main" val="0"/>
+              </a:ext>
+            </a:extLst>
+          </a:blip>
+          <a:stretch>
+            <a:fillRect/>
+          </a:stretch>
+        </p:blipFill>
+        <p:spPr>
+          <a:xfrm>
+            <a:off x="10062780" y="6340692"/>
+            <a:ext cx="481958" cy="373451"/>
+          </a:xfrm>
+          <a:prstGeom prst="rect">
+            <a:avLst/>
+          </a:prstGeom>
+        </p:spPr>
+      </p:pic>
+    </p:spTree>
+    <p:extLst>
+      <p:ext uri="{BB962C8B-B14F-4D97-AF65-F5344CB8AC3E}">
+        <p14:creationId xmlns:p14="http://schemas.microsoft.com/office/powerpoint/2010/main" val="1105483604"/>
+      </p:ext>
+    </p:extLst>
+  </p:cSld>
+  <p:clrMapOvr>
+    <a:masterClrMapping/>
+  </p:clrMapOvr>
+  <mc:AlternateContent xmlns:mc="http://schemas.openxmlformats.org/markup-compatibility/2006" xmlns:p14="http://schemas.microsoft.com/office/powerpoint/2010/main">
+    <mc:Choice Requires="p14">
+      <p:transition spd="med" p14:dur="700">
+        <p:fade/>
+      </p:transition>
+    </mc:Choice>
+    <mc:Fallback xmlns="">
+      <p:transition spd="med">
+        <p:fade/>
+      </p:transition>
+    </mc:Fallback>
+  </mc:AlternateContent>
+  <p:timing>
+    <p:tnLst>
+      <p:par>
+        <p:cTn id="1" dur="indefinite" restart="never" nodeType="tmRoot"/>
+      </p:par>
+    </p:tnLst>
+  </p:timing>
+</p:sld>
+</file>
+
+<file path=ppt/slides/slide59.xml><?xml version="1.0" encoding="utf-8"?>
+<p:sld xmlns:a="http://schemas.openxmlformats.org/drawingml/2006/main" xmlns:r="http://schemas.openxmlformats.org/officeDocument/2006/relationships" xmlns:p="http://schemas.openxmlformats.org/presentationml/2006/main">
+  <p:cSld>
+    <p:spTree>
+      <p:nvGrpSpPr>
+        <p:cNvPr id="1" name=""/>
+        <p:cNvGrpSpPr/>
+        <p:nvPr/>
+      </p:nvGrpSpPr>
+      <p:grpSpPr>
+        <a:xfrm>
+          <a:off x="0" y="0"/>
+          <a:ext cx="0" cy="0"/>
+          <a:chOff x="0" y="0"/>
+          <a:chExt cx="0" cy="0"/>
+        </a:xfrm>
+      </p:grpSpPr>
+      <p:sp>
+        <p:nvSpPr>
+          <p:cNvPr id="2" name="Title 1"/>
+          <p:cNvSpPr>
+            <a:spLocks noGrp="1"/>
+          </p:cNvSpPr>
+          <p:nvPr>
+            <p:ph type="title"/>
+          </p:nvPr>
+        </p:nvSpPr>
+        <p:spPr/>
+        <p:txBody>
+          <a:bodyPr/>
+          <a:lstStyle/>
+          <a:p>
+            <a:r>
+              <a:rPr lang="id-ID" dirty="0"/>
+              <a:t>Barplot satu variabel</a:t>
+            </a:r>
+          </a:p>
+        </p:txBody>
+      </p:sp>
+      <p:sp>
+        <p:nvSpPr>
+          <p:cNvPr id="3" name="Content Placeholder 2"/>
+          <p:cNvSpPr>
+            <a:spLocks noGrp="1"/>
+          </p:cNvSpPr>
+          <p:nvPr>
+            <p:ph idx="1"/>
+          </p:nvPr>
+        </p:nvSpPr>
+        <p:spPr/>
+        <p:txBody>
+          <a:bodyPr>
+            <a:normAutofit/>
+          </a:bodyPr>
+          <a:lstStyle/>
+          <a:p>
+            <a:pPr marL="806450" indent="-806450">
+              <a:buNone/>
+            </a:pPr>
+            <a:r>
+              <a:rPr lang="id-ID" dirty="0" err="1" smtClean="0">
+                <a:solidFill>
+                  <a:srgbClr val="0070C0"/>
+                </a:solidFill>
+                <a:latin typeface="Lucida Console" panose="020B0609040504020204" pitchFamily="49" charset="0"/>
+              </a:rPr>
+              <a:t>barplot</a:t>
+            </a:r>
+            <a:r>
+              <a:rPr lang="id-ID" dirty="0" smtClean="0">
+                <a:solidFill>
+                  <a:srgbClr val="0070C0"/>
+                </a:solidFill>
+                <a:latin typeface="Lucida Console" panose="020B0609040504020204" pitchFamily="49" charset="0"/>
+              </a:rPr>
+              <a:t>(tabel1</a:t>
+            </a:r>
+            <a:r>
+              <a:rPr lang="id-ID" dirty="0">
+                <a:solidFill>
+                  <a:srgbClr val="0070C0"/>
+                </a:solidFill>
+                <a:latin typeface="Lucida Console" panose="020B0609040504020204" pitchFamily="49" charset="0"/>
+              </a:rPr>
+              <a:t>, </a:t>
+            </a:r>
+            <a:r>
+              <a:rPr lang="id-ID" dirty="0">
+                <a:solidFill>
+                  <a:srgbClr val="0070C0"/>
+                </a:solidFill>
+                <a:latin typeface="Lucida Console" panose="020B0609040504020204" pitchFamily="49" charset="0"/>
+              </a:rPr>
+              <a:t>col=6, ylab="Frekuensi", main="Beasiswa")</a:t>
+            </a:r>
+          </a:p>
+        </p:txBody>
+      </p:sp>
+      <p:pic>
+        <p:nvPicPr>
+          <p:cNvPr id="4" name="Picture 3"/>
+          <p:cNvPicPr>
+            <a:picLocks noChangeAspect="1"/>
+          </p:cNvPicPr>
+          <p:nvPr/>
+        </p:nvPicPr>
+        <p:blipFill>
+          <a:blip r:embed="rId2">
+            <a:clrChange>
+              <a:clrFrom>
+                <a:srgbClr val="FFFFFF"/>
+              </a:clrFrom>
+              <a:clrTo>
+                <a:srgbClr val="FFFFFF">
+                  <a:alpha val="0"/>
+                </a:srgbClr>
+              </a:clrTo>
+            </a:clrChange>
+          </a:blip>
+          <a:stretch>
+            <a:fillRect/>
+          </a:stretch>
+        </p:blipFill>
+        <p:spPr>
+          <a:xfrm>
+            <a:off x="3715048" y="2451815"/>
+            <a:ext cx="4761905" cy="3971429"/>
+          </a:xfrm>
+          <a:prstGeom prst="rect">
+            <a:avLst/>
+          </a:prstGeom>
+        </p:spPr>
+      </p:pic>
+    </p:spTree>
+    <p:extLst>
+      <p:ext uri="{BB962C8B-B14F-4D97-AF65-F5344CB8AC3E}">
+        <p14:creationId xmlns:p14="http://schemas.microsoft.com/office/powerpoint/2010/main" val="1750200951"/>
       </p:ext>
     </p:extLst>
   </p:cSld>
@@ -23259,7 +22382,7 @@
           <p:cNvPr id="8" name="Picture 7">
             <a:extLst>
               <a:ext uri="{FF2B5EF4-FFF2-40B4-BE49-F238E27FC236}">
-                <a16:creationId xmlns:a16="http://schemas.microsoft.com/office/drawing/2014/main" xmlns="" id="{957E454C-E8E2-4A68-A6BE-06B291B68238}"/>
+                <a16:creationId xmlns="" xmlns:a16="http://schemas.microsoft.com/office/drawing/2014/main" id="{957E454C-E8E2-4A68-A6BE-06B291B68238}"/>
               </a:ext>
             </a:extLst>
           </p:cNvPr>
@@ -23289,7 +22412,7 @@
           <p:cNvPr id="9" name="TextBox 8">
             <a:extLst>
               <a:ext uri="{FF2B5EF4-FFF2-40B4-BE49-F238E27FC236}">
-                <a16:creationId xmlns:a16="http://schemas.microsoft.com/office/drawing/2014/main" xmlns="" id="{0CCD38E4-DD91-48C8-A1DF-6518C2E37121}"/>
+                <a16:creationId xmlns="" xmlns:a16="http://schemas.microsoft.com/office/drawing/2014/main" id="{0CCD38E4-DD91-48C8-A1DF-6518C2E37121}"/>
               </a:ext>
             </a:extLst>
           </p:cNvPr>
@@ -23347,7 +22470,7 @@
           <p:cNvPr id="10" name="TextBox 9">
             <a:extLst>
               <a:ext uri="{FF2B5EF4-FFF2-40B4-BE49-F238E27FC236}">
-                <a16:creationId xmlns:a16="http://schemas.microsoft.com/office/drawing/2014/main" xmlns="" id="{0CCD38E4-DD91-48C8-A1DF-6518C2E37121}"/>
+                <a16:creationId xmlns="" xmlns:a16="http://schemas.microsoft.com/office/drawing/2014/main" id="{0CCD38E4-DD91-48C8-A1DF-6518C2E37121}"/>
               </a:ext>
             </a:extLst>
           </p:cNvPr>
@@ -23405,7 +22528,7 @@
           <p:cNvPr id="11" name="TextBox 10">
             <a:extLst>
               <a:ext uri="{FF2B5EF4-FFF2-40B4-BE49-F238E27FC236}">
-                <a16:creationId xmlns:a16="http://schemas.microsoft.com/office/drawing/2014/main" xmlns="" id="{0CCD38E4-DD91-48C8-A1DF-6518C2E37121}"/>
+                <a16:creationId xmlns="" xmlns:a16="http://schemas.microsoft.com/office/drawing/2014/main" id="{0CCD38E4-DD91-48C8-A1DF-6518C2E37121}"/>
               </a:ext>
             </a:extLst>
           </p:cNvPr>
@@ -23447,7 +22570,7 @@
           <p:cNvPr id="12" name="TextBox 11">
             <a:extLst>
               <a:ext uri="{FF2B5EF4-FFF2-40B4-BE49-F238E27FC236}">
-                <a16:creationId xmlns:a16="http://schemas.microsoft.com/office/drawing/2014/main" xmlns="" id="{0CCD38E4-DD91-48C8-A1DF-6518C2E37121}"/>
+                <a16:creationId xmlns="" xmlns:a16="http://schemas.microsoft.com/office/drawing/2014/main" id="{0CCD38E4-DD91-48C8-A1DF-6518C2E37121}"/>
               </a:ext>
             </a:extLst>
           </p:cNvPr>
@@ -23515,6 +22638,293 @@
     <p:extLst>
       <p:ext uri="{BB962C8B-B14F-4D97-AF65-F5344CB8AC3E}">
         <p14:creationId xmlns:p14="http://schemas.microsoft.com/office/powerpoint/2010/main" val="1038935586"/>
+      </p:ext>
+    </p:extLst>
+  </p:cSld>
+  <p:clrMapOvr>
+    <a:masterClrMapping/>
+  </p:clrMapOvr>
+  <mc:AlternateContent xmlns:mc="http://schemas.openxmlformats.org/markup-compatibility/2006" xmlns:p14="http://schemas.microsoft.com/office/powerpoint/2010/main">
+    <mc:Choice Requires="p14">
+      <p:transition spd="med" p14:dur="700">
+        <p:fade/>
+      </p:transition>
+    </mc:Choice>
+    <mc:Fallback xmlns="">
+      <p:transition spd="med">
+        <p:fade/>
+      </p:transition>
+    </mc:Fallback>
+  </mc:AlternateContent>
+  <p:timing>
+    <p:tnLst>
+      <p:par>
+        <p:cTn id="1" dur="indefinite" restart="never" nodeType="tmRoot"/>
+      </p:par>
+    </p:tnLst>
+  </p:timing>
+</p:sld>
+</file>
+
+<file path=ppt/slides/slide60.xml><?xml version="1.0" encoding="utf-8"?>
+<p:sld xmlns:a="http://schemas.openxmlformats.org/drawingml/2006/main" xmlns:r="http://schemas.openxmlformats.org/officeDocument/2006/relationships" xmlns:p="http://schemas.openxmlformats.org/presentationml/2006/main">
+  <p:cSld>
+    <p:spTree>
+      <p:nvGrpSpPr>
+        <p:cNvPr id="1" name=""/>
+        <p:cNvGrpSpPr/>
+        <p:nvPr/>
+      </p:nvGrpSpPr>
+      <p:grpSpPr>
+        <a:xfrm>
+          <a:off x="0" y="0"/>
+          <a:ext cx="0" cy="0"/>
+          <a:chOff x="0" y="0"/>
+          <a:chExt cx="0" cy="0"/>
+        </a:xfrm>
+      </p:grpSpPr>
+      <p:sp>
+        <p:nvSpPr>
+          <p:cNvPr id="2" name="Title 1"/>
+          <p:cNvSpPr>
+            <a:spLocks noGrp="1"/>
+          </p:cNvSpPr>
+          <p:nvPr>
+            <p:ph type="title"/>
+          </p:nvPr>
+        </p:nvSpPr>
+        <p:spPr/>
+        <p:txBody>
+          <a:bodyPr/>
+          <a:lstStyle/>
+          <a:p>
+            <a:r>
+              <a:rPr lang="id-ID" dirty="0"/>
+              <a:t>Pie-chart</a:t>
+            </a:r>
+          </a:p>
+        </p:txBody>
+      </p:sp>
+      <p:sp>
+        <p:nvSpPr>
+          <p:cNvPr id="3" name="Content Placeholder 2"/>
+          <p:cNvSpPr>
+            <a:spLocks noGrp="1"/>
+          </p:cNvSpPr>
+          <p:nvPr>
+            <p:ph idx="1"/>
+          </p:nvPr>
+        </p:nvSpPr>
+        <p:spPr/>
+        <p:txBody>
+          <a:bodyPr>
+            <a:normAutofit/>
+          </a:bodyPr>
+          <a:lstStyle/>
+          <a:p>
+            <a:pPr marL="806450" indent="-806450">
+              <a:buNone/>
+            </a:pPr>
+            <a:r>
+              <a:rPr lang="en-US" sz="2400" dirty="0" smtClean="0">
+                <a:solidFill>
+                  <a:srgbClr val="0070C0"/>
+                </a:solidFill>
+                <a:latin typeface="Lucida Console" panose="020B0609040504020204" pitchFamily="49" charset="0"/>
+              </a:rPr>
+              <a:t>pie(tabel1</a:t>
+            </a:r>
+            <a:r>
+              <a:rPr lang="en-US" sz="2400" dirty="0">
+                <a:solidFill>
+                  <a:srgbClr val="0070C0"/>
+                </a:solidFill>
+                <a:latin typeface="Lucida Console" panose="020B0609040504020204" pitchFamily="49" charset="0"/>
+              </a:rPr>
+              <a:t>, col=c("</a:t>
+            </a:r>
+            <a:r>
+              <a:rPr lang="en-US" sz="2400" dirty="0" err="1">
+                <a:solidFill>
+                  <a:srgbClr val="0070C0"/>
+                </a:solidFill>
+                <a:latin typeface="Lucida Console" panose="020B0609040504020204" pitchFamily="49" charset="0"/>
+              </a:rPr>
+              <a:t>blue","green</a:t>
+            </a:r>
+            <a:r>
+              <a:rPr lang="en-US" sz="2400" dirty="0">
+                <a:solidFill>
+                  <a:srgbClr val="0070C0"/>
+                </a:solidFill>
+                <a:latin typeface="Lucida Console" panose="020B0609040504020204" pitchFamily="49" charset="0"/>
+              </a:rPr>
+              <a:t>"), main="</a:t>
+            </a:r>
+            <a:r>
+              <a:rPr lang="en-US" sz="2400" dirty="0" err="1">
+                <a:solidFill>
+                  <a:srgbClr val="0070C0"/>
+                </a:solidFill>
+                <a:latin typeface="Lucida Console" panose="020B0609040504020204" pitchFamily="49" charset="0"/>
+              </a:rPr>
+              <a:t>Beasiswa</a:t>
+            </a:r>
+            <a:r>
+              <a:rPr lang="en-US" sz="2400" dirty="0">
+                <a:solidFill>
+                  <a:srgbClr val="0070C0"/>
+                </a:solidFill>
+                <a:latin typeface="Lucida Console" panose="020B0609040504020204" pitchFamily="49" charset="0"/>
+              </a:rPr>
+              <a:t>")</a:t>
+            </a:r>
+            <a:endParaRPr lang="id-ID" sz="2400" dirty="0">
+              <a:solidFill>
+                <a:srgbClr val="0070C0"/>
+              </a:solidFill>
+              <a:latin typeface="Lucida Console" panose="020B0609040504020204" pitchFamily="49" charset="0"/>
+            </a:endParaRPr>
+          </a:p>
+        </p:txBody>
+      </p:sp>
+      <p:pic>
+        <p:nvPicPr>
+          <p:cNvPr id="4" name="Picture 3"/>
+          <p:cNvPicPr>
+            <a:picLocks noChangeAspect="1"/>
+          </p:cNvPicPr>
+          <p:nvPr/>
+        </p:nvPicPr>
+        <p:blipFill rotWithShape="1">
+          <a:blip r:embed="rId2">
+            <a:clrChange>
+              <a:clrFrom>
+                <a:srgbClr val="FFFFFF"/>
+              </a:clrFrom>
+              <a:clrTo>
+                <a:srgbClr val="FFFFFF">
+                  <a:alpha val="0"/>
+                </a:srgbClr>
+              </a:clrTo>
+            </a:clrChange>
+          </a:blip>
+          <a:srcRect l="18654" r="12160" b="22912"/>
+          <a:stretch/>
+        </p:blipFill>
+        <p:spPr>
+          <a:xfrm>
+            <a:off x="4448735" y="2779774"/>
+            <a:ext cx="3294530" cy="3061479"/>
+          </a:xfrm>
+          <a:prstGeom prst="rect">
+            <a:avLst/>
+          </a:prstGeom>
+        </p:spPr>
+      </p:pic>
+    </p:spTree>
+    <p:extLst>
+      <p:ext uri="{BB962C8B-B14F-4D97-AF65-F5344CB8AC3E}">
+        <p14:creationId xmlns:p14="http://schemas.microsoft.com/office/powerpoint/2010/main" val="4211305836"/>
+      </p:ext>
+    </p:extLst>
+  </p:cSld>
+  <p:clrMapOvr>
+    <a:masterClrMapping/>
+  </p:clrMapOvr>
+  <mc:AlternateContent xmlns:mc="http://schemas.openxmlformats.org/markup-compatibility/2006" xmlns:p14="http://schemas.microsoft.com/office/powerpoint/2010/main">
+    <mc:Choice Requires="p14">
+      <p:transition spd="med" p14:dur="700">
+        <p:fade/>
+      </p:transition>
+    </mc:Choice>
+    <mc:Fallback xmlns="">
+      <p:transition spd="med">
+        <p:fade/>
+      </p:transition>
+    </mc:Fallback>
+  </mc:AlternateContent>
+  <p:timing>
+    <p:tnLst>
+      <p:par>
+        <p:cTn id="1" dur="indefinite" restart="never" nodeType="tmRoot"/>
+      </p:par>
+    </p:tnLst>
+  </p:timing>
+</p:sld>
+</file>
+
+<file path=ppt/slides/slide61.xml><?xml version="1.0" encoding="utf-8"?>
+<p:sld xmlns:a="http://schemas.openxmlformats.org/drawingml/2006/main" xmlns:r="http://schemas.openxmlformats.org/officeDocument/2006/relationships" xmlns:p="http://schemas.openxmlformats.org/presentationml/2006/main">
+  <p:cSld>
+    <p:spTree>
+      <p:nvGrpSpPr>
+        <p:cNvPr id="1" name=""/>
+        <p:cNvGrpSpPr/>
+        <p:nvPr/>
+      </p:nvGrpSpPr>
+      <p:grpSpPr>
+        <a:xfrm>
+          <a:off x="0" y="0"/>
+          <a:ext cx="0" cy="0"/>
+          <a:chOff x="0" y="0"/>
+          <a:chExt cx="0" cy="0"/>
+        </a:xfrm>
+      </p:grpSpPr>
+      <p:sp>
+        <p:nvSpPr>
+          <p:cNvPr id="2" name="Title 1"/>
+          <p:cNvSpPr>
+            <a:spLocks noGrp="1"/>
+          </p:cNvSpPr>
+          <p:nvPr>
+            <p:ph type="title"/>
+          </p:nvPr>
+        </p:nvSpPr>
+        <p:spPr/>
+        <p:txBody>
+          <a:bodyPr/>
+          <a:lstStyle/>
+          <a:p>
+            <a:r>
+              <a:rPr lang="en-US" dirty="0" err="1" smtClean="0"/>
+              <a:t>Terima</a:t>
+            </a:r>
+            <a:r>
+              <a:rPr lang="en-US" dirty="0" smtClean="0"/>
+              <a:t> </a:t>
+            </a:r>
+            <a:r>
+              <a:rPr lang="en-US" dirty="0" err="1" smtClean="0"/>
+              <a:t>kasih</a:t>
+            </a:r>
+            <a:endParaRPr lang="en-US" dirty="0"/>
+          </a:p>
+        </p:txBody>
+      </p:sp>
+      <p:sp>
+        <p:nvSpPr>
+          <p:cNvPr id="3" name="Text Placeholder 2"/>
+          <p:cNvSpPr>
+            <a:spLocks noGrp="1"/>
+          </p:cNvSpPr>
+          <p:nvPr>
+            <p:ph type="body" idx="1"/>
+          </p:nvPr>
+        </p:nvSpPr>
+        <p:spPr/>
+        <p:txBody>
+          <a:bodyPr/>
+          <a:lstStyle/>
+          <a:p>
+            <a:endParaRPr lang="en-US"/>
+          </a:p>
+        </p:txBody>
+      </p:sp>
+    </p:spTree>
+    <p:extLst>
+      <p:ext uri="{BB962C8B-B14F-4D97-AF65-F5344CB8AC3E}">
+        <p14:creationId xmlns:p14="http://schemas.microsoft.com/office/powerpoint/2010/main" val="1522244768"/>
       </p:ext>
     </p:extLst>
   </p:cSld>
@@ -23785,7 +23195,7 @@
           <p:cNvPr id="4" name="Picture 3">
             <a:extLst>
               <a:ext uri="{FF2B5EF4-FFF2-40B4-BE49-F238E27FC236}">
-                <a16:creationId xmlns:a16="http://schemas.microsoft.com/office/drawing/2014/main" xmlns="" id="{957E454C-E8E2-4A68-A6BE-06B291B68238}"/>
+                <a16:creationId xmlns="" xmlns:a16="http://schemas.microsoft.com/office/drawing/2014/main" id="{957E454C-E8E2-4A68-A6BE-06B291B68238}"/>
               </a:ext>
             </a:extLst>
           </p:cNvPr>
@@ -24710,7 +24120,7 @@
           <p:cNvPr id="6" name="Picture 5">
             <a:extLst>
               <a:ext uri="{FF2B5EF4-FFF2-40B4-BE49-F238E27FC236}">
-                <a16:creationId xmlns:a16="http://schemas.microsoft.com/office/drawing/2014/main" xmlns="" id="{957E454C-E8E2-4A68-A6BE-06B291B68238}"/>
+                <a16:creationId xmlns="" xmlns:a16="http://schemas.microsoft.com/office/drawing/2014/main" id="{957E454C-E8E2-4A68-A6BE-06B291B68238}"/>
               </a:ext>
             </a:extLst>
           </p:cNvPr>
@@ -25514,132 +24924,6 @@
 </file>
 
 <file path=customXml/item1.xml><?xml version="1.0" encoding="utf-8"?>
-<p:properties xmlns:p="http://schemas.microsoft.com/office/2006/metadata/properties" xmlns:xsi="http://www.w3.org/2001/XMLSchema-instance" xmlns:pc="http://schemas.microsoft.com/office/infopath/2007/PartnerControls">
-  <documentManagement>
-    <APDescription xmlns="4873beb7-5857-4685-be1f-d57550cc96cc" xsi:nil="true"/>
-    <AssetExpire xmlns="4873beb7-5857-4685-be1f-d57550cc96cc">2029-01-01T08:00:00+00:00</AssetExpire>
-    <CampaignTagsTaxHTField0 xmlns="4873beb7-5857-4685-be1f-d57550cc96cc">
-      <Terms xmlns="http://schemas.microsoft.com/office/infopath/2007/PartnerControls"/>
-    </CampaignTagsTaxHTField0>
-    <IntlLangReviewDate xmlns="4873beb7-5857-4685-be1f-d57550cc96cc" xsi:nil="true"/>
-    <TPFriendlyName xmlns="4873beb7-5857-4685-be1f-d57550cc96cc" xsi:nil="true"/>
-    <IntlLangReview xmlns="4873beb7-5857-4685-be1f-d57550cc96cc">false</IntlLangReview>
-    <LocLastLocAttemptVersionLookup xmlns="4873beb7-5857-4685-be1f-d57550cc96cc">855024</LocLastLocAttemptVersionLookup>
-    <PolicheckWords xmlns="4873beb7-5857-4685-be1f-d57550cc96cc" xsi:nil="true"/>
-    <SubmitterId xmlns="4873beb7-5857-4685-be1f-d57550cc96cc" xsi:nil="true"/>
-    <AcquiredFrom xmlns="4873beb7-5857-4685-be1f-d57550cc96cc">Internal MS</AcquiredFrom>
-    <EditorialStatus xmlns="4873beb7-5857-4685-be1f-d57550cc96cc">Complete</EditorialStatus>
-    <Markets xmlns="4873beb7-5857-4685-be1f-d57550cc96cc"/>
-    <OriginAsset xmlns="4873beb7-5857-4685-be1f-d57550cc96cc" xsi:nil="true"/>
-    <AssetStart xmlns="4873beb7-5857-4685-be1f-d57550cc96cc">2012-08-31T08:50:00+00:00</AssetStart>
-    <FriendlyTitle xmlns="4873beb7-5857-4685-be1f-d57550cc96cc" xsi:nil="true"/>
-    <MarketSpecific xmlns="4873beb7-5857-4685-be1f-d57550cc96cc">false</MarketSpecific>
-    <TPNamespace xmlns="4873beb7-5857-4685-be1f-d57550cc96cc" xsi:nil="true"/>
-    <PublishStatusLookup xmlns="4873beb7-5857-4685-be1f-d57550cc96cc">
-      <Value>1616423</Value>
-    </PublishStatusLookup>
-    <APAuthor xmlns="4873beb7-5857-4685-be1f-d57550cc96cc">
-      <UserInfo>
-        <DisplayName>REDMOND\kristaa</DisplayName>
-        <AccountId>136</AccountId>
-        <AccountType/>
-      </UserInfo>
-    </APAuthor>
-    <TPCommandLine xmlns="4873beb7-5857-4685-be1f-d57550cc96cc" xsi:nil="true"/>
-    <IntlLangReviewer xmlns="4873beb7-5857-4685-be1f-d57550cc96cc" xsi:nil="true"/>
-    <OpenTemplate xmlns="4873beb7-5857-4685-be1f-d57550cc96cc">true</OpenTemplate>
-    <CSXSubmissionDate xmlns="4873beb7-5857-4685-be1f-d57550cc96cc" xsi:nil="true"/>
-    <TaxCatchAll xmlns="4873beb7-5857-4685-be1f-d57550cc96cc"/>
-    <Manager xmlns="4873beb7-5857-4685-be1f-d57550cc96cc" xsi:nil="true"/>
-    <NumericId xmlns="4873beb7-5857-4685-be1f-d57550cc96cc" xsi:nil="true"/>
-    <ParentAssetId xmlns="4873beb7-5857-4685-be1f-d57550cc96cc" xsi:nil="true"/>
-    <OriginalSourceMarket xmlns="4873beb7-5857-4685-be1f-d57550cc96cc" xsi:nil="true"/>
-    <ApprovalStatus xmlns="4873beb7-5857-4685-be1f-d57550cc96cc">InProgress</ApprovalStatus>
-    <TPComponent xmlns="4873beb7-5857-4685-be1f-d57550cc96cc" xsi:nil="true"/>
-    <EditorialTags xmlns="4873beb7-5857-4685-be1f-d57550cc96cc" xsi:nil="true"/>
-    <TPExecutable xmlns="4873beb7-5857-4685-be1f-d57550cc96cc" xsi:nil="true"/>
-    <TPLaunchHelpLink xmlns="4873beb7-5857-4685-be1f-d57550cc96cc" xsi:nil="true"/>
-    <LocComments xmlns="4873beb7-5857-4685-be1f-d57550cc96cc" xsi:nil="true"/>
-    <LocRecommendedHandoff xmlns="4873beb7-5857-4685-be1f-d57550cc96cc" xsi:nil="true"/>
-    <SourceTitle xmlns="4873beb7-5857-4685-be1f-d57550cc96cc" xsi:nil="true"/>
-    <CSXUpdate xmlns="4873beb7-5857-4685-be1f-d57550cc96cc">false</CSXUpdate>
-    <IntlLocPriority xmlns="4873beb7-5857-4685-be1f-d57550cc96cc" xsi:nil="true"/>
-    <UAProjectedTotalWords xmlns="4873beb7-5857-4685-be1f-d57550cc96cc" xsi:nil="true"/>
-    <AssetType xmlns="4873beb7-5857-4685-be1f-d57550cc96cc">TP</AssetType>
-    <MachineTranslated xmlns="4873beb7-5857-4685-be1f-d57550cc96cc">false</MachineTranslated>
-    <OutputCachingOn xmlns="4873beb7-5857-4685-be1f-d57550cc96cc">false</OutputCachingOn>
-    <TemplateStatus xmlns="4873beb7-5857-4685-be1f-d57550cc96cc">Complete</TemplateStatus>
-    <IsSearchable xmlns="4873beb7-5857-4685-be1f-d57550cc96cc">true</IsSearchable>
-    <ContentItem xmlns="4873beb7-5857-4685-be1f-d57550cc96cc" xsi:nil="true"/>
-    <HandoffToMSDN xmlns="4873beb7-5857-4685-be1f-d57550cc96cc" xsi:nil="true"/>
-    <ShowIn xmlns="4873beb7-5857-4685-be1f-d57550cc96cc">Show everywhere</ShowIn>
-    <ThumbnailAssetId xmlns="4873beb7-5857-4685-be1f-d57550cc96cc" xsi:nil="true"/>
-    <UALocComments xmlns="4873beb7-5857-4685-be1f-d57550cc96cc" xsi:nil="true"/>
-    <UALocRecommendation xmlns="4873beb7-5857-4685-be1f-d57550cc96cc">Localize</UALocRecommendation>
-    <LastModifiedDateTime xmlns="4873beb7-5857-4685-be1f-d57550cc96cc" xsi:nil="true"/>
-    <LegacyData xmlns="4873beb7-5857-4685-be1f-d57550cc96cc" xsi:nil="true"/>
-    <LocManualTestRequired xmlns="4873beb7-5857-4685-be1f-d57550cc96cc">false</LocManualTestRequired>
-    <LocMarketGroupTiers2 xmlns="4873beb7-5857-4685-be1f-d57550cc96cc" xsi:nil="true"/>
-    <ClipArtFilename xmlns="4873beb7-5857-4685-be1f-d57550cc96cc" xsi:nil="true"/>
-    <TPApplication xmlns="4873beb7-5857-4685-be1f-d57550cc96cc" xsi:nil="true"/>
-    <CSXHash xmlns="4873beb7-5857-4685-be1f-d57550cc96cc" xsi:nil="true"/>
-    <DirectSourceMarket xmlns="4873beb7-5857-4685-be1f-d57550cc96cc" xsi:nil="true"/>
-    <PrimaryImageGen xmlns="4873beb7-5857-4685-be1f-d57550cc96cc">true</PrimaryImageGen>
-    <PlannedPubDate xmlns="4873beb7-5857-4685-be1f-d57550cc96cc" xsi:nil="true"/>
-    <CSXSubmissionMarket xmlns="4873beb7-5857-4685-be1f-d57550cc96cc" xsi:nil="true"/>
-    <Downloads xmlns="4873beb7-5857-4685-be1f-d57550cc96cc">0</Downloads>
-    <ArtSampleDocs xmlns="4873beb7-5857-4685-be1f-d57550cc96cc" xsi:nil="true"/>
-    <TrustLevel xmlns="4873beb7-5857-4685-be1f-d57550cc96cc">1 Microsoft Managed Content</TrustLevel>
-    <BlockPublish xmlns="4873beb7-5857-4685-be1f-d57550cc96cc">false</BlockPublish>
-    <TPLaunchHelpLinkType xmlns="4873beb7-5857-4685-be1f-d57550cc96cc">Template</TPLaunchHelpLinkType>
-    <LocalizationTagsTaxHTField0 xmlns="4873beb7-5857-4685-be1f-d57550cc96cc">
-      <Terms xmlns="http://schemas.microsoft.com/office/infopath/2007/PartnerControls"/>
-    </LocalizationTagsTaxHTField0>
-    <BusinessGroup xmlns="4873beb7-5857-4685-be1f-d57550cc96cc" xsi:nil="true"/>
-    <Providers xmlns="4873beb7-5857-4685-be1f-d57550cc96cc" xsi:nil="true"/>
-    <TemplateTemplateType xmlns="4873beb7-5857-4685-be1f-d57550cc96cc">PowerPoint Presentation Template</TemplateTemplateType>
-    <TimesCloned xmlns="4873beb7-5857-4685-be1f-d57550cc96cc" xsi:nil="true"/>
-    <TPAppVersion xmlns="4873beb7-5857-4685-be1f-d57550cc96cc" xsi:nil="true"/>
-    <VoteCount xmlns="4873beb7-5857-4685-be1f-d57550cc96cc" xsi:nil="true"/>
-    <AverageRating xmlns="4873beb7-5857-4685-be1f-d57550cc96cc" xsi:nil="true"/>
-    <FeatureTagsTaxHTField0 xmlns="4873beb7-5857-4685-be1f-d57550cc96cc">
-      <Terms xmlns="http://schemas.microsoft.com/office/infopath/2007/PartnerControls"/>
-    </FeatureTagsTaxHTField0>
-    <Provider xmlns="4873beb7-5857-4685-be1f-d57550cc96cc" xsi:nil="true"/>
-    <UACurrentWords xmlns="4873beb7-5857-4685-be1f-d57550cc96cc" xsi:nil="true"/>
-    <AssetId xmlns="4873beb7-5857-4685-be1f-d57550cc96cc">TP103431361</AssetId>
-    <TPClientViewer xmlns="4873beb7-5857-4685-be1f-d57550cc96cc" xsi:nil="true"/>
-    <DSATActionTaken xmlns="4873beb7-5857-4685-be1f-d57550cc96cc" xsi:nil="true"/>
-    <APEditor xmlns="4873beb7-5857-4685-be1f-d57550cc96cc">
-      <UserInfo>
-        <DisplayName/>
-        <AccountId xsi:nil="true"/>
-        <AccountType/>
-      </UserInfo>
-    </APEditor>
-    <TPInstallLocation xmlns="4873beb7-5857-4685-be1f-d57550cc96cc" xsi:nil="true"/>
-    <OOCacheId xmlns="4873beb7-5857-4685-be1f-d57550cc96cc" xsi:nil="true"/>
-    <IsDeleted xmlns="4873beb7-5857-4685-be1f-d57550cc96cc">false</IsDeleted>
-    <PublishTargets xmlns="4873beb7-5857-4685-be1f-d57550cc96cc">OfficeOnlineVNext</PublishTargets>
-    <ApprovalLog xmlns="4873beb7-5857-4685-be1f-d57550cc96cc" xsi:nil="true"/>
-    <BugNumber xmlns="4873beb7-5857-4685-be1f-d57550cc96cc" xsi:nil="true"/>
-    <CrawlForDependencies xmlns="4873beb7-5857-4685-be1f-d57550cc96cc">false</CrawlForDependencies>
-    <InternalTagsTaxHTField0 xmlns="4873beb7-5857-4685-be1f-d57550cc96cc">
-      <Terms xmlns="http://schemas.microsoft.com/office/infopath/2007/PartnerControls"/>
-    </InternalTagsTaxHTField0>
-    <LastHandOff xmlns="4873beb7-5857-4685-be1f-d57550cc96cc" xsi:nil="true"/>
-    <Milestone xmlns="4873beb7-5857-4685-be1f-d57550cc96cc" xsi:nil="true"/>
-    <OriginalRelease xmlns="4873beb7-5857-4685-be1f-d57550cc96cc">15</OriginalRelease>
-    <RecommendationsModifier xmlns="4873beb7-5857-4685-be1f-d57550cc96cc" xsi:nil="true"/>
-    <ScenarioTagsTaxHTField0 xmlns="4873beb7-5857-4685-be1f-d57550cc96cc">
-      <Terms xmlns="http://schemas.microsoft.com/office/infopath/2007/PartnerControls"/>
-    </ScenarioTagsTaxHTField0>
-    <UANotes xmlns="4873beb7-5857-4685-be1f-d57550cc96cc" xsi:nil="true"/>
-  </documentManagement>
-</p:properties>
-</file>
-
-<file path=customXml/item2.xml><?xml version="1.0" encoding="utf-8"?>
 <ct:contentTypeSchema xmlns:ct="http://schemas.microsoft.com/office/2006/metadata/contentType" xmlns:ma="http://schemas.microsoft.com/office/2006/metadata/properties/metaAttributes" ct:_="" ma:_="" ma:contentTypeName="TemplateFile" ma:contentTypeID="0x0101006EDDDB5EE6D98C44930B742096920B300400F5B6D36B3EF94B4E9A635CDF2A18F5B8" ma:contentTypeVersion="72" ma:contentTypeDescription="Create a new document." ma:contentTypeScope="" ma:versionID="a23e56308344d904b51738559c3d67c9">
   <xsd:schema xmlns:xsd="http://www.w3.org/2001/XMLSchema" xmlns:xs="http://www.w3.org/2001/XMLSchema" xmlns:p="http://schemas.microsoft.com/office/2006/metadata/properties" xmlns:ns2="4873beb7-5857-4685-be1f-d57550cc96cc" targetNamespace="http://schemas.microsoft.com/office/2006/metadata/properties" ma:root="true" ma:fieldsID="cd0908cc4600e77bf5da051303e00c8d" ns2:_="">
     <xsd:import namespace="4873beb7-5857-4685-be1f-d57550cc96cc"/>
@@ -26679,7 +25963,7 @@
 </ct:contentTypeSchema>
 </file>
 
-<file path=customXml/item3.xml><?xml version="1.0" encoding="utf-8"?>
+<file path=customXml/item2.xml><?xml version="1.0" encoding="utf-8"?>
 <?mso-contentType ?>
 <FormTemplates xmlns="http://schemas.microsoft.com/sharepoint/v3/contenttype/forms">
   <Display>DocumentLibraryForm</Display>
@@ -26688,23 +25972,133 @@
 </FormTemplates>
 </file>
 
-<file path=customXml/itemProps1.xml><?xml version="1.0" encoding="utf-8"?>
-<ds:datastoreItem xmlns:ds="http://schemas.openxmlformats.org/officeDocument/2006/customXml" ds:itemID="{8CDDBB83-77C1-4099-A0AA-289882E745E2}">
-  <ds:schemaRefs>
-    <ds:schemaRef ds:uri="http://schemas.microsoft.com/office/infopath/2007/PartnerControls"/>
-    <ds:schemaRef ds:uri="http://purl.org/dc/dcmitype/"/>
-    <ds:schemaRef ds:uri="http://schemas.openxmlformats.org/package/2006/metadata/core-properties"/>
-    <ds:schemaRef ds:uri="http://www.w3.org/XML/1998/namespace"/>
-    <ds:schemaRef ds:uri="http://schemas.microsoft.com/office/2006/documentManagement/types"/>
-    <ds:schemaRef ds:uri="http://schemas.microsoft.com/office/2006/metadata/properties"/>
-    <ds:schemaRef ds:uri="http://purl.org/dc/elements/1.1/"/>
-    <ds:schemaRef ds:uri="4873beb7-5857-4685-be1f-d57550cc96cc"/>
-    <ds:schemaRef ds:uri="http://purl.org/dc/terms/"/>
-  </ds:schemaRefs>
-</ds:datastoreItem>
+<file path=customXml/item3.xml><?xml version="1.0" encoding="utf-8"?>
+<p:properties xmlns:p="http://schemas.microsoft.com/office/2006/metadata/properties" xmlns:xsi="http://www.w3.org/2001/XMLSchema-instance" xmlns:pc="http://schemas.microsoft.com/office/infopath/2007/PartnerControls">
+  <documentManagement>
+    <APDescription xmlns="4873beb7-5857-4685-be1f-d57550cc96cc" xsi:nil="true"/>
+    <AssetExpire xmlns="4873beb7-5857-4685-be1f-d57550cc96cc">2029-01-01T08:00:00+00:00</AssetExpire>
+    <CampaignTagsTaxHTField0 xmlns="4873beb7-5857-4685-be1f-d57550cc96cc">
+      <Terms xmlns="http://schemas.microsoft.com/office/infopath/2007/PartnerControls"/>
+    </CampaignTagsTaxHTField0>
+    <IntlLangReviewDate xmlns="4873beb7-5857-4685-be1f-d57550cc96cc" xsi:nil="true"/>
+    <TPFriendlyName xmlns="4873beb7-5857-4685-be1f-d57550cc96cc" xsi:nil="true"/>
+    <IntlLangReview xmlns="4873beb7-5857-4685-be1f-d57550cc96cc">false</IntlLangReview>
+    <LocLastLocAttemptVersionLookup xmlns="4873beb7-5857-4685-be1f-d57550cc96cc">855024</LocLastLocAttemptVersionLookup>
+    <PolicheckWords xmlns="4873beb7-5857-4685-be1f-d57550cc96cc" xsi:nil="true"/>
+    <SubmitterId xmlns="4873beb7-5857-4685-be1f-d57550cc96cc" xsi:nil="true"/>
+    <AcquiredFrom xmlns="4873beb7-5857-4685-be1f-d57550cc96cc">Internal MS</AcquiredFrom>
+    <EditorialStatus xmlns="4873beb7-5857-4685-be1f-d57550cc96cc">Complete</EditorialStatus>
+    <Markets xmlns="4873beb7-5857-4685-be1f-d57550cc96cc"/>
+    <OriginAsset xmlns="4873beb7-5857-4685-be1f-d57550cc96cc" xsi:nil="true"/>
+    <AssetStart xmlns="4873beb7-5857-4685-be1f-d57550cc96cc">2012-08-31T08:50:00+00:00</AssetStart>
+    <FriendlyTitle xmlns="4873beb7-5857-4685-be1f-d57550cc96cc" xsi:nil="true"/>
+    <MarketSpecific xmlns="4873beb7-5857-4685-be1f-d57550cc96cc">false</MarketSpecific>
+    <TPNamespace xmlns="4873beb7-5857-4685-be1f-d57550cc96cc" xsi:nil="true"/>
+    <PublishStatusLookup xmlns="4873beb7-5857-4685-be1f-d57550cc96cc">
+      <Value>1616423</Value>
+    </PublishStatusLookup>
+    <APAuthor xmlns="4873beb7-5857-4685-be1f-d57550cc96cc">
+      <UserInfo>
+        <DisplayName>REDMOND\kristaa</DisplayName>
+        <AccountId>136</AccountId>
+        <AccountType/>
+      </UserInfo>
+    </APAuthor>
+    <TPCommandLine xmlns="4873beb7-5857-4685-be1f-d57550cc96cc" xsi:nil="true"/>
+    <IntlLangReviewer xmlns="4873beb7-5857-4685-be1f-d57550cc96cc" xsi:nil="true"/>
+    <OpenTemplate xmlns="4873beb7-5857-4685-be1f-d57550cc96cc">true</OpenTemplate>
+    <CSXSubmissionDate xmlns="4873beb7-5857-4685-be1f-d57550cc96cc" xsi:nil="true"/>
+    <TaxCatchAll xmlns="4873beb7-5857-4685-be1f-d57550cc96cc"/>
+    <Manager xmlns="4873beb7-5857-4685-be1f-d57550cc96cc" xsi:nil="true"/>
+    <NumericId xmlns="4873beb7-5857-4685-be1f-d57550cc96cc" xsi:nil="true"/>
+    <ParentAssetId xmlns="4873beb7-5857-4685-be1f-d57550cc96cc" xsi:nil="true"/>
+    <OriginalSourceMarket xmlns="4873beb7-5857-4685-be1f-d57550cc96cc" xsi:nil="true"/>
+    <ApprovalStatus xmlns="4873beb7-5857-4685-be1f-d57550cc96cc">InProgress</ApprovalStatus>
+    <TPComponent xmlns="4873beb7-5857-4685-be1f-d57550cc96cc" xsi:nil="true"/>
+    <EditorialTags xmlns="4873beb7-5857-4685-be1f-d57550cc96cc" xsi:nil="true"/>
+    <TPExecutable xmlns="4873beb7-5857-4685-be1f-d57550cc96cc" xsi:nil="true"/>
+    <TPLaunchHelpLink xmlns="4873beb7-5857-4685-be1f-d57550cc96cc" xsi:nil="true"/>
+    <LocComments xmlns="4873beb7-5857-4685-be1f-d57550cc96cc" xsi:nil="true"/>
+    <LocRecommendedHandoff xmlns="4873beb7-5857-4685-be1f-d57550cc96cc" xsi:nil="true"/>
+    <SourceTitle xmlns="4873beb7-5857-4685-be1f-d57550cc96cc" xsi:nil="true"/>
+    <CSXUpdate xmlns="4873beb7-5857-4685-be1f-d57550cc96cc">false</CSXUpdate>
+    <IntlLocPriority xmlns="4873beb7-5857-4685-be1f-d57550cc96cc" xsi:nil="true"/>
+    <UAProjectedTotalWords xmlns="4873beb7-5857-4685-be1f-d57550cc96cc" xsi:nil="true"/>
+    <AssetType xmlns="4873beb7-5857-4685-be1f-d57550cc96cc">TP</AssetType>
+    <MachineTranslated xmlns="4873beb7-5857-4685-be1f-d57550cc96cc">false</MachineTranslated>
+    <OutputCachingOn xmlns="4873beb7-5857-4685-be1f-d57550cc96cc">false</OutputCachingOn>
+    <TemplateStatus xmlns="4873beb7-5857-4685-be1f-d57550cc96cc">Complete</TemplateStatus>
+    <IsSearchable xmlns="4873beb7-5857-4685-be1f-d57550cc96cc">true</IsSearchable>
+    <ContentItem xmlns="4873beb7-5857-4685-be1f-d57550cc96cc" xsi:nil="true"/>
+    <HandoffToMSDN xmlns="4873beb7-5857-4685-be1f-d57550cc96cc" xsi:nil="true"/>
+    <ShowIn xmlns="4873beb7-5857-4685-be1f-d57550cc96cc">Show everywhere</ShowIn>
+    <ThumbnailAssetId xmlns="4873beb7-5857-4685-be1f-d57550cc96cc" xsi:nil="true"/>
+    <UALocComments xmlns="4873beb7-5857-4685-be1f-d57550cc96cc" xsi:nil="true"/>
+    <UALocRecommendation xmlns="4873beb7-5857-4685-be1f-d57550cc96cc">Localize</UALocRecommendation>
+    <LastModifiedDateTime xmlns="4873beb7-5857-4685-be1f-d57550cc96cc" xsi:nil="true"/>
+    <LegacyData xmlns="4873beb7-5857-4685-be1f-d57550cc96cc" xsi:nil="true"/>
+    <LocManualTestRequired xmlns="4873beb7-5857-4685-be1f-d57550cc96cc">false</LocManualTestRequired>
+    <LocMarketGroupTiers2 xmlns="4873beb7-5857-4685-be1f-d57550cc96cc" xsi:nil="true"/>
+    <ClipArtFilename xmlns="4873beb7-5857-4685-be1f-d57550cc96cc" xsi:nil="true"/>
+    <TPApplication xmlns="4873beb7-5857-4685-be1f-d57550cc96cc" xsi:nil="true"/>
+    <CSXHash xmlns="4873beb7-5857-4685-be1f-d57550cc96cc" xsi:nil="true"/>
+    <DirectSourceMarket xmlns="4873beb7-5857-4685-be1f-d57550cc96cc" xsi:nil="true"/>
+    <PrimaryImageGen xmlns="4873beb7-5857-4685-be1f-d57550cc96cc">true</PrimaryImageGen>
+    <PlannedPubDate xmlns="4873beb7-5857-4685-be1f-d57550cc96cc" xsi:nil="true"/>
+    <CSXSubmissionMarket xmlns="4873beb7-5857-4685-be1f-d57550cc96cc" xsi:nil="true"/>
+    <Downloads xmlns="4873beb7-5857-4685-be1f-d57550cc96cc">0</Downloads>
+    <ArtSampleDocs xmlns="4873beb7-5857-4685-be1f-d57550cc96cc" xsi:nil="true"/>
+    <TrustLevel xmlns="4873beb7-5857-4685-be1f-d57550cc96cc">1 Microsoft Managed Content</TrustLevel>
+    <BlockPublish xmlns="4873beb7-5857-4685-be1f-d57550cc96cc">false</BlockPublish>
+    <TPLaunchHelpLinkType xmlns="4873beb7-5857-4685-be1f-d57550cc96cc">Template</TPLaunchHelpLinkType>
+    <LocalizationTagsTaxHTField0 xmlns="4873beb7-5857-4685-be1f-d57550cc96cc">
+      <Terms xmlns="http://schemas.microsoft.com/office/infopath/2007/PartnerControls"/>
+    </LocalizationTagsTaxHTField0>
+    <BusinessGroup xmlns="4873beb7-5857-4685-be1f-d57550cc96cc" xsi:nil="true"/>
+    <Providers xmlns="4873beb7-5857-4685-be1f-d57550cc96cc" xsi:nil="true"/>
+    <TemplateTemplateType xmlns="4873beb7-5857-4685-be1f-d57550cc96cc">PowerPoint Presentation Template</TemplateTemplateType>
+    <TimesCloned xmlns="4873beb7-5857-4685-be1f-d57550cc96cc" xsi:nil="true"/>
+    <TPAppVersion xmlns="4873beb7-5857-4685-be1f-d57550cc96cc" xsi:nil="true"/>
+    <VoteCount xmlns="4873beb7-5857-4685-be1f-d57550cc96cc" xsi:nil="true"/>
+    <AverageRating xmlns="4873beb7-5857-4685-be1f-d57550cc96cc" xsi:nil="true"/>
+    <FeatureTagsTaxHTField0 xmlns="4873beb7-5857-4685-be1f-d57550cc96cc">
+      <Terms xmlns="http://schemas.microsoft.com/office/infopath/2007/PartnerControls"/>
+    </FeatureTagsTaxHTField0>
+    <Provider xmlns="4873beb7-5857-4685-be1f-d57550cc96cc" xsi:nil="true"/>
+    <UACurrentWords xmlns="4873beb7-5857-4685-be1f-d57550cc96cc" xsi:nil="true"/>
+    <AssetId xmlns="4873beb7-5857-4685-be1f-d57550cc96cc">TP103431361</AssetId>
+    <TPClientViewer xmlns="4873beb7-5857-4685-be1f-d57550cc96cc" xsi:nil="true"/>
+    <DSATActionTaken xmlns="4873beb7-5857-4685-be1f-d57550cc96cc" xsi:nil="true"/>
+    <APEditor xmlns="4873beb7-5857-4685-be1f-d57550cc96cc">
+      <UserInfo>
+        <DisplayName/>
+        <AccountId xsi:nil="true"/>
+        <AccountType/>
+      </UserInfo>
+    </APEditor>
+    <TPInstallLocation xmlns="4873beb7-5857-4685-be1f-d57550cc96cc" xsi:nil="true"/>
+    <OOCacheId xmlns="4873beb7-5857-4685-be1f-d57550cc96cc" xsi:nil="true"/>
+    <IsDeleted xmlns="4873beb7-5857-4685-be1f-d57550cc96cc">false</IsDeleted>
+    <PublishTargets xmlns="4873beb7-5857-4685-be1f-d57550cc96cc">OfficeOnlineVNext</PublishTargets>
+    <ApprovalLog xmlns="4873beb7-5857-4685-be1f-d57550cc96cc" xsi:nil="true"/>
+    <BugNumber xmlns="4873beb7-5857-4685-be1f-d57550cc96cc" xsi:nil="true"/>
+    <CrawlForDependencies xmlns="4873beb7-5857-4685-be1f-d57550cc96cc">false</CrawlForDependencies>
+    <InternalTagsTaxHTField0 xmlns="4873beb7-5857-4685-be1f-d57550cc96cc">
+      <Terms xmlns="http://schemas.microsoft.com/office/infopath/2007/PartnerControls"/>
+    </InternalTagsTaxHTField0>
+    <LastHandOff xmlns="4873beb7-5857-4685-be1f-d57550cc96cc" xsi:nil="true"/>
+    <Milestone xmlns="4873beb7-5857-4685-be1f-d57550cc96cc" xsi:nil="true"/>
+    <OriginalRelease xmlns="4873beb7-5857-4685-be1f-d57550cc96cc">15</OriginalRelease>
+    <RecommendationsModifier xmlns="4873beb7-5857-4685-be1f-d57550cc96cc" xsi:nil="true"/>
+    <ScenarioTagsTaxHTField0 xmlns="4873beb7-5857-4685-be1f-d57550cc96cc">
+      <Terms xmlns="http://schemas.microsoft.com/office/infopath/2007/PartnerControls"/>
+    </ScenarioTagsTaxHTField0>
+    <UANotes xmlns="4873beb7-5857-4685-be1f-d57550cc96cc" xsi:nil="true"/>
+  </documentManagement>
+</p:properties>
 </file>
 
-<file path=customXml/itemProps2.xml><?xml version="1.0" encoding="utf-8"?>
+<file path=customXml/itemProps1.xml><?xml version="1.0" encoding="utf-8"?>
 <ds:datastoreItem xmlns:ds="http://schemas.openxmlformats.org/officeDocument/2006/customXml" ds:itemID="{28C8B9CA-0273-4370-889A-FC05DA5C2FA5}">
   <ds:schemaRefs>
     <ds:schemaRef ds:uri="http://schemas.microsoft.com/office/2006/metadata/contentType"/>
@@ -26722,10 +26116,26 @@
 </ds:datastoreItem>
 </file>
 
-<file path=customXml/itemProps3.xml><?xml version="1.0" encoding="utf-8"?>
+<file path=customXml/itemProps2.xml><?xml version="1.0" encoding="utf-8"?>
 <ds:datastoreItem xmlns:ds="http://schemas.openxmlformats.org/officeDocument/2006/customXml" ds:itemID="{561E720F-F05D-4536-9C34-0CFCED65D3B7}">
   <ds:schemaRefs>
     <ds:schemaRef ds:uri="http://schemas.microsoft.com/sharepoint/v3/contenttype/forms"/>
   </ds:schemaRefs>
 </ds:datastoreItem>
+</file>
+
+<file path=customXml/itemProps3.xml><?xml version="1.0" encoding="utf-8"?>
+<ds:datastoreItem xmlns:ds="http://schemas.openxmlformats.org/officeDocument/2006/customXml" ds:itemID="{8CDDBB83-77C1-4099-A0AA-289882E745E2}">
+  <ds:schemaRefs>
+    <ds:schemaRef ds:uri="http://schemas.microsoft.com/office/infopath/2007/PartnerControls"/>
+    <ds:schemaRef ds:uri="http://purl.org/dc/dcmitype/"/>
+    <ds:schemaRef ds:uri="http://schemas.openxmlformats.org/package/2006/metadata/core-properties"/>
+    <ds:schemaRef ds:uri="http://www.w3.org/XML/1998/namespace"/>
+    <ds:schemaRef ds:uri="http://schemas.microsoft.com/office/2006/documentManagement/types"/>
+    <ds:schemaRef ds:uri="http://schemas.microsoft.com/office/2006/metadata/properties"/>
+    <ds:schemaRef ds:uri="http://purl.org/dc/elements/1.1/"/>
+    <ds:schemaRef ds:uri="4873beb7-5857-4685-be1f-d57550cc96cc"/>
+    <ds:schemaRef ds:uri="http://purl.org/dc/terms/"/>
+  </ds:schemaRefs>
+</ds:datastoreItem>
 </file>